--- a/Test rapport.pptx
+++ b/Test rapport.pptx
@@ -2,18 +2,25 @@
 <file path=ppt/presentation.xml><?xml version="1.0" encoding="utf-8"?>
 <p:presentation xmlns:a="http://schemas.openxmlformats.org/drawingml/2006/main" xmlns:r="http://schemas.openxmlformats.org/officeDocument/2006/relationships" xmlns:p="http://schemas.openxmlformats.org/presentationml/2006/main" saveSubsetFonts="1">
   <p:sldMasterIdLst>
-    <p:sldMasterId id="2147483648" r:id="rId1"/>
+    <p:sldMasterId id="2147483678" r:id="rId1"/>
   </p:sldMasterIdLst>
   <p:sldIdLst>
     <p:sldId id="256" r:id="rId2"/>
+    <p:sldId id="257" r:id="rId3"/>
+    <p:sldId id="258" r:id="rId4"/>
+    <p:sldId id="259" r:id="rId5"/>
+    <p:sldId id="260" r:id="rId6"/>
+    <p:sldId id="261" r:id="rId7"/>
+    <p:sldId id="262" r:id="rId8"/>
+    <p:sldId id="263" r:id="rId9"/>
   </p:sldIdLst>
   <p:sldSz cx="12192000" cy="6858000"/>
   <p:notesSz cx="6858000" cy="9144000"/>
   <p:defaultTextStyle>
     <a:defPPr>
-      <a:defRPr lang="da-DK"/>
+      <a:defRPr lang="en-US"/>
     </a:defPPr>
-    <a:lvl1pPr marL="0" algn="l" defTabSz="914400" rtl="0" eaLnBrk="1" latinLnBrk="0" hangingPunct="1">
+    <a:lvl1pPr marL="0" algn="l" defTabSz="457200" rtl="0" eaLnBrk="1" latinLnBrk="0" hangingPunct="1">
       <a:defRPr sz="1800" kern="1200">
         <a:solidFill>
           <a:schemeClr val="tx1"/>
@@ -23,7 +30,7 @@
         <a:cs typeface="+mn-cs"/>
       </a:defRPr>
     </a:lvl1pPr>
-    <a:lvl2pPr marL="457200" algn="l" defTabSz="914400" rtl="0" eaLnBrk="1" latinLnBrk="0" hangingPunct="1">
+    <a:lvl2pPr marL="457200" algn="l" defTabSz="457200" rtl="0" eaLnBrk="1" latinLnBrk="0" hangingPunct="1">
       <a:defRPr sz="1800" kern="1200">
         <a:solidFill>
           <a:schemeClr val="tx1"/>
@@ -33,7 +40,7 @@
         <a:cs typeface="+mn-cs"/>
       </a:defRPr>
     </a:lvl2pPr>
-    <a:lvl3pPr marL="914400" algn="l" defTabSz="914400" rtl="0" eaLnBrk="1" latinLnBrk="0" hangingPunct="1">
+    <a:lvl3pPr marL="914400" algn="l" defTabSz="457200" rtl="0" eaLnBrk="1" latinLnBrk="0" hangingPunct="1">
       <a:defRPr sz="1800" kern="1200">
         <a:solidFill>
           <a:schemeClr val="tx1"/>
@@ -43,7 +50,7 @@
         <a:cs typeface="+mn-cs"/>
       </a:defRPr>
     </a:lvl3pPr>
-    <a:lvl4pPr marL="1371600" algn="l" defTabSz="914400" rtl="0" eaLnBrk="1" latinLnBrk="0" hangingPunct="1">
+    <a:lvl4pPr marL="1371600" algn="l" defTabSz="457200" rtl="0" eaLnBrk="1" latinLnBrk="0" hangingPunct="1">
       <a:defRPr sz="1800" kern="1200">
         <a:solidFill>
           <a:schemeClr val="tx1"/>
@@ -53,7 +60,7 @@
         <a:cs typeface="+mn-cs"/>
       </a:defRPr>
     </a:lvl4pPr>
-    <a:lvl5pPr marL="1828800" algn="l" defTabSz="914400" rtl="0" eaLnBrk="1" latinLnBrk="0" hangingPunct="1">
+    <a:lvl5pPr marL="1828800" algn="l" defTabSz="457200" rtl="0" eaLnBrk="1" latinLnBrk="0" hangingPunct="1">
       <a:defRPr sz="1800" kern="1200">
         <a:solidFill>
           <a:schemeClr val="tx1"/>
@@ -63,7 +70,7 @@
         <a:cs typeface="+mn-cs"/>
       </a:defRPr>
     </a:lvl5pPr>
-    <a:lvl6pPr marL="2286000" algn="l" defTabSz="914400" rtl="0" eaLnBrk="1" latinLnBrk="0" hangingPunct="1">
+    <a:lvl6pPr marL="2286000" algn="l" defTabSz="457200" rtl="0" eaLnBrk="1" latinLnBrk="0" hangingPunct="1">
       <a:defRPr sz="1800" kern="1200">
         <a:solidFill>
           <a:schemeClr val="tx1"/>
@@ -73,7 +80,7 @@
         <a:cs typeface="+mn-cs"/>
       </a:defRPr>
     </a:lvl6pPr>
-    <a:lvl7pPr marL="2743200" algn="l" defTabSz="914400" rtl="0" eaLnBrk="1" latinLnBrk="0" hangingPunct="1">
+    <a:lvl7pPr marL="2743200" algn="l" defTabSz="457200" rtl="0" eaLnBrk="1" latinLnBrk="0" hangingPunct="1">
       <a:defRPr sz="1800" kern="1200">
         <a:solidFill>
           <a:schemeClr val="tx1"/>
@@ -83,7 +90,7 @@
         <a:cs typeface="+mn-cs"/>
       </a:defRPr>
     </a:lvl7pPr>
-    <a:lvl8pPr marL="3200400" algn="l" defTabSz="914400" rtl="0" eaLnBrk="1" latinLnBrk="0" hangingPunct="1">
+    <a:lvl8pPr marL="3200400" algn="l" defTabSz="457200" rtl="0" eaLnBrk="1" latinLnBrk="0" hangingPunct="1">
       <a:defRPr sz="1800" kern="1200">
         <a:solidFill>
           <a:schemeClr val="tx1"/>
@@ -93,7 +100,7 @@
         <a:cs typeface="+mn-cs"/>
       </a:defRPr>
     </a:lvl8pPr>
-    <a:lvl9pPr marL="3657600" algn="l" defTabSz="914400" rtl="0" eaLnBrk="1" latinLnBrk="0" hangingPunct="1">
+    <a:lvl9pPr marL="3657600" algn="l" defTabSz="457200" rtl="0" eaLnBrk="1" latinLnBrk="0" hangingPunct="1">
       <a:defRPr sz="1800" kern="1200">
         <a:solidFill>
           <a:schemeClr val="tx1"/>
@@ -104,12 +111,27 @@
       </a:defRPr>
     </a:lvl9pPr>
   </p:defaultTextStyle>
+  <p:extLst>
+    <p:ext uri="{EFAFB233-063F-42B5-8137-9DF3F51BA10A}">
+      <p15:sldGuideLst xmlns:p15="http://schemas.microsoft.com/office/powerpoint/2012/main"/>
+    </p:ext>
+  </p:extLst>
 </p:presentation>
 </file>
 
 <file path=ppt/slideLayouts/slideLayout1.xml><?xml version="1.0" encoding="utf-8"?>
-<p:sldLayout xmlns:a="http://schemas.openxmlformats.org/drawingml/2006/main" xmlns:r="http://schemas.openxmlformats.org/officeDocument/2006/relationships" xmlns:p="http://schemas.openxmlformats.org/presentationml/2006/main" type="title" preserve="1">
+<p:sldLayout xmlns:a="http://schemas.openxmlformats.org/drawingml/2006/main" xmlns:r="http://schemas.openxmlformats.org/officeDocument/2006/relationships" xmlns:p="http://schemas.openxmlformats.org/presentationml/2006/main" showMasterSp="0" type="title" preserve="1">
   <p:cSld name="Titelslide">
+    <p:bg>
+      <p:bgPr>
+        <a:solidFill>
+          <a:schemeClr val="bg2">
+            <a:lumMod val="75000"/>
+          </a:schemeClr>
+        </a:solidFill>
+        <a:effectLst/>
+      </p:bgPr>
+    </p:bg>
     <p:spTree>
       <p:nvGrpSpPr>
         <p:cNvPr id="1" name=""/>
@@ -126,13 +148,7 @@
       </p:grpSpPr>
       <p:sp>
         <p:nvSpPr>
-          <p:cNvPr id="2" name="Titel 1">
-            <a:extLst>
-              <a:ext uri="{FF2B5EF4-FFF2-40B4-BE49-F238E27FC236}">
-                <a16:creationId xmlns:a16="http://schemas.microsoft.com/office/drawing/2014/main" id="{F73ABD6D-9CE1-2796-3F17-FE95013BABB5}"/>
-              </a:ext>
-            </a:extLst>
-          </p:cNvPr>
+          <p:cNvPr id="2" name="Title 1"/>
           <p:cNvSpPr>
             <a:spLocks noGrp="1"/>
           </p:cNvSpPr>
@@ -142,15 +158,24 @@
         </p:nvSpPr>
         <p:spPr>
           <a:xfrm>
-            <a:off x="1524000" y="1122363"/>
-            <a:ext cx="9144000" cy="2387600"/>
+            <a:off x="1261872" y="758952"/>
+            <a:ext cx="9418320" cy="4041648"/>
           </a:xfrm>
         </p:spPr>
         <p:txBody>
-          <a:bodyPr anchor="b"/>
+          <a:bodyPr anchor="b">
+            <a:normAutofit/>
+          </a:bodyPr>
           <a:lstStyle>
-            <a:lvl1pPr algn="ctr">
-              <a:defRPr sz="6000"/>
+            <a:lvl1pPr algn="l">
+              <a:lnSpc>
+                <a:spcPct val="85000"/>
+              </a:lnSpc>
+              <a:defRPr sz="7200" baseline="0">
+                <a:solidFill>
+                  <a:schemeClr val="tx1"/>
+                </a:solidFill>
+              </a:defRPr>
             </a:lvl1pPr>
           </a:lstStyle>
           <a:p>
@@ -158,18 +183,13 @@
               <a:rPr lang="da-DK"/>
               <a:t>Klik for at redigere titeltypografien i masteren</a:t>
             </a:r>
-          </a:p>
-        </p:txBody>
-      </p:sp>
-      <p:sp>
-        <p:nvSpPr>
-          <p:cNvPr id="3" name="Undertitel 2">
-            <a:extLst>
-              <a:ext uri="{FF2B5EF4-FFF2-40B4-BE49-F238E27FC236}">
-                <a16:creationId xmlns:a16="http://schemas.microsoft.com/office/drawing/2014/main" id="{4A5DA996-8F4E-8988-46F6-3167950D95E9}"/>
-              </a:ext>
-            </a:extLst>
-          </p:cNvPr>
+            <a:endParaRPr lang="en-US" dirty="0"/>
+          </a:p>
+        </p:txBody>
+      </p:sp>
+      <p:sp>
+        <p:nvSpPr>
+          <p:cNvPr id="3" name="Subtitle 2"/>
           <p:cNvSpPr>
             <a:spLocks noGrp="1"/>
           </p:cNvSpPr>
@@ -179,48 +199,56 @@
         </p:nvSpPr>
         <p:spPr>
           <a:xfrm>
-            <a:off x="1524000" y="3602038"/>
-            <a:ext cx="9144000" cy="1655762"/>
+            <a:off x="1261872" y="4800600"/>
+            <a:ext cx="9418320" cy="1691640"/>
           </a:xfrm>
         </p:spPr>
         <p:txBody>
-          <a:bodyPr/>
+          <a:bodyPr>
+            <a:normAutofit/>
+          </a:bodyPr>
           <a:lstStyle>
-            <a:lvl1pPr marL="0" indent="0" algn="ctr">
-              <a:buNone/>
-              <a:defRPr sz="2400"/>
+            <a:lvl1pPr marL="0" indent="0" algn="l">
+              <a:buNone/>
+              <a:defRPr sz="2200" baseline="0">
+                <a:solidFill>
+                  <a:schemeClr val="tx1">
+                    <a:lumMod val="75000"/>
+                  </a:schemeClr>
+                </a:solidFill>
+              </a:defRPr>
             </a:lvl1pPr>
             <a:lvl2pPr marL="457200" indent="0" algn="ctr">
               <a:buNone/>
-              <a:defRPr sz="2000"/>
+              <a:defRPr sz="2200"/>
             </a:lvl2pPr>
             <a:lvl3pPr marL="914400" indent="0" algn="ctr">
               <a:buNone/>
-              <a:defRPr sz="1800"/>
+              <a:defRPr sz="2200"/>
             </a:lvl3pPr>
             <a:lvl4pPr marL="1371600" indent="0" algn="ctr">
               <a:buNone/>
-              <a:defRPr sz="1600"/>
+              <a:defRPr sz="2000"/>
             </a:lvl4pPr>
             <a:lvl5pPr marL="1828800" indent="0" algn="ctr">
               <a:buNone/>
-              <a:defRPr sz="1600"/>
+              <a:defRPr sz="2000"/>
             </a:lvl5pPr>
             <a:lvl6pPr marL="2286000" indent="0" algn="ctr">
               <a:buNone/>
-              <a:defRPr sz="1600"/>
+              <a:defRPr sz="2000"/>
             </a:lvl6pPr>
             <a:lvl7pPr marL="2743200" indent="0" algn="ctr">
               <a:buNone/>
-              <a:defRPr sz="1600"/>
+              <a:defRPr sz="2000"/>
             </a:lvl7pPr>
             <a:lvl8pPr marL="3200400" indent="0" algn="ctr">
               <a:buNone/>
-              <a:defRPr sz="1600"/>
+              <a:defRPr sz="2000"/>
             </a:lvl8pPr>
             <a:lvl9pPr marL="3657600" indent="0" algn="ctr">
               <a:buNone/>
-              <a:defRPr sz="1600"/>
+              <a:defRPr sz="2000"/>
             </a:lvl9pPr>
           </a:lstStyle>
           <a:p>
@@ -228,18 +256,13 @@
               <a:rPr lang="da-DK"/>
               <a:t>Klik for at redigere undertiteltypografien i masteren</a:t>
             </a:r>
-          </a:p>
-        </p:txBody>
-      </p:sp>
-      <p:sp>
-        <p:nvSpPr>
-          <p:cNvPr id="4" name="Pladsholder til dato 3">
-            <a:extLst>
-              <a:ext uri="{FF2B5EF4-FFF2-40B4-BE49-F238E27FC236}">
-                <a16:creationId xmlns:a16="http://schemas.microsoft.com/office/drawing/2014/main" id="{C29C75D0-282F-5275-8279-08899DA014EE}"/>
-              </a:ext>
-            </a:extLst>
-          </p:cNvPr>
+            <a:endParaRPr lang="en-US" dirty="0"/>
+          </a:p>
+        </p:txBody>
+      </p:sp>
+      <p:sp>
+        <p:nvSpPr>
+          <p:cNvPr id="4" name="Date Placeholder 3"/>
           <p:cNvSpPr>
             <a:spLocks noGrp="1"/>
           </p:cNvSpPr>
@@ -250,11 +273,21 @@
         <p:spPr/>
         <p:txBody>
           <a:bodyPr/>
-          <a:lstStyle/>
+          <a:lstStyle>
+            <a:lvl1pPr>
+              <a:defRPr>
+                <a:solidFill>
+                  <a:schemeClr val="tx1">
+                    <a:lumMod val="50000"/>
+                  </a:schemeClr>
+                </a:solidFill>
+              </a:defRPr>
+            </a:lvl1pPr>
+          </a:lstStyle>
           <a:p>
             <a:fld id="{CAD48924-9FF0-4265-B261-43E75894504F}" type="datetimeFigureOut">
               <a:rPr lang="da-DK" smtClean="0"/>
-              <a:t>15-10-2025</a:t>
+              <a:t>17-10-2025</a:t>
             </a:fld>
             <a:endParaRPr lang="da-DK"/>
           </a:p>
@@ -262,13 +295,7 @@
       </p:sp>
       <p:sp>
         <p:nvSpPr>
-          <p:cNvPr id="5" name="Pladsholder til sidefod 4">
-            <a:extLst>
-              <a:ext uri="{FF2B5EF4-FFF2-40B4-BE49-F238E27FC236}">
-                <a16:creationId xmlns:a16="http://schemas.microsoft.com/office/drawing/2014/main" id="{BD790797-F4CB-4A9A-B8DE-0C313A8ACECB}"/>
-              </a:ext>
-            </a:extLst>
-          </p:cNvPr>
+          <p:cNvPr id="5" name="Footer Placeholder 4"/>
           <p:cNvSpPr>
             <a:spLocks noGrp="1"/>
           </p:cNvSpPr>
@@ -279,7 +306,17 @@
         <p:spPr/>
         <p:txBody>
           <a:bodyPr/>
-          <a:lstStyle/>
+          <a:lstStyle>
+            <a:lvl1pPr>
+              <a:defRPr>
+                <a:solidFill>
+                  <a:schemeClr val="tx1">
+                    <a:lumMod val="65000"/>
+                  </a:schemeClr>
+                </a:solidFill>
+              </a:defRPr>
+            </a:lvl1pPr>
+          </a:lstStyle>
           <a:p>
             <a:endParaRPr lang="da-DK"/>
           </a:p>
@@ -287,13 +324,7 @@
       </p:sp>
       <p:sp>
         <p:nvSpPr>
-          <p:cNvPr id="6" name="Pladsholder til slidenummer 5">
-            <a:extLst>
-              <a:ext uri="{FF2B5EF4-FFF2-40B4-BE49-F238E27FC236}">
-                <a16:creationId xmlns:a16="http://schemas.microsoft.com/office/drawing/2014/main" id="{9A2D0DD2-D537-B285-29A6-30CC38E58ED9}"/>
-              </a:ext>
-            </a:extLst>
-          </p:cNvPr>
+          <p:cNvPr id="6" name="Slide Number Placeholder 5"/>
           <p:cNvSpPr>
             <a:spLocks noGrp="1"/>
           </p:cNvSpPr>
@@ -304,7 +335,17 @@
         <p:spPr/>
         <p:txBody>
           <a:bodyPr/>
-          <a:lstStyle/>
+          <a:lstStyle>
+            <a:lvl1pPr>
+              <a:defRPr>
+                <a:solidFill>
+                  <a:schemeClr val="tx1">
+                    <a:lumMod val="65000"/>
+                  </a:schemeClr>
+                </a:solidFill>
+              </a:defRPr>
+            </a:lvl1pPr>
+          </a:lstStyle>
           <a:p>
             <a:fld id="{B1D3CBFB-486C-45C4-8871-B23B12BC4F5B}" type="slidenum">
               <a:rPr lang="da-DK" smtClean="0"/>
@@ -314,16 +355,57 @@
           </a:p>
         </p:txBody>
       </p:sp>
+      <p:sp>
+        <p:nvSpPr>
+          <p:cNvPr id="7" name="Rectangle 6"/>
+          <p:cNvSpPr/>
+          <p:nvPr/>
+        </p:nvSpPr>
+        <p:spPr>
+          <a:xfrm>
+            <a:off x="0" y="0"/>
+            <a:ext cx="457200" cy="6858000"/>
+          </a:xfrm>
+          <a:prstGeom prst="rect">
+            <a:avLst/>
+          </a:prstGeom>
+          <a:solidFill>
+            <a:schemeClr val="accent1"/>
+          </a:solidFill>
+          <a:ln>
+            <a:noFill/>
+          </a:ln>
+        </p:spPr>
+        <p:style>
+          <a:lnRef idx="2">
+            <a:schemeClr val="accent1">
+              <a:shade val="50000"/>
+            </a:schemeClr>
+          </a:lnRef>
+          <a:fillRef idx="1">
+            <a:schemeClr val="accent1"/>
+          </a:fillRef>
+          <a:effectRef idx="0">
+            <a:schemeClr val="accent1"/>
+          </a:effectRef>
+          <a:fontRef idx="minor">
+            <a:schemeClr val="lt1"/>
+          </a:fontRef>
+        </p:style>
+      </p:sp>
     </p:spTree>
     <p:extLst>
       <p:ext uri="{BB962C8B-B14F-4D97-AF65-F5344CB8AC3E}">
-        <p14:creationId xmlns:p14="http://schemas.microsoft.com/office/powerpoint/2010/main" val="1382504429"/>
+        <p14:creationId xmlns:p14="http://schemas.microsoft.com/office/powerpoint/2010/main" val="2967979869"/>
       </p:ext>
     </p:extLst>
   </p:cSld>
   <p:clrMapOvr>
-    <a:masterClrMapping/>
+    <a:overrideClrMapping bg1="dk1" tx1="lt1" bg2="dk2" tx2="lt2" accent1="accent1" accent2="accent2" accent3="accent3" accent4="accent4" accent5="accent5" accent6="accent6" hlink="hlink" folHlink="folHlink"/>
   </p:clrMapOvr>
+  <p:transition spd="med">
+    <p:pull/>
+  </p:transition>
 </p:sldLayout>
 </file>
 
@@ -346,13 +428,7 @@
       </p:grpSpPr>
       <p:sp>
         <p:nvSpPr>
-          <p:cNvPr id="2" name="Titel 1">
-            <a:extLst>
-              <a:ext uri="{FF2B5EF4-FFF2-40B4-BE49-F238E27FC236}">
-                <a16:creationId xmlns:a16="http://schemas.microsoft.com/office/drawing/2014/main" id="{FEB3140F-A400-98E6-B914-2A0658B2614F}"/>
-              </a:ext>
-            </a:extLst>
-          </p:cNvPr>
+          <p:cNvPr id="2" name="Title 1"/>
           <p:cNvSpPr>
             <a:spLocks noGrp="1"/>
           </p:cNvSpPr>
@@ -369,18 +445,13 @@
               <a:rPr lang="da-DK"/>
               <a:t>Klik for at redigere titeltypografien i masteren</a:t>
             </a:r>
-          </a:p>
-        </p:txBody>
-      </p:sp>
-      <p:sp>
-        <p:nvSpPr>
-          <p:cNvPr id="3" name="Pladsholder til lodret titel 2">
-            <a:extLst>
-              <a:ext uri="{FF2B5EF4-FFF2-40B4-BE49-F238E27FC236}">
-                <a16:creationId xmlns:a16="http://schemas.microsoft.com/office/drawing/2014/main" id="{E48F693F-3BEB-2DCC-26D5-660F8DD9CA3F}"/>
-              </a:ext>
-            </a:extLst>
-          </p:cNvPr>
+            <a:endParaRPr lang="en-US" dirty="0"/>
+          </a:p>
+        </p:txBody>
+      </p:sp>
+      <p:sp>
+        <p:nvSpPr>
+          <p:cNvPr id="3" name="Vertical Text Placeholder 2"/>
           <p:cNvSpPr>
             <a:spLocks noGrp="1"/>
           </p:cNvSpPr>
@@ -426,18 +497,13 @@
               <a:rPr lang="da-DK"/>
               <a:t>Femte niveau</a:t>
             </a:r>
-          </a:p>
-        </p:txBody>
-      </p:sp>
-      <p:sp>
-        <p:nvSpPr>
-          <p:cNvPr id="4" name="Pladsholder til dato 3">
-            <a:extLst>
-              <a:ext uri="{FF2B5EF4-FFF2-40B4-BE49-F238E27FC236}">
-                <a16:creationId xmlns:a16="http://schemas.microsoft.com/office/drawing/2014/main" id="{D8F0146F-25CD-F6C0-8244-38223695A438}"/>
-              </a:ext>
-            </a:extLst>
-          </p:cNvPr>
+            <a:endParaRPr lang="en-US" dirty="0"/>
+          </a:p>
+        </p:txBody>
+      </p:sp>
+      <p:sp>
+        <p:nvSpPr>
+          <p:cNvPr id="4" name="Date Placeholder 3"/>
           <p:cNvSpPr>
             <a:spLocks noGrp="1"/>
           </p:cNvSpPr>
@@ -452,7 +518,7 @@
           <a:p>
             <a:fld id="{CAD48924-9FF0-4265-B261-43E75894504F}" type="datetimeFigureOut">
               <a:rPr lang="da-DK" smtClean="0"/>
-              <a:t>15-10-2025</a:t>
+              <a:t>17-10-2025</a:t>
             </a:fld>
             <a:endParaRPr lang="da-DK"/>
           </a:p>
@@ -460,13 +526,7 @@
       </p:sp>
       <p:sp>
         <p:nvSpPr>
-          <p:cNvPr id="5" name="Pladsholder til sidefod 4">
-            <a:extLst>
-              <a:ext uri="{FF2B5EF4-FFF2-40B4-BE49-F238E27FC236}">
-                <a16:creationId xmlns:a16="http://schemas.microsoft.com/office/drawing/2014/main" id="{94C99F2D-0139-3D01-78EC-6760DCB92654}"/>
-              </a:ext>
-            </a:extLst>
-          </p:cNvPr>
+          <p:cNvPr id="5" name="Footer Placeholder 4"/>
           <p:cNvSpPr>
             <a:spLocks noGrp="1"/>
           </p:cNvSpPr>
@@ -485,13 +545,7 @@
       </p:sp>
       <p:sp>
         <p:nvSpPr>
-          <p:cNvPr id="6" name="Pladsholder til slidenummer 5">
-            <a:extLst>
-              <a:ext uri="{FF2B5EF4-FFF2-40B4-BE49-F238E27FC236}">
-                <a16:creationId xmlns:a16="http://schemas.microsoft.com/office/drawing/2014/main" id="{01EAD41B-5F4A-5A1A-D085-5B28F37333B2}"/>
-              </a:ext>
-            </a:extLst>
-          </p:cNvPr>
+          <p:cNvPr id="6" name="Slide Number Placeholder 5"/>
           <p:cNvSpPr>
             <a:spLocks noGrp="1"/>
           </p:cNvSpPr>
@@ -515,13 +569,16 @@
     </p:spTree>
     <p:extLst>
       <p:ext uri="{BB962C8B-B14F-4D97-AF65-F5344CB8AC3E}">
-        <p14:creationId xmlns:p14="http://schemas.microsoft.com/office/powerpoint/2010/main" val="2583106995"/>
+        <p14:creationId xmlns:p14="http://schemas.microsoft.com/office/powerpoint/2010/main" val="3476813699"/>
       </p:ext>
     </p:extLst>
   </p:cSld>
   <p:clrMapOvr>
     <a:masterClrMapping/>
   </p:clrMapOvr>
+  <p:transition spd="med">
+    <p:pull/>
+  </p:transition>
 </p:sldLayout>
 </file>
 
@@ -544,13 +601,7 @@
       </p:grpSpPr>
       <p:sp>
         <p:nvSpPr>
-          <p:cNvPr id="2" name="Lodret titel 1">
-            <a:extLst>
-              <a:ext uri="{FF2B5EF4-FFF2-40B4-BE49-F238E27FC236}">
-                <a16:creationId xmlns:a16="http://schemas.microsoft.com/office/drawing/2014/main" id="{0A23D63A-C4C5-B5B1-9775-77777C81B598}"/>
-              </a:ext>
-            </a:extLst>
-          </p:cNvPr>
+          <p:cNvPr id="2" name="Vertical Title 1"/>
           <p:cNvSpPr>
             <a:spLocks noGrp="1"/>
           </p:cNvSpPr>
@@ -560,8 +611,8 @@
         </p:nvSpPr>
         <p:spPr>
           <a:xfrm>
-            <a:off x="8724900" y="365125"/>
-            <a:ext cx="2628900" cy="5811838"/>
+            <a:off x="8648700" y="381000"/>
+            <a:ext cx="2476500" cy="5897562"/>
           </a:xfrm>
         </p:spPr>
         <p:txBody>
@@ -572,18 +623,13 @@
               <a:rPr lang="da-DK"/>
               <a:t>Klik for at redigere titeltypografien i masteren</a:t>
             </a:r>
-          </a:p>
-        </p:txBody>
-      </p:sp>
-      <p:sp>
-        <p:nvSpPr>
-          <p:cNvPr id="3" name="Pladsholder til lodret titel 2">
-            <a:extLst>
-              <a:ext uri="{FF2B5EF4-FFF2-40B4-BE49-F238E27FC236}">
-                <a16:creationId xmlns:a16="http://schemas.microsoft.com/office/drawing/2014/main" id="{F2F1782B-B83F-7576-725B-9F0AA6D18803}"/>
-              </a:ext>
-            </a:extLst>
-          </p:cNvPr>
+            <a:endParaRPr lang="en-US" dirty="0"/>
+          </a:p>
+        </p:txBody>
+      </p:sp>
+      <p:sp>
+        <p:nvSpPr>
+          <p:cNvPr id="3" name="Vertical Text Placeholder 2"/>
           <p:cNvSpPr>
             <a:spLocks noGrp="1"/>
           </p:cNvSpPr>
@@ -593,8 +639,8 @@
         </p:nvSpPr>
         <p:spPr>
           <a:xfrm>
-            <a:off x="838200" y="365125"/>
-            <a:ext cx="7734300" cy="5811838"/>
+            <a:off x="762000" y="381000"/>
+            <a:ext cx="7734300" cy="5897562"/>
           </a:xfrm>
         </p:spPr>
         <p:txBody>
@@ -634,18 +680,13 @@
               <a:rPr lang="da-DK"/>
               <a:t>Femte niveau</a:t>
             </a:r>
-          </a:p>
-        </p:txBody>
-      </p:sp>
-      <p:sp>
-        <p:nvSpPr>
-          <p:cNvPr id="4" name="Pladsholder til dato 3">
-            <a:extLst>
-              <a:ext uri="{FF2B5EF4-FFF2-40B4-BE49-F238E27FC236}">
-                <a16:creationId xmlns:a16="http://schemas.microsoft.com/office/drawing/2014/main" id="{3B422A78-0876-DEFD-8B06-5930E2E0E096}"/>
-              </a:ext>
-            </a:extLst>
-          </p:cNvPr>
+            <a:endParaRPr lang="en-US" dirty="0"/>
+          </a:p>
+        </p:txBody>
+      </p:sp>
+      <p:sp>
+        <p:nvSpPr>
+          <p:cNvPr id="4" name="Date Placeholder 3"/>
           <p:cNvSpPr>
             <a:spLocks noGrp="1"/>
           </p:cNvSpPr>
@@ -660,7 +701,7 @@
           <a:p>
             <a:fld id="{CAD48924-9FF0-4265-B261-43E75894504F}" type="datetimeFigureOut">
               <a:rPr lang="da-DK" smtClean="0"/>
-              <a:t>15-10-2025</a:t>
+              <a:t>17-10-2025</a:t>
             </a:fld>
             <a:endParaRPr lang="da-DK"/>
           </a:p>
@@ -668,13 +709,7 @@
       </p:sp>
       <p:sp>
         <p:nvSpPr>
-          <p:cNvPr id="5" name="Pladsholder til sidefod 4">
-            <a:extLst>
-              <a:ext uri="{FF2B5EF4-FFF2-40B4-BE49-F238E27FC236}">
-                <a16:creationId xmlns:a16="http://schemas.microsoft.com/office/drawing/2014/main" id="{B73E393C-D256-F747-D3E3-ED5F7B6D6999}"/>
-              </a:ext>
-            </a:extLst>
-          </p:cNvPr>
+          <p:cNvPr id="5" name="Footer Placeholder 4"/>
           <p:cNvSpPr>
             <a:spLocks noGrp="1"/>
           </p:cNvSpPr>
@@ -693,13 +728,7 @@
       </p:sp>
       <p:sp>
         <p:nvSpPr>
-          <p:cNvPr id="6" name="Pladsholder til slidenummer 5">
-            <a:extLst>
-              <a:ext uri="{FF2B5EF4-FFF2-40B4-BE49-F238E27FC236}">
-                <a16:creationId xmlns:a16="http://schemas.microsoft.com/office/drawing/2014/main" id="{05695BB6-9975-E6A1-F4EA-57102E500239}"/>
-              </a:ext>
-            </a:extLst>
-          </p:cNvPr>
+          <p:cNvPr id="6" name="Slide Number Placeholder 5"/>
           <p:cNvSpPr>
             <a:spLocks noGrp="1"/>
           </p:cNvSpPr>
@@ -723,13 +752,16 @@
     </p:spTree>
     <p:extLst>
       <p:ext uri="{BB962C8B-B14F-4D97-AF65-F5344CB8AC3E}">
-        <p14:creationId xmlns:p14="http://schemas.microsoft.com/office/powerpoint/2010/main" val="938988635"/>
+        <p14:creationId xmlns:p14="http://schemas.microsoft.com/office/powerpoint/2010/main" val="3612145134"/>
       </p:ext>
     </p:extLst>
   </p:cSld>
   <p:clrMapOvr>
     <a:masterClrMapping/>
   </p:clrMapOvr>
+  <p:transition spd="med">
+    <p:pull/>
+  </p:transition>
 </p:sldLayout>
 </file>
 
@@ -752,13 +784,7 @@
       </p:grpSpPr>
       <p:sp>
         <p:nvSpPr>
-          <p:cNvPr id="2" name="Titel 1">
-            <a:extLst>
-              <a:ext uri="{FF2B5EF4-FFF2-40B4-BE49-F238E27FC236}">
-                <a16:creationId xmlns:a16="http://schemas.microsoft.com/office/drawing/2014/main" id="{1F05153F-1C78-B67C-FF9B-1FE0B6741CBC}"/>
-              </a:ext>
-            </a:extLst>
-          </p:cNvPr>
+          <p:cNvPr id="2" name="Title 1"/>
           <p:cNvSpPr>
             <a:spLocks noGrp="1"/>
           </p:cNvSpPr>
@@ -775,18 +801,13 @@
               <a:rPr lang="da-DK"/>
               <a:t>Klik for at redigere titeltypografien i masteren</a:t>
             </a:r>
-          </a:p>
-        </p:txBody>
-      </p:sp>
-      <p:sp>
-        <p:nvSpPr>
-          <p:cNvPr id="3" name="Pladsholder til indhold 2">
-            <a:extLst>
-              <a:ext uri="{FF2B5EF4-FFF2-40B4-BE49-F238E27FC236}">
-                <a16:creationId xmlns:a16="http://schemas.microsoft.com/office/drawing/2014/main" id="{F5202845-F006-4D4C-2C62-10A269F0CED8}"/>
-              </a:ext>
-            </a:extLst>
-          </p:cNvPr>
+            <a:endParaRPr lang="en-US" dirty="0"/>
+          </a:p>
+        </p:txBody>
+      </p:sp>
+      <p:sp>
+        <p:nvSpPr>
+          <p:cNvPr id="3" name="Content Placeholder 2"/>
           <p:cNvSpPr>
             <a:spLocks noGrp="1"/>
           </p:cNvSpPr>
@@ -832,18 +853,13 @@
               <a:rPr lang="da-DK"/>
               <a:t>Femte niveau</a:t>
             </a:r>
-          </a:p>
-        </p:txBody>
-      </p:sp>
-      <p:sp>
-        <p:nvSpPr>
-          <p:cNvPr id="4" name="Pladsholder til dato 3">
-            <a:extLst>
-              <a:ext uri="{FF2B5EF4-FFF2-40B4-BE49-F238E27FC236}">
-                <a16:creationId xmlns:a16="http://schemas.microsoft.com/office/drawing/2014/main" id="{5DD16FA5-1CB9-44BE-05DB-1E70A54CBE1E}"/>
-              </a:ext>
-            </a:extLst>
-          </p:cNvPr>
+            <a:endParaRPr lang="en-US" dirty="0"/>
+          </a:p>
+        </p:txBody>
+      </p:sp>
+      <p:sp>
+        <p:nvSpPr>
+          <p:cNvPr id="4" name="Date Placeholder 3"/>
           <p:cNvSpPr>
             <a:spLocks noGrp="1"/>
           </p:cNvSpPr>
@@ -858,7 +874,7 @@
           <a:p>
             <a:fld id="{CAD48924-9FF0-4265-B261-43E75894504F}" type="datetimeFigureOut">
               <a:rPr lang="da-DK" smtClean="0"/>
-              <a:t>15-10-2025</a:t>
+              <a:t>17-10-2025</a:t>
             </a:fld>
             <a:endParaRPr lang="da-DK"/>
           </a:p>
@@ -866,13 +882,7 @@
       </p:sp>
       <p:sp>
         <p:nvSpPr>
-          <p:cNvPr id="5" name="Pladsholder til sidefod 4">
-            <a:extLst>
-              <a:ext uri="{FF2B5EF4-FFF2-40B4-BE49-F238E27FC236}">
-                <a16:creationId xmlns:a16="http://schemas.microsoft.com/office/drawing/2014/main" id="{217B4BED-C7AD-303A-D60F-943014E0A4AD}"/>
-              </a:ext>
-            </a:extLst>
-          </p:cNvPr>
+          <p:cNvPr id="5" name="Footer Placeholder 4"/>
           <p:cNvSpPr>
             <a:spLocks noGrp="1"/>
           </p:cNvSpPr>
@@ -891,13 +901,7 @@
       </p:sp>
       <p:sp>
         <p:nvSpPr>
-          <p:cNvPr id="6" name="Pladsholder til slidenummer 5">
-            <a:extLst>
-              <a:ext uri="{FF2B5EF4-FFF2-40B4-BE49-F238E27FC236}">
-                <a16:creationId xmlns:a16="http://schemas.microsoft.com/office/drawing/2014/main" id="{47050C57-235E-A12A-CE40-DBBCE5E29ED1}"/>
-              </a:ext>
-            </a:extLst>
-          </p:cNvPr>
+          <p:cNvPr id="6" name="Slide Number Placeholder 5"/>
           <p:cNvSpPr>
             <a:spLocks noGrp="1"/>
           </p:cNvSpPr>
@@ -921,13 +925,16 @@
     </p:spTree>
     <p:extLst>
       <p:ext uri="{BB962C8B-B14F-4D97-AF65-F5344CB8AC3E}">
-        <p14:creationId xmlns:p14="http://schemas.microsoft.com/office/powerpoint/2010/main" val="2038606273"/>
+        <p14:creationId xmlns:p14="http://schemas.microsoft.com/office/powerpoint/2010/main" val="826806129"/>
       </p:ext>
     </p:extLst>
   </p:cSld>
   <p:clrMapOvr>
     <a:masterClrMapping/>
   </p:clrMapOvr>
+  <p:transition spd="med">
+    <p:pull/>
+  </p:transition>
 </p:sldLayout>
 </file>
 
@@ -950,13 +957,7 @@
       </p:grpSpPr>
       <p:sp>
         <p:nvSpPr>
-          <p:cNvPr id="2" name="Titel 1">
-            <a:extLst>
-              <a:ext uri="{FF2B5EF4-FFF2-40B4-BE49-F238E27FC236}">
-                <a16:creationId xmlns:a16="http://schemas.microsoft.com/office/drawing/2014/main" id="{8B77D575-AC0F-77D4-EE83-807A80978FED}"/>
-              </a:ext>
-            </a:extLst>
-          </p:cNvPr>
+          <p:cNvPr id="2" name="Title 1"/>
           <p:cNvSpPr>
             <a:spLocks noGrp="1"/>
           </p:cNvSpPr>
@@ -966,15 +967,20 @@
         </p:nvSpPr>
         <p:spPr>
           <a:xfrm>
-            <a:off x="831850" y="1709738"/>
-            <a:ext cx="10515600" cy="2852737"/>
+            <a:off x="1261872" y="758952"/>
+            <a:ext cx="9418320" cy="4041648"/>
           </a:xfrm>
         </p:spPr>
         <p:txBody>
-          <a:bodyPr anchor="b"/>
+          <a:bodyPr anchor="b">
+            <a:normAutofit/>
+          </a:bodyPr>
           <a:lstStyle>
             <a:lvl1pPr>
-              <a:defRPr sz="6000"/>
+              <a:lnSpc>
+                <a:spcPct val="85000"/>
+              </a:lnSpc>
+              <a:defRPr sz="7200" b="0"/>
             </a:lvl1pPr>
           </a:lstStyle>
           <a:p>
@@ -982,18 +988,13 @@
               <a:rPr lang="da-DK"/>
               <a:t>Klik for at redigere titeltypografien i masteren</a:t>
             </a:r>
-          </a:p>
-        </p:txBody>
-      </p:sp>
-      <p:sp>
-        <p:nvSpPr>
-          <p:cNvPr id="3" name="Pladsholder til tekst 2">
-            <a:extLst>
-              <a:ext uri="{FF2B5EF4-FFF2-40B4-BE49-F238E27FC236}">
-                <a16:creationId xmlns:a16="http://schemas.microsoft.com/office/drawing/2014/main" id="{774A93F1-8F50-1138-6290-24FD5D09898E}"/>
-              </a:ext>
-            </a:extLst>
-          </p:cNvPr>
+            <a:endParaRPr lang="en-US" dirty="0"/>
+          </a:p>
+        </p:txBody>
+      </p:sp>
+      <p:sp>
+        <p:nvSpPr>
+          <p:cNvPr id="3" name="Text Placeholder 2"/>
           <p:cNvSpPr>
             <a:spLocks noGrp="1"/>
           </p:cNvSpPr>
@@ -1003,99 +1004,102 @@
         </p:nvSpPr>
         <p:spPr>
           <a:xfrm>
-            <a:off x="831850" y="4589463"/>
-            <a:ext cx="10515600" cy="1500187"/>
+            <a:off x="1261872" y="4800600"/>
+            <a:ext cx="9418320" cy="1691640"/>
           </a:xfrm>
         </p:spPr>
         <p:txBody>
-          <a:bodyPr/>
+          <a:bodyPr anchor="t">
+            <a:normAutofit/>
+          </a:bodyPr>
           <a:lstStyle>
             <a:lvl1pPr marL="0" indent="0">
               <a:buNone/>
-              <a:defRPr sz="2400">
+              <a:defRPr sz="2200">
                 <a:solidFill>
                   <a:schemeClr val="tx1">
-                    <a:tint val="82000"/>
+                    <a:lumMod val="65000"/>
+                    <a:lumOff val="35000"/>
                   </a:schemeClr>
                 </a:solidFill>
               </a:defRPr>
             </a:lvl1pPr>
             <a:lvl2pPr marL="457200" indent="0">
               <a:buNone/>
-              <a:defRPr sz="2000">
+              <a:defRPr sz="1800">
                 <a:solidFill>
                   <a:schemeClr val="tx1">
-                    <a:tint val="82000"/>
+                    <a:tint val="75000"/>
                   </a:schemeClr>
                 </a:solidFill>
               </a:defRPr>
             </a:lvl2pPr>
             <a:lvl3pPr marL="914400" indent="0">
               <a:buNone/>
-              <a:defRPr sz="1800">
+              <a:defRPr sz="1600">
                 <a:solidFill>
                   <a:schemeClr val="tx1">
-                    <a:tint val="82000"/>
+                    <a:tint val="75000"/>
                   </a:schemeClr>
                 </a:solidFill>
               </a:defRPr>
             </a:lvl3pPr>
             <a:lvl4pPr marL="1371600" indent="0">
               <a:buNone/>
-              <a:defRPr sz="1600">
+              <a:defRPr sz="1400">
                 <a:solidFill>
                   <a:schemeClr val="tx1">
-                    <a:tint val="82000"/>
+                    <a:tint val="75000"/>
                   </a:schemeClr>
                 </a:solidFill>
               </a:defRPr>
             </a:lvl4pPr>
             <a:lvl5pPr marL="1828800" indent="0">
               <a:buNone/>
-              <a:defRPr sz="1600">
+              <a:defRPr sz="1400">
                 <a:solidFill>
                   <a:schemeClr val="tx1">
-                    <a:tint val="82000"/>
+                    <a:tint val="75000"/>
                   </a:schemeClr>
                 </a:solidFill>
               </a:defRPr>
             </a:lvl5pPr>
             <a:lvl6pPr marL="2286000" indent="0">
               <a:buNone/>
-              <a:defRPr sz="1600">
+              <a:defRPr sz="1400">
                 <a:solidFill>
                   <a:schemeClr val="tx1">
-                    <a:tint val="82000"/>
+                    <a:tint val="75000"/>
                   </a:schemeClr>
                 </a:solidFill>
               </a:defRPr>
             </a:lvl6pPr>
             <a:lvl7pPr marL="2743200" indent="0">
               <a:buNone/>
-              <a:defRPr sz="1600">
+              <a:defRPr sz="1400">
                 <a:solidFill>
                   <a:schemeClr val="tx1">
-                    <a:tint val="82000"/>
+                    <a:tint val="75000"/>
                   </a:schemeClr>
                 </a:solidFill>
               </a:defRPr>
             </a:lvl7pPr>
             <a:lvl8pPr marL="3200400" indent="0">
               <a:buNone/>
-              <a:defRPr sz="1600">
+              <a:defRPr sz="1400">
                 <a:solidFill>
                   <a:schemeClr val="tx1">
-                    <a:tint val="82000"/>
+                    <a:tint val="75000"/>
                   </a:schemeClr>
                 </a:solidFill>
               </a:defRPr>
             </a:lvl8pPr>
             <a:lvl9pPr marL="3657600" indent="0">
               <a:buNone/>
-              <a:defRPr sz="1600">
+              <a:defRPr sz="1400">
                 <a:solidFill>
                   <a:schemeClr val="tx1">
-                    <a:tint val="82000"/>
+                    <a:tint val="75000"/>
                   </a:schemeClr>
                 </a:solidFill>
               </a:defRPr>
@@ -1112,13 +1116,7 @@
       </p:sp>
       <p:sp>
         <p:nvSpPr>
-          <p:cNvPr id="4" name="Pladsholder til dato 3">
-            <a:extLst>
-              <a:ext uri="{FF2B5EF4-FFF2-40B4-BE49-F238E27FC236}">
-                <a16:creationId xmlns:a16="http://schemas.microsoft.com/office/drawing/2014/main" id="{70B04EB1-4D95-EF77-4797-A629FBE7F79A}"/>
-              </a:ext>
-            </a:extLst>
-          </p:cNvPr>
+          <p:cNvPr id="4" name="Date Placeholder 3"/>
           <p:cNvSpPr>
             <a:spLocks noGrp="1"/>
           </p:cNvSpPr>
@@ -1133,7 +1131,7 @@
           <a:p>
             <a:fld id="{CAD48924-9FF0-4265-B261-43E75894504F}" type="datetimeFigureOut">
               <a:rPr lang="da-DK" smtClean="0"/>
-              <a:t>15-10-2025</a:t>
+              <a:t>17-10-2025</a:t>
             </a:fld>
             <a:endParaRPr lang="da-DK"/>
           </a:p>
@@ -1141,13 +1139,7 @@
       </p:sp>
       <p:sp>
         <p:nvSpPr>
-          <p:cNvPr id="5" name="Pladsholder til sidefod 4">
-            <a:extLst>
-              <a:ext uri="{FF2B5EF4-FFF2-40B4-BE49-F238E27FC236}">
-                <a16:creationId xmlns:a16="http://schemas.microsoft.com/office/drawing/2014/main" id="{B5BA1A2E-49D4-AA49-8216-03B6864BE82B}"/>
-              </a:ext>
-            </a:extLst>
-          </p:cNvPr>
+          <p:cNvPr id="5" name="Footer Placeholder 4"/>
           <p:cNvSpPr>
             <a:spLocks noGrp="1"/>
           </p:cNvSpPr>
@@ -1166,13 +1158,7 @@
       </p:sp>
       <p:sp>
         <p:nvSpPr>
-          <p:cNvPr id="6" name="Pladsholder til slidenummer 5">
-            <a:extLst>
-              <a:ext uri="{FF2B5EF4-FFF2-40B4-BE49-F238E27FC236}">
-                <a16:creationId xmlns:a16="http://schemas.microsoft.com/office/drawing/2014/main" id="{9D498FA8-3F1B-4972-D909-98C9F59FF059}"/>
-              </a:ext>
-            </a:extLst>
-          </p:cNvPr>
+          <p:cNvPr id="6" name="Slide Number Placeholder 5"/>
           <p:cNvSpPr>
             <a:spLocks noGrp="1"/>
           </p:cNvSpPr>
@@ -1193,16 +1179,57 @@
           </a:p>
         </p:txBody>
       </p:sp>
+      <p:sp>
+        <p:nvSpPr>
+          <p:cNvPr id="7" name="Rectangle 6"/>
+          <p:cNvSpPr/>
+          <p:nvPr/>
+        </p:nvSpPr>
+        <p:spPr>
+          <a:xfrm>
+            <a:off x="0" y="0"/>
+            <a:ext cx="457200" cy="6858000"/>
+          </a:xfrm>
+          <a:prstGeom prst="rect">
+            <a:avLst/>
+          </a:prstGeom>
+          <a:solidFill>
+            <a:schemeClr val="accent1"/>
+          </a:solidFill>
+          <a:ln>
+            <a:noFill/>
+          </a:ln>
+        </p:spPr>
+        <p:style>
+          <a:lnRef idx="2">
+            <a:schemeClr val="accent1">
+              <a:shade val="50000"/>
+            </a:schemeClr>
+          </a:lnRef>
+          <a:fillRef idx="1">
+            <a:schemeClr val="accent1"/>
+          </a:fillRef>
+          <a:effectRef idx="0">
+            <a:schemeClr val="accent1"/>
+          </a:effectRef>
+          <a:fontRef idx="minor">
+            <a:schemeClr val="lt1"/>
+          </a:fontRef>
+        </p:style>
+      </p:sp>
     </p:spTree>
     <p:extLst>
       <p:ext uri="{BB962C8B-B14F-4D97-AF65-F5344CB8AC3E}">
-        <p14:creationId xmlns:p14="http://schemas.microsoft.com/office/powerpoint/2010/main" val="4070595912"/>
+        <p14:creationId xmlns:p14="http://schemas.microsoft.com/office/powerpoint/2010/main" val="1709098013"/>
       </p:ext>
     </p:extLst>
   </p:cSld>
   <p:clrMapOvr>
     <a:masterClrMapping/>
   </p:clrMapOvr>
+  <p:transition spd="med">
+    <p:pull/>
+  </p:transition>
 </p:sldLayout>
 </file>
 
@@ -1225,13 +1252,7 @@
       </p:grpSpPr>
       <p:sp>
         <p:nvSpPr>
-          <p:cNvPr id="2" name="Titel 1">
-            <a:extLst>
-              <a:ext uri="{FF2B5EF4-FFF2-40B4-BE49-F238E27FC236}">
-                <a16:creationId xmlns:a16="http://schemas.microsoft.com/office/drawing/2014/main" id="{09DC0386-2294-65D2-9D01-DBF824A725A3}"/>
-              </a:ext>
-            </a:extLst>
-          </p:cNvPr>
+          <p:cNvPr id="2" name="Title 1"/>
           <p:cNvSpPr>
             <a:spLocks noGrp="1"/>
           </p:cNvSpPr>
@@ -1248,18 +1269,13 @@
               <a:rPr lang="da-DK"/>
               <a:t>Klik for at redigere titeltypografien i masteren</a:t>
             </a:r>
-          </a:p>
-        </p:txBody>
-      </p:sp>
-      <p:sp>
-        <p:nvSpPr>
-          <p:cNvPr id="3" name="Pladsholder til indhold 2">
-            <a:extLst>
-              <a:ext uri="{FF2B5EF4-FFF2-40B4-BE49-F238E27FC236}">
-                <a16:creationId xmlns:a16="http://schemas.microsoft.com/office/drawing/2014/main" id="{1B26E384-8B4F-F32A-4B57-56731F2BB8C9}"/>
-              </a:ext>
-            </a:extLst>
-          </p:cNvPr>
+            <a:endParaRPr lang="en-US" dirty="0"/>
+          </a:p>
+        </p:txBody>
+      </p:sp>
+      <p:sp>
+        <p:nvSpPr>
+          <p:cNvPr id="3" name="Content Placeholder 2"/>
           <p:cNvSpPr>
             <a:spLocks noGrp="1"/>
           </p:cNvSpPr>
@@ -1269,13 +1285,41 @@
         </p:nvSpPr>
         <p:spPr>
           <a:xfrm>
-            <a:off x="838200" y="1825625"/>
-            <a:ext cx="5181600" cy="4351338"/>
+            <a:off x="1261872" y="1828800"/>
+            <a:ext cx="4480560" cy="4351337"/>
           </a:xfrm>
         </p:spPr>
         <p:txBody>
           <a:bodyPr/>
-          <a:lstStyle/>
+          <a:lstStyle>
+            <a:lvl1pPr>
+              <a:defRPr sz="1800"/>
+            </a:lvl1pPr>
+            <a:lvl2pPr>
+              <a:defRPr sz="1600"/>
+            </a:lvl2pPr>
+            <a:lvl3pPr>
+              <a:defRPr sz="1400"/>
+            </a:lvl3pPr>
+            <a:lvl4pPr>
+              <a:defRPr sz="1400"/>
+            </a:lvl4pPr>
+            <a:lvl5pPr>
+              <a:defRPr sz="1400"/>
+            </a:lvl5pPr>
+            <a:lvl6pPr>
+              <a:defRPr sz="1400"/>
+            </a:lvl6pPr>
+            <a:lvl7pPr>
+              <a:defRPr sz="1400"/>
+            </a:lvl7pPr>
+            <a:lvl8pPr>
+              <a:defRPr sz="1400"/>
+            </a:lvl8pPr>
+            <a:lvl9pPr>
+              <a:defRPr sz="1400"/>
+            </a:lvl9pPr>
+          </a:lstStyle>
           <a:p>
             <a:pPr lvl="0"/>
             <a:r>
@@ -1310,18 +1354,13 @@
               <a:rPr lang="da-DK"/>
               <a:t>Femte niveau</a:t>
             </a:r>
-          </a:p>
-        </p:txBody>
-      </p:sp>
-      <p:sp>
-        <p:nvSpPr>
-          <p:cNvPr id="4" name="Pladsholder til indhold 3">
-            <a:extLst>
-              <a:ext uri="{FF2B5EF4-FFF2-40B4-BE49-F238E27FC236}">
-                <a16:creationId xmlns:a16="http://schemas.microsoft.com/office/drawing/2014/main" id="{5347281B-E79E-8FF8-4D80-3DF1A91F0772}"/>
-              </a:ext>
-            </a:extLst>
-          </p:cNvPr>
+            <a:endParaRPr lang="en-US" dirty="0"/>
+          </a:p>
+        </p:txBody>
+      </p:sp>
+      <p:sp>
+        <p:nvSpPr>
+          <p:cNvPr id="4" name="Content Placeholder 3"/>
           <p:cNvSpPr>
             <a:spLocks noGrp="1"/>
           </p:cNvSpPr>
@@ -1331,13 +1370,41 @@
         </p:nvSpPr>
         <p:spPr>
           <a:xfrm>
-            <a:off x="6172200" y="1825625"/>
-            <a:ext cx="5181600" cy="4351338"/>
+            <a:off x="6126480" y="1828800"/>
+            <a:ext cx="4480560" cy="4351337"/>
           </a:xfrm>
         </p:spPr>
         <p:txBody>
           <a:bodyPr/>
-          <a:lstStyle/>
+          <a:lstStyle>
+            <a:lvl1pPr>
+              <a:defRPr sz="1800"/>
+            </a:lvl1pPr>
+            <a:lvl2pPr>
+              <a:defRPr sz="1600"/>
+            </a:lvl2pPr>
+            <a:lvl3pPr>
+              <a:defRPr sz="1400"/>
+            </a:lvl3pPr>
+            <a:lvl4pPr>
+              <a:defRPr sz="1400"/>
+            </a:lvl4pPr>
+            <a:lvl5pPr>
+              <a:defRPr sz="1400"/>
+            </a:lvl5pPr>
+            <a:lvl6pPr>
+              <a:defRPr sz="1400"/>
+            </a:lvl6pPr>
+            <a:lvl7pPr>
+              <a:defRPr sz="1400"/>
+            </a:lvl7pPr>
+            <a:lvl8pPr>
+              <a:defRPr sz="1400"/>
+            </a:lvl8pPr>
+            <a:lvl9pPr>
+              <a:defRPr sz="1400"/>
+            </a:lvl9pPr>
+          </a:lstStyle>
           <a:p>
             <a:pPr lvl="0"/>
             <a:r>
@@ -1372,18 +1439,13 @@
               <a:rPr lang="da-DK"/>
               <a:t>Femte niveau</a:t>
             </a:r>
-          </a:p>
-        </p:txBody>
-      </p:sp>
-      <p:sp>
-        <p:nvSpPr>
-          <p:cNvPr id="5" name="Pladsholder til dato 4">
-            <a:extLst>
-              <a:ext uri="{FF2B5EF4-FFF2-40B4-BE49-F238E27FC236}">
-                <a16:creationId xmlns:a16="http://schemas.microsoft.com/office/drawing/2014/main" id="{C015C3F2-861F-AB42-A0E4-1312DB4DE405}"/>
-              </a:ext>
-            </a:extLst>
-          </p:cNvPr>
+            <a:endParaRPr lang="en-US" dirty="0"/>
+          </a:p>
+        </p:txBody>
+      </p:sp>
+      <p:sp>
+        <p:nvSpPr>
+          <p:cNvPr id="5" name="Date Placeholder 4"/>
           <p:cNvSpPr>
             <a:spLocks noGrp="1"/>
           </p:cNvSpPr>
@@ -1398,7 +1460,7 @@
           <a:p>
             <a:fld id="{CAD48924-9FF0-4265-B261-43E75894504F}" type="datetimeFigureOut">
               <a:rPr lang="da-DK" smtClean="0"/>
-              <a:t>15-10-2025</a:t>
+              <a:t>17-10-2025</a:t>
             </a:fld>
             <a:endParaRPr lang="da-DK"/>
           </a:p>
@@ -1406,13 +1468,7 @@
       </p:sp>
       <p:sp>
         <p:nvSpPr>
-          <p:cNvPr id="6" name="Pladsholder til sidefod 5">
-            <a:extLst>
-              <a:ext uri="{FF2B5EF4-FFF2-40B4-BE49-F238E27FC236}">
-                <a16:creationId xmlns:a16="http://schemas.microsoft.com/office/drawing/2014/main" id="{EF6A7AD0-BDA1-47F6-D1D9-4B258A5697E8}"/>
-              </a:ext>
-            </a:extLst>
-          </p:cNvPr>
+          <p:cNvPr id="6" name="Footer Placeholder 5"/>
           <p:cNvSpPr>
             <a:spLocks noGrp="1"/>
           </p:cNvSpPr>
@@ -1431,13 +1487,7 @@
       </p:sp>
       <p:sp>
         <p:nvSpPr>
-          <p:cNvPr id="7" name="Pladsholder til slidenummer 6">
-            <a:extLst>
-              <a:ext uri="{FF2B5EF4-FFF2-40B4-BE49-F238E27FC236}">
-                <a16:creationId xmlns:a16="http://schemas.microsoft.com/office/drawing/2014/main" id="{2A4EC84F-BB47-DB61-E4BD-4CE27B2E972A}"/>
-              </a:ext>
-            </a:extLst>
-          </p:cNvPr>
+          <p:cNvPr id="7" name="Slide Number Placeholder 6"/>
           <p:cNvSpPr>
             <a:spLocks noGrp="1"/>
           </p:cNvSpPr>
@@ -1461,13 +1511,16 @@
     </p:spTree>
     <p:extLst>
       <p:ext uri="{BB962C8B-B14F-4D97-AF65-F5344CB8AC3E}">
-        <p14:creationId xmlns:p14="http://schemas.microsoft.com/office/powerpoint/2010/main" val="4231065139"/>
+        <p14:creationId xmlns:p14="http://schemas.microsoft.com/office/powerpoint/2010/main" val="3840932474"/>
       </p:ext>
     </p:extLst>
   </p:cSld>
   <p:clrMapOvr>
     <a:masterClrMapping/>
   </p:clrMapOvr>
+  <p:transition spd="med">
+    <p:pull/>
+  </p:transition>
 </p:sldLayout>
 </file>
 
@@ -1490,65 +1543,58 @@
       </p:grpSpPr>
       <p:sp>
         <p:nvSpPr>
-          <p:cNvPr id="2" name="Titel 1">
-            <a:extLst>
-              <a:ext uri="{FF2B5EF4-FFF2-40B4-BE49-F238E27FC236}">
-                <a16:creationId xmlns:a16="http://schemas.microsoft.com/office/drawing/2014/main" id="{6930E470-2E2B-4586-39E0-AC831D8D04A8}"/>
-              </a:ext>
-            </a:extLst>
-          </p:cNvPr>
+          <p:cNvPr id="10" name="Title 9"/>
           <p:cNvSpPr>
             <a:spLocks noGrp="1"/>
           </p:cNvSpPr>
           <p:nvPr>
             <p:ph type="title"/>
+          </p:nvPr>
+        </p:nvSpPr>
+        <p:spPr/>
+        <p:txBody>
+          <a:bodyPr/>
+          <a:lstStyle/>
+          <a:p>
+            <a:r>
+              <a:rPr lang="da-DK"/>
+              <a:t>Klik for at redigere titeltypografien i masteren</a:t>
+            </a:r>
+            <a:endParaRPr lang="en-US" dirty="0"/>
+          </a:p>
+        </p:txBody>
+      </p:sp>
+      <p:sp>
+        <p:nvSpPr>
+          <p:cNvPr id="3" name="Text Placeholder 2"/>
+          <p:cNvSpPr>
+            <a:spLocks noGrp="1"/>
+          </p:cNvSpPr>
+          <p:nvPr>
+            <p:ph type="body" idx="1"/>
           </p:nvPr>
         </p:nvSpPr>
         <p:spPr>
           <a:xfrm>
-            <a:off x="839788" y="365125"/>
-            <a:ext cx="10515600" cy="1325563"/>
+            <a:off x="1261872" y="1713655"/>
+            <a:ext cx="4480560" cy="731520"/>
           </a:xfrm>
         </p:spPr>
         <p:txBody>
-          <a:bodyPr/>
-          <a:lstStyle/>
-          <a:p>
-            <a:r>
-              <a:rPr lang="da-DK"/>
-              <a:t>Klik for at redigere titeltypografien i masteren</a:t>
-            </a:r>
-          </a:p>
-        </p:txBody>
-      </p:sp>
-      <p:sp>
-        <p:nvSpPr>
-          <p:cNvPr id="3" name="Pladsholder til tekst 2">
-            <a:extLst>
-              <a:ext uri="{FF2B5EF4-FFF2-40B4-BE49-F238E27FC236}">
-                <a16:creationId xmlns:a16="http://schemas.microsoft.com/office/drawing/2014/main" id="{B51F0BBE-0A76-D808-6F25-9C420EF45B29}"/>
-              </a:ext>
-            </a:extLst>
-          </p:cNvPr>
-          <p:cNvSpPr>
-            <a:spLocks noGrp="1"/>
-          </p:cNvSpPr>
-          <p:nvPr>
-            <p:ph type="body" idx="1"/>
-          </p:nvPr>
-        </p:nvSpPr>
-        <p:spPr>
-          <a:xfrm>
-            <a:off x="839788" y="1681163"/>
-            <a:ext cx="5157787" cy="823912"/>
-          </a:xfrm>
-        </p:spPr>
-        <p:txBody>
-          <a:bodyPr anchor="b"/>
+          <a:bodyPr anchor="b">
+            <a:normAutofit/>
+          </a:bodyPr>
           <a:lstStyle>
             <a:lvl1pPr marL="0" indent="0">
-              <a:buNone/>
-              <a:defRPr sz="2400" b="1"/>
+              <a:spcBef>
+                <a:spcPts val="0"/>
+              </a:spcBef>
+              <a:buNone/>
+              <a:defRPr sz="2000" b="0">
+                <a:solidFill>
+                  <a:schemeClr val="tx2"/>
+                </a:solidFill>
+              </a:defRPr>
             </a:lvl1pPr>
             <a:lvl2pPr marL="457200" indent="0">
               <a:buNone/>
@@ -1594,13 +1640,7 @@
       </p:sp>
       <p:sp>
         <p:nvSpPr>
-          <p:cNvPr id="4" name="Pladsholder til indhold 3">
-            <a:extLst>
-              <a:ext uri="{FF2B5EF4-FFF2-40B4-BE49-F238E27FC236}">
-                <a16:creationId xmlns:a16="http://schemas.microsoft.com/office/drawing/2014/main" id="{EC93C4D4-3467-5E05-CE2A-6F5498ACCC31}"/>
-              </a:ext>
-            </a:extLst>
-          </p:cNvPr>
+          <p:cNvPr id="4" name="Content Placeholder 3"/>
           <p:cNvSpPr>
             <a:spLocks noGrp="1"/>
           </p:cNvSpPr>
@@ -1610,13 +1650,41 @@
         </p:nvSpPr>
         <p:spPr>
           <a:xfrm>
-            <a:off x="839788" y="2505075"/>
-            <a:ext cx="5157787" cy="3684588"/>
+            <a:off x="1261872" y="2507550"/>
+            <a:ext cx="4480560" cy="3664650"/>
           </a:xfrm>
         </p:spPr>
         <p:txBody>
           <a:bodyPr/>
-          <a:lstStyle/>
+          <a:lstStyle>
+            <a:lvl1pPr>
+              <a:defRPr sz="1800"/>
+            </a:lvl1pPr>
+            <a:lvl2pPr>
+              <a:defRPr sz="1600"/>
+            </a:lvl2pPr>
+            <a:lvl3pPr>
+              <a:defRPr sz="1400"/>
+            </a:lvl3pPr>
+            <a:lvl4pPr>
+              <a:defRPr sz="1400"/>
+            </a:lvl4pPr>
+            <a:lvl5pPr>
+              <a:defRPr sz="1400"/>
+            </a:lvl5pPr>
+            <a:lvl6pPr>
+              <a:defRPr sz="1400"/>
+            </a:lvl6pPr>
+            <a:lvl7pPr>
+              <a:defRPr sz="1400"/>
+            </a:lvl7pPr>
+            <a:lvl8pPr>
+              <a:defRPr sz="1400"/>
+            </a:lvl8pPr>
+            <a:lvl9pPr>
+              <a:defRPr sz="1400"/>
+            </a:lvl9pPr>
+          </a:lstStyle>
           <a:p>
             <a:pPr lvl="0"/>
             <a:r>
@@ -1651,18 +1719,13 @@
               <a:rPr lang="da-DK"/>
               <a:t>Femte niveau</a:t>
             </a:r>
-          </a:p>
-        </p:txBody>
-      </p:sp>
-      <p:sp>
-        <p:nvSpPr>
-          <p:cNvPr id="5" name="Pladsholder til tekst 4">
-            <a:extLst>
-              <a:ext uri="{FF2B5EF4-FFF2-40B4-BE49-F238E27FC236}">
-                <a16:creationId xmlns:a16="http://schemas.microsoft.com/office/drawing/2014/main" id="{32F84F50-010A-3762-9CD4-F0F7AA7BF68F}"/>
-              </a:ext>
-            </a:extLst>
-          </p:cNvPr>
+            <a:endParaRPr lang="en-US" dirty="0"/>
+          </a:p>
+        </p:txBody>
+      </p:sp>
+      <p:sp>
+        <p:nvSpPr>
+          <p:cNvPr id="5" name="Text Placeholder 4"/>
           <p:cNvSpPr>
             <a:spLocks noGrp="1"/>
           </p:cNvSpPr>
@@ -1672,16 +1735,31 @@
         </p:nvSpPr>
         <p:spPr>
           <a:xfrm>
-            <a:off x="6172200" y="1681163"/>
-            <a:ext cx="5183188" cy="823912"/>
+            <a:off x="6126480" y="1713655"/>
+            <a:ext cx="4480560" cy="731520"/>
           </a:xfrm>
         </p:spPr>
         <p:txBody>
-          <a:bodyPr anchor="b"/>
+          <a:bodyPr anchor="b">
+            <a:normAutofit/>
+          </a:bodyPr>
           <a:lstStyle>
             <a:lvl1pPr marL="0" indent="0">
-              <a:buNone/>
-              <a:defRPr sz="2400" b="1"/>
+              <a:lnSpc>
+                <a:spcPct val="95000"/>
+              </a:lnSpc>
+              <a:spcBef>
+                <a:spcPts val="0"/>
+              </a:spcBef>
+              <a:buNone/>
+              <a:defRPr lang="en-US" sz="2000" b="0" kern="1200" dirty="0">
+                <a:solidFill>
+                  <a:schemeClr val="tx2"/>
+                </a:solidFill>
+                <a:latin typeface="+mn-lt"/>
+                <a:ea typeface="+mn-ea"/>
+                <a:cs typeface="+mn-cs"/>
+              </a:defRPr>
             </a:lvl1pPr>
             <a:lvl2pPr marL="457200" indent="0">
               <a:buNone/>
@@ -1717,7 +1795,16 @@
             </a:lvl9pPr>
           </a:lstStyle>
           <a:p>
-            <a:pPr lvl="0"/>
+            <a:pPr marL="0" lvl="0" indent="0" algn="l" defTabSz="914400" rtl="0" eaLnBrk="1" latinLnBrk="0" hangingPunct="1">
+              <a:lnSpc>
+                <a:spcPct val="90000"/>
+              </a:lnSpc>
+              <a:spcBef>
+                <a:spcPts val="2000"/>
+              </a:spcBef>
+              <a:buFontTx/>
+              <a:buNone/>
+            </a:pPr>
             <a:r>
               <a:rPr lang="da-DK"/>
               <a:t>Klik for at redigere teksttypografierne i masteren</a:t>
@@ -1727,13 +1814,7 @@
       </p:sp>
       <p:sp>
         <p:nvSpPr>
-          <p:cNvPr id="6" name="Pladsholder til indhold 5">
-            <a:extLst>
-              <a:ext uri="{FF2B5EF4-FFF2-40B4-BE49-F238E27FC236}">
-                <a16:creationId xmlns:a16="http://schemas.microsoft.com/office/drawing/2014/main" id="{00466B89-1FAA-917E-2070-78909688B2A1}"/>
-              </a:ext>
-            </a:extLst>
-          </p:cNvPr>
+          <p:cNvPr id="6" name="Content Placeholder 5"/>
           <p:cNvSpPr>
             <a:spLocks noGrp="1"/>
           </p:cNvSpPr>
@@ -1743,13 +1824,41 @@
         </p:nvSpPr>
         <p:spPr>
           <a:xfrm>
-            <a:off x="6172200" y="2505075"/>
-            <a:ext cx="5183188" cy="3684588"/>
+            <a:off x="6126480" y="2507550"/>
+            <a:ext cx="4480560" cy="3664650"/>
           </a:xfrm>
         </p:spPr>
         <p:txBody>
           <a:bodyPr/>
-          <a:lstStyle/>
+          <a:lstStyle>
+            <a:lvl1pPr>
+              <a:defRPr sz="1800"/>
+            </a:lvl1pPr>
+            <a:lvl2pPr>
+              <a:defRPr sz="1600"/>
+            </a:lvl2pPr>
+            <a:lvl3pPr>
+              <a:defRPr sz="1400"/>
+            </a:lvl3pPr>
+            <a:lvl4pPr>
+              <a:defRPr sz="1400"/>
+            </a:lvl4pPr>
+            <a:lvl5pPr>
+              <a:defRPr sz="1400"/>
+            </a:lvl5pPr>
+            <a:lvl6pPr>
+              <a:defRPr sz="1400"/>
+            </a:lvl6pPr>
+            <a:lvl7pPr>
+              <a:defRPr sz="1400"/>
+            </a:lvl7pPr>
+            <a:lvl8pPr>
+              <a:defRPr sz="1400"/>
+            </a:lvl8pPr>
+            <a:lvl9pPr>
+              <a:defRPr sz="1400"/>
+            </a:lvl9pPr>
+          </a:lstStyle>
           <a:p>
             <a:pPr lvl="0"/>
             <a:r>
@@ -1784,18 +1893,13 @@
               <a:rPr lang="da-DK"/>
               <a:t>Femte niveau</a:t>
             </a:r>
-          </a:p>
-        </p:txBody>
-      </p:sp>
-      <p:sp>
-        <p:nvSpPr>
-          <p:cNvPr id="7" name="Pladsholder til dato 6">
-            <a:extLst>
-              <a:ext uri="{FF2B5EF4-FFF2-40B4-BE49-F238E27FC236}">
-                <a16:creationId xmlns:a16="http://schemas.microsoft.com/office/drawing/2014/main" id="{34EA8C15-FD75-E911-EC48-58DE4DDBD8C8}"/>
-              </a:ext>
-            </a:extLst>
-          </p:cNvPr>
+            <a:endParaRPr lang="en-US" dirty="0"/>
+          </a:p>
+        </p:txBody>
+      </p:sp>
+      <p:sp>
+        <p:nvSpPr>
+          <p:cNvPr id="7" name="Date Placeholder 6"/>
           <p:cNvSpPr>
             <a:spLocks noGrp="1"/>
           </p:cNvSpPr>
@@ -1810,7 +1914,7 @@
           <a:p>
             <a:fld id="{CAD48924-9FF0-4265-B261-43E75894504F}" type="datetimeFigureOut">
               <a:rPr lang="da-DK" smtClean="0"/>
-              <a:t>15-10-2025</a:t>
+              <a:t>17-10-2025</a:t>
             </a:fld>
             <a:endParaRPr lang="da-DK"/>
           </a:p>
@@ -1818,13 +1922,7 @@
       </p:sp>
       <p:sp>
         <p:nvSpPr>
-          <p:cNvPr id="8" name="Pladsholder til sidefod 7">
-            <a:extLst>
-              <a:ext uri="{FF2B5EF4-FFF2-40B4-BE49-F238E27FC236}">
-                <a16:creationId xmlns:a16="http://schemas.microsoft.com/office/drawing/2014/main" id="{8F9B61BC-BF35-6D18-C444-16805C36FC60}"/>
-              </a:ext>
-            </a:extLst>
-          </p:cNvPr>
+          <p:cNvPr id="8" name="Footer Placeholder 7"/>
           <p:cNvSpPr>
             <a:spLocks noGrp="1"/>
           </p:cNvSpPr>
@@ -1843,13 +1941,7 @@
       </p:sp>
       <p:sp>
         <p:nvSpPr>
-          <p:cNvPr id="9" name="Pladsholder til slidenummer 8">
-            <a:extLst>
-              <a:ext uri="{FF2B5EF4-FFF2-40B4-BE49-F238E27FC236}">
-                <a16:creationId xmlns:a16="http://schemas.microsoft.com/office/drawing/2014/main" id="{194C3BC2-646A-5884-DA6F-5C9762F8B4EB}"/>
-              </a:ext>
-            </a:extLst>
-          </p:cNvPr>
+          <p:cNvPr id="9" name="Slide Number Placeholder 8"/>
           <p:cNvSpPr>
             <a:spLocks noGrp="1"/>
           </p:cNvSpPr>
@@ -1873,13 +1965,16 @@
     </p:spTree>
     <p:extLst>
       <p:ext uri="{BB962C8B-B14F-4D97-AF65-F5344CB8AC3E}">
-        <p14:creationId xmlns:p14="http://schemas.microsoft.com/office/powerpoint/2010/main" val="653652208"/>
+        <p14:creationId xmlns:p14="http://schemas.microsoft.com/office/powerpoint/2010/main" val="1991696324"/>
       </p:ext>
     </p:extLst>
   </p:cSld>
   <p:clrMapOvr>
     <a:masterClrMapping/>
   </p:clrMapOvr>
+  <p:transition spd="med">
+    <p:pull/>
+  </p:transition>
 </p:sldLayout>
 </file>
 
@@ -1902,13 +1997,7 @@
       </p:grpSpPr>
       <p:sp>
         <p:nvSpPr>
-          <p:cNvPr id="2" name="Titel 1">
-            <a:extLst>
-              <a:ext uri="{FF2B5EF4-FFF2-40B4-BE49-F238E27FC236}">
-                <a16:creationId xmlns:a16="http://schemas.microsoft.com/office/drawing/2014/main" id="{A7B3D377-A7DD-E935-A6B7-32AB3D6A6AA5}"/>
-              </a:ext>
-            </a:extLst>
-          </p:cNvPr>
+          <p:cNvPr id="6" name="Title 5"/>
           <p:cNvSpPr>
             <a:spLocks noGrp="1"/>
           </p:cNvSpPr>
@@ -1925,18 +2014,13 @@
               <a:rPr lang="da-DK"/>
               <a:t>Klik for at redigere titeltypografien i masteren</a:t>
             </a:r>
-          </a:p>
-        </p:txBody>
-      </p:sp>
-      <p:sp>
-        <p:nvSpPr>
-          <p:cNvPr id="3" name="Pladsholder til dato 2">
-            <a:extLst>
-              <a:ext uri="{FF2B5EF4-FFF2-40B4-BE49-F238E27FC236}">
-                <a16:creationId xmlns:a16="http://schemas.microsoft.com/office/drawing/2014/main" id="{785240ED-F08D-3D09-9A77-6B9EBE5FD145}"/>
-              </a:ext>
-            </a:extLst>
-          </p:cNvPr>
+            <a:endParaRPr lang="en-US" dirty="0"/>
+          </a:p>
+        </p:txBody>
+      </p:sp>
+      <p:sp>
+        <p:nvSpPr>
+          <p:cNvPr id="3" name="Date Placeholder 2"/>
           <p:cNvSpPr>
             <a:spLocks noGrp="1"/>
           </p:cNvSpPr>
@@ -1951,7 +2035,7 @@
           <a:p>
             <a:fld id="{CAD48924-9FF0-4265-B261-43E75894504F}" type="datetimeFigureOut">
               <a:rPr lang="da-DK" smtClean="0"/>
-              <a:t>15-10-2025</a:t>
+              <a:t>17-10-2025</a:t>
             </a:fld>
             <a:endParaRPr lang="da-DK"/>
           </a:p>
@@ -1959,13 +2043,7 @@
       </p:sp>
       <p:sp>
         <p:nvSpPr>
-          <p:cNvPr id="4" name="Pladsholder til sidefod 3">
-            <a:extLst>
-              <a:ext uri="{FF2B5EF4-FFF2-40B4-BE49-F238E27FC236}">
-                <a16:creationId xmlns:a16="http://schemas.microsoft.com/office/drawing/2014/main" id="{884BD92F-1018-6E93-D28F-C15955EC3D96}"/>
-              </a:ext>
-            </a:extLst>
-          </p:cNvPr>
+          <p:cNvPr id="4" name="Footer Placeholder 3"/>
           <p:cNvSpPr>
             <a:spLocks noGrp="1"/>
           </p:cNvSpPr>
@@ -1984,13 +2062,7 @@
       </p:sp>
       <p:sp>
         <p:nvSpPr>
-          <p:cNvPr id="5" name="Pladsholder til slidenummer 4">
-            <a:extLst>
-              <a:ext uri="{FF2B5EF4-FFF2-40B4-BE49-F238E27FC236}">
-                <a16:creationId xmlns:a16="http://schemas.microsoft.com/office/drawing/2014/main" id="{F5C091E5-9D03-4C52-B1B6-40F7E0CE51BE}"/>
-              </a:ext>
-            </a:extLst>
-          </p:cNvPr>
+          <p:cNvPr id="5" name="Slide Number Placeholder 4"/>
           <p:cNvSpPr>
             <a:spLocks noGrp="1"/>
           </p:cNvSpPr>
@@ -2014,13 +2086,16 @@
     </p:spTree>
     <p:extLst>
       <p:ext uri="{BB962C8B-B14F-4D97-AF65-F5344CB8AC3E}">
-        <p14:creationId xmlns:p14="http://schemas.microsoft.com/office/powerpoint/2010/main" val="3216752175"/>
+        <p14:creationId xmlns:p14="http://schemas.microsoft.com/office/powerpoint/2010/main" val="2599366677"/>
       </p:ext>
     </p:extLst>
   </p:cSld>
   <p:clrMapOvr>
     <a:masterClrMapping/>
   </p:clrMapOvr>
+  <p:transition spd="med">
+    <p:pull/>
+  </p:transition>
 </p:sldLayout>
 </file>
 
@@ -2043,13 +2118,7 @@
       </p:grpSpPr>
       <p:sp>
         <p:nvSpPr>
-          <p:cNvPr id="2" name="Pladsholder til dato 1">
-            <a:extLst>
-              <a:ext uri="{FF2B5EF4-FFF2-40B4-BE49-F238E27FC236}">
-                <a16:creationId xmlns:a16="http://schemas.microsoft.com/office/drawing/2014/main" id="{DC677C9F-BED4-7296-4B4F-FC40DFCA719B}"/>
-              </a:ext>
-            </a:extLst>
-          </p:cNvPr>
+          <p:cNvPr id="2" name="Date Placeholder 1"/>
           <p:cNvSpPr>
             <a:spLocks noGrp="1"/>
           </p:cNvSpPr>
@@ -2064,7 +2133,7 @@
           <a:p>
             <a:fld id="{CAD48924-9FF0-4265-B261-43E75894504F}" type="datetimeFigureOut">
               <a:rPr lang="da-DK" smtClean="0"/>
-              <a:t>15-10-2025</a:t>
+              <a:t>17-10-2025</a:t>
             </a:fld>
             <a:endParaRPr lang="da-DK"/>
           </a:p>
@@ -2072,13 +2141,7 @@
       </p:sp>
       <p:sp>
         <p:nvSpPr>
-          <p:cNvPr id="3" name="Pladsholder til sidefod 2">
-            <a:extLst>
-              <a:ext uri="{FF2B5EF4-FFF2-40B4-BE49-F238E27FC236}">
-                <a16:creationId xmlns:a16="http://schemas.microsoft.com/office/drawing/2014/main" id="{DF0ADFA2-FD9D-E0CF-F701-55446BE7CD71}"/>
-              </a:ext>
-            </a:extLst>
-          </p:cNvPr>
+          <p:cNvPr id="3" name="Footer Placeholder 2"/>
           <p:cNvSpPr>
             <a:spLocks noGrp="1"/>
           </p:cNvSpPr>
@@ -2097,13 +2160,7 @@
       </p:sp>
       <p:sp>
         <p:nvSpPr>
-          <p:cNvPr id="4" name="Pladsholder til slidenummer 3">
-            <a:extLst>
-              <a:ext uri="{FF2B5EF4-FFF2-40B4-BE49-F238E27FC236}">
-                <a16:creationId xmlns:a16="http://schemas.microsoft.com/office/drawing/2014/main" id="{6E30C52E-3504-E910-A70C-4243E89DEAB8}"/>
-              </a:ext>
-            </a:extLst>
-          </p:cNvPr>
+          <p:cNvPr id="4" name="Slide Number Placeholder 3"/>
           <p:cNvSpPr>
             <a:spLocks noGrp="1"/>
           </p:cNvSpPr>
@@ -2127,13 +2184,16 @@
     </p:spTree>
     <p:extLst>
       <p:ext uri="{BB962C8B-B14F-4D97-AF65-F5344CB8AC3E}">
-        <p14:creationId xmlns:p14="http://schemas.microsoft.com/office/powerpoint/2010/main" val="1882348224"/>
+        <p14:creationId xmlns:p14="http://schemas.microsoft.com/office/powerpoint/2010/main" val="2852950398"/>
       </p:ext>
     </p:extLst>
   </p:cSld>
   <p:clrMapOvr>
     <a:masterClrMapping/>
   </p:clrMapOvr>
+  <p:transition spd="med">
+    <p:pull/>
+  </p:transition>
 </p:sldLayout>
 </file>
 
@@ -2156,13 +2216,7 @@
       </p:grpSpPr>
       <p:sp>
         <p:nvSpPr>
-          <p:cNvPr id="2" name="Titel 1">
-            <a:extLst>
-              <a:ext uri="{FF2B5EF4-FFF2-40B4-BE49-F238E27FC236}">
-                <a16:creationId xmlns:a16="http://schemas.microsoft.com/office/drawing/2014/main" id="{2A47626C-8332-8510-7F5B-B6AA4A7781CF}"/>
-              </a:ext>
-            </a:extLst>
-          </p:cNvPr>
+          <p:cNvPr id="2" name="Title 1"/>
           <p:cNvSpPr>
             <a:spLocks noGrp="1"/>
           </p:cNvSpPr>
@@ -2172,15 +2226,17 @@
         </p:nvSpPr>
         <p:spPr>
           <a:xfrm>
-            <a:off x="839788" y="457200"/>
-            <a:ext cx="3932237" cy="1600200"/>
+            <a:off x="841248" y="457200"/>
+            <a:ext cx="3200400" cy="1600197"/>
           </a:xfrm>
         </p:spPr>
         <p:txBody>
-          <a:bodyPr anchor="b"/>
+          <a:bodyPr anchor="b">
+            <a:normAutofit/>
+          </a:bodyPr>
           <a:lstStyle>
             <a:lvl1pPr>
-              <a:defRPr sz="3200"/>
+              <a:defRPr sz="3200" b="0" baseline="0"/>
             </a:lvl1pPr>
           </a:lstStyle>
           <a:p>
@@ -2188,18 +2244,13 @@
               <a:rPr lang="da-DK"/>
               <a:t>Klik for at redigere titeltypografien i masteren</a:t>
             </a:r>
-          </a:p>
-        </p:txBody>
-      </p:sp>
-      <p:sp>
-        <p:nvSpPr>
-          <p:cNvPr id="3" name="Pladsholder til indhold 2">
-            <a:extLst>
-              <a:ext uri="{FF2B5EF4-FFF2-40B4-BE49-F238E27FC236}">
-                <a16:creationId xmlns:a16="http://schemas.microsoft.com/office/drawing/2014/main" id="{92FDCC8C-8E77-F151-AF2F-29A2010AFA26}"/>
-              </a:ext>
-            </a:extLst>
-          </p:cNvPr>
+            <a:endParaRPr lang="en-US" dirty="0"/>
+          </a:p>
+        </p:txBody>
+      </p:sp>
+      <p:sp>
+        <p:nvSpPr>
+          <p:cNvPr id="3" name="Content Placeholder 2"/>
           <p:cNvSpPr>
             <a:spLocks noGrp="1"/>
           </p:cNvSpPr>
@@ -2209,39 +2260,39 @@
         </p:nvSpPr>
         <p:spPr>
           <a:xfrm>
-            <a:off x="5183188" y="987425"/>
-            <a:ext cx="6172200" cy="4873625"/>
+            <a:off x="4504267" y="685800"/>
+            <a:ext cx="6079066" cy="5486400"/>
           </a:xfrm>
         </p:spPr>
         <p:txBody>
           <a:bodyPr/>
           <a:lstStyle>
             <a:lvl1pPr>
-              <a:defRPr sz="3200"/>
+              <a:defRPr sz="2000"/>
             </a:lvl1pPr>
             <a:lvl2pPr>
-              <a:defRPr sz="2800"/>
+              <a:defRPr sz="1800"/>
             </a:lvl2pPr>
             <a:lvl3pPr>
-              <a:defRPr sz="2400"/>
+              <a:defRPr sz="1600"/>
             </a:lvl3pPr>
             <a:lvl4pPr>
-              <a:defRPr sz="2000"/>
+              <a:defRPr sz="1400"/>
             </a:lvl4pPr>
             <a:lvl5pPr>
-              <a:defRPr sz="2000"/>
+              <a:defRPr sz="1400"/>
             </a:lvl5pPr>
             <a:lvl6pPr>
-              <a:defRPr sz="2000"/>
+              <a:defRPr sz="1400"/>
             </a:lvl6pPr>
             <a:lvl7pPr>
-              <a:defRPr sz="2000"/>
+              <a:defRPr sz="1400"/>
             </a:lvl7pPr>
             <a:lvl8pPr>
-              <a:defRPr sz="2000"/>
+              <a:defRPr sz="1400"/>
             </a:lvl8pPr>
             <a:lvl9pPr>
-              <a:defRPr sz="2000"/>
+              <a:defRPr sz="1400"/>
             </a:lvl9pPr>
           </a:lstStyle>
           <a:p>
@@ -2278,18 +2329,13 @@
               <a:rPr lang="da-DK"/>
               <a:t>Femte niveau</a:t>
             </a:r>
-          </a:p>
-        </p:txBody>
-      </p:sp>
-      <p:sp>
-        <p:nvSpPr>
-          <p:cNvPr id="4" name="Pladsholder til tekst 3">
-            <a:extLst>
-              <a:ext uri="{FF2B5EF4-FFF2-40B4-BE49-F238E27FC236}">
-                <a16:creationId xmlns:a16="http://schemas.microsoft.com/office/drawing/2014/main" id="{FDE5442E-A571-80EB-8CC2-3E080FFC4F7F}"/>
-              </a:ext>
-            </a:extLst>
-          </p:cNvPr>
+            <a:endParaRPr lang="en-US" dirty="0"/>
+          </a:p>
+        </p:txBody>
+      </p:sp>
+      <p:sp>
+        <p:nvSpPr>
+          <p:cNvPr id="4" name="Text Placeholder 3"/>
           <p:cNvSpPr>
             <a:spLocks noGrp="1"/>
           </p:cNvSpPr>
@@ -2299,48 +2345,56 @@
         </p:nvSpPr>
         <p:spPr>
           <a:xfrm>
-            <a:off x="839788" y="2057400"/>
-            <a:ext cx="3932237" cy="3811588"/>
+            <a:off x="841248" y="2099734"/>
+            <a:ext cx="3200400" cy="3810001"/>
           </a:xfrm>
         </p:spPr>
         <p:txBody>
-          <a:bodyPr/>
+          <a:bodyPr>
+            <a:normAutofit/>
+          </a:bodyPr>
           <a:lstStyle>
             <a:lvl1pPr marL="0" indent="0">
-              <a:buNone/>
-              <a:defRPr sz="1600"/>
+              <a:lnSpc>
+                <a:spcPct val="114000"/>
+              </a:lnSpc>
+              <a:spcBef>
+                <a:spcPts val="800"/>
+              </a:spcBef>
+              <a:buNone/>
+              <a:defRPr sz="1300"/>
             </a:lvl1pPr>
             <a:lvl2pPr marL="457200" indent="0">
               <a:buNone/>
-              <a:defRPr sz="1400"/>
+              <a:defRPr sz="1200"/>
             </a:lvl2pPr>
             <a:lvl3pPr marL="914400" indent="0">
               <a:buNone/>
-              <a:defRPr sz="1200"/>
+              <a:defRPr sz="1000"/>
             </a:lvl3pPr>
             <a:lvl4pPr marL="1371600" indent="0">
               <a:buNone/>
-              <a:defRPr sz="1000"/>
+              <a:defRPr sz="900"/>
             </a:lvl4pPr>
             <a:lvl5pPr marL="1828800" indent="0">
               <a:buNone/>
-              <a:defRPr sz="1000"/>
+              <a:defRPr sz="900"/>
             </a:lvl5pPr>
             <a:lvl6pPr marL="2286000" indent="0">
               <a:buNone/>
-              <a:defRPr sz="1000"/>
+              <a:defRPr sz="900"/>
             </a:lvl6pPr>
             <a:lvl7pPr marL="2743200" indent="0">
               <a:buNone/>
-              <a:defRPr sz="1000"/>
+              <a:defRPr sz="900"/>
             </a:lvl7pPr>
             <a:lvl8pPr marL="3200400" indent="0">
               <a:buNone/>
-              <a:defRPr sz="1000"/>
+              <a:defRPr sz="900"/>
             </a:lvl8pPr>
             <a:lvl9pPr marL="3657600" indent="0">
               <a:buNone/>
-              <a:defRPr sz="1000"/>
+              <a:defRPr sz="900"/>
             </a:lvl9pPr>
           </a:lstStyle>
           <a:p>
@@ -2354,13 +2408,7 @@
       </p:sp>
       <p:sp>
         <p:nvSpPr>
-          <p:cNvPr id="5" name="Pladsholder til dato 4">
-            <a:extLst>
-              <a:ext uri="{FF2B5EF4-FFF2-40B4-BE49-F238E27FC236}">
-                <a16:creationId xmlns:a16="http://schemas.microsoft.com/office/drawing/2014/main" id="{E6B8CF1B-ABF4-C262-9443-978C0738F952}"/>
-              </a:ext>
-            </a:extLst>
-          </p:cNvPr>
+          <p:cNvPr id="5" name="Date Placeholder 4"/>
           <p:cNvSpPr>
             <a:spLocks noGrp="1"/>
           </p:cNvSpPr>
@@ -2375,7 +2423,7 @@
           <a:p>
             <a:fld id="{CAD48924-9FF0-4265-B261-43E75894504F}" type="datetimeFigureOut">
               <a:rPr lang="da-DK" smtClean="0"/>
-              <a:t>15-10-2025</a:t>
+              <a:t>17-10-2025</a:t>
             </a:fld>
             <a:endParaRPr lang="da-DK"/>
           </a:p>
@@ -2383,13 +2431,7 @@
       </p:sp>
       <p:sp>
         <p:nvSpPr>
-          <p:cNvPr id="6" name="Pladsholder til sidefod 5">
-            <a:extLst>
-              <a:ext uri="{FF2B5EF4-FFF2-40B4-BE49-F238E27FC236}">
-                <a16:creationId xmlns:a16="http://schemas.microsoft.com/office/drawing/2014/main" id="{C099EA41-D99F-1EC7-6354-B69A98A15CFC}"/>
-              </a:ext>
-            </a:extLst>
-          </p:cNvPr>
+          <p:cNvPr id="6" name="Footer Placeholder 5"/>
           <p:cNvSpPr>
             <a:spLocks noGrp="1"/>
           </p:cNvSpPr>
@@ -2408,13 +2450,7 @@
       </p:sp>
       <p:sp>
         <p:nvSpPr>
-          <p:cNvPr id="7" name="Pladsholder til slidenummer 6">
-            <a:extLst>
-              <a:ext uri="{FF2B5EF4-FFF2-40B4-BE49-F238E27FC236}">
-                <a16:creationId xmlns:a16="http://schemas.microsoft.com/office/drawing/2014/main" id="{5C74EE5F-92C9-8260-BAB3-811AB92FD808}"/>
-              </a:ext>
-            </a:extLst>
-          </p:cNvPr>
+          <p:cNvPr id="7" name="Slide Number Placeholder 6"/>
           <p:cNvSpPr>
             <a:spLocks noGrp="1"/>
           </p:cNvSpPr>
@@ -2438,13 +2474,16 @@
     </p:spTree>
     <p:extLst>
       <p:ext uri="{BB962C8B-B14F-4D97-AF65-F5344CB8AC3E}">
-        <p14:creationId xmlns:p14="http://schemas.microsoft.com/office/powerpoint/2010/main" val="881547990"/>
+        <p14:creationId xmlns:p14="http://schemas.microsoft.com/office/powerpoint/2010/main" val="4158429439"/>
       </p:ext>
     </p:extLst>
   </p:cSld>
   <p:clrMapOvr>
     <a:masterClrMapping/>
   </p:clrMapOvr>
+  <p:transition spd="med">
+    <p:pull/>
+  </p:transition>
 </p:sldLayout>
 </file>
 
@@ -2467,31 +2506,69 @@
       </p:grpSpPr>
       <p:sp>
         <p:nvSpPr>
-          <p:cNvPr id="2" name="Titel 1">
-            <a:extLst>
-              <a:ext uri="{FF2B5EF4-FFF2-40B4-BE49-F238E27FC236}">
-                <a16:creationId xmlns:a16="http://schemas.microsoft.com/office/drawing/2014/main" id="{9A87C11E-ADBD-27F8-A172-73E797051389}"/>
-              </a:ext>
-            </a:extLst>
-          </p:cNvPr>
-          <p:cNvSpPr>
-            <a:spLocks noGrp="1"/>
-          </p:cNvSpPr>
-          <p:nvPr>
-            <p:ph type="title"/>
-          </p:nvPr>
+          <p:cNvPr id="8" name="Rectangle 7"/>
+          <p:cNvSpPr/>
+          <p:nvPr/>
         </p:nvSpPr>
         <p:spPr>
           <a:xfrm>
-            <a:off x="839788" y="457200"/>
-            <a:ext cx="3932237" cy="1600200"/>
+            <a:off x="0" y="5105400"/>
+            <a:ext cx="11292840" cy="1752600"/>
+          </a:xfrm>
+          <a:prstGeom prst="rect">
+            <a:avLst/>
+          </a:prstGeom>
+          <a:solidFill>
+            <a:srgbClr val="000000"/>
+          </a:solidFill>
+          <a:ln>
+            <a:noFill/>
+          </a:ln>
+        </p:spPr>
+        <p:style>
+          <a:lnRef idx="2">
+            <a:schemeClr val="accent1">
+              <a:shade val="50000"/>
+            </a:schemeClr>
+          </a:lnRef>
+          <a:fillRef idx="1">
+            <a:schemeClr val="accent1"/>
+          </a:fillRef>
+          <a:effectRef idx="0">
+            <a:schemeClr val="accent1"/>
+          </a:effectRef>
+          <a:fontRef idx="minor">
+            <a:schemeClr val="lt1"/>
+          </a:fontRef>
+        </p:style>
+      </p:sp>
+      <p:sp>
+        <p:nvSpPr>
+          <p:cNvPr id="2" name="Title 1"/>
+          <p:cNvSpPr>
+            <a:spLocks noGrp="1"/>
+          </p:cNvSpPr>
+          <p:nvPr>
+            <p:ph type="title"/>
+          </p:nvPr>
+        </p:nvSpPr>
+        <p:spPr>
+          <a:xfrm>
+            <a:off x="914400" y="5257800"/>
+            <a:ext cx="9982200" cy="914400"/>
           </a:xfrm>
         </p:spPr>
         <p:txBody>
-          <a:bodyPr anchor="b"/>
+          <a:bodyPr anchor="b">
+            <a:normAutofit/>
+          </a:bodyPr>
           <a:lstStyle>
             <a:lvl1pPr>
-              <a:defRPr sz="3200"/>
+              <a:defRPr sz="2800" b="0">
+                <a:solidFill>
+                  <a:schemeClr val="bg1"/>
+                </a:solidFill>
+              </a:defRPr>
             </a:lvl1pPr>
           </a:lstStyle>
           <a:p>
@@ -2499,20 +2576,15 @@
               <a:rPr lang="da-DK"/>
               <a:t>Klik for at redigere titeltypografien i masteren</a:t>
             </a:r>
-          </a:p>
-        </p:txBody>
-      </p:sp>
-      <p:sp>
-        <p:nvSpPr>
-          <p:cNvPr id="3" name="Pladsholder til billede 2">
-            <a:extLst>
-              <a:ext uri="{FF2B5EF4-FFF2-40B4-BE49-F238E27FC236}">
-                <a16:creationId xmlns:a16="http://schemas.microsoft.com/office/drawing/2014/main" id="{CC630CDC-F814-6BCA-BD94-214608AC8A54}"/>
-              </a:ext>
-            </a:extLst>
-          </p:cNvPr>
-          <p:cNvSpPr>
-            <a:spLocks noGrp="1"/>
+            <a:endParaRPr lang="en-US" dirty="0"/>
+          </a:p>
+        </p:txBody>
+      </p:sp>
+      <p:sp>
+        <p:nvSpPr>
+          <p:cNvPr id="3" name="Picture Placeholder 2"/>
+          <p:cNvSpPr>
+            <a:spLocks noGrp="1" noChangeAspect="1"/>
           </p:cNvSpPr>
           <p:nvPr>
             <p:ph type="pic" idx="1"/>
@@ -2520,16 +2592,23 @@
         </p:nvSpPr>
         <p:spPr>
           <a:xfrm>
-            <a:off x="5183188" y="987425"/>
-            <a:ext cx="6172200" cy="4873625"/>
+            <a:off x="0" y="0"/>
+            <a:ext cx="11292840" cy="5128923"/>
           </a:xfrm>
+          <a:solidFill>
+            <a:schemeClr val="accent1"/>
+          </a:solidFill>
         </p:spPr>
         <p:txBody>
-          <a:bodyPr/>
+          <a:bodyPr anchor="t"/>
           <a:lstStyle>
             <a:lvl1pPr marL="0" indent="0">
               <a:buNone/>
-              <a:defRPr sz="3200"/>
+              <a:defRPr sz="3200">
+                <a:solidFill>
+                  <a:schemeClr val="bg1"/>
+                </a:solidFill>
+              </a:defRPr>
             </a:lvl1pPr>
             <a:lvl2pPr marL="457200" indent="0">
               <a:buNone/>
@@ -2565,19 +2644,17 @@
             </a:lvl9pPr>
           </a:lstStyle>
           <a:p>
-            <a:endParaRPr lang="da-DK"/>
-          </a:p>
-        </p:txBody>
-      </p:sp>
-      <p:sp>
-        <p:nvSpPr>
-          <p:cNvPr id="4" name="Pladsholder til tekst 3">
-            <a:extLst>
-              <a:ext uri="{FF2B5EF4-FFF2-40B4-BE49-F238E27FC236}">
-                <a16:creationId xmlns:a16="http://schemas.microsoft.com/office/drawing/2014/main" id="{1A642D58-76C8-7971-FF2E-BA060FA590B9}"/>
-              </a:ext>
-            </a:extLst>
-          </p:cNvPr>
+            <a:r>
+              <a:rPr lang="da-DK"/>
+              <a:t>Klik på ikonet for at tilføje et billede</a:t>
+            </a:r>
+            <a:endParaRPr lang="en-US" dirty="0"/>
+          </a:p>
+        </p:txBody>
+      </p:sp>
+      <p:sp>
+        <p:nvSpPr>
+          <p:cNvPr id="4" name="Text Placeholder 3"/>
           <p:cNvSpPr>
             <a:spLocks noGrp="1"/>
           </p:cNvSpPr>
@@ -2587,48 +2664,62 @@
         </p:nvSpPr>
         <p:spPr>
           <a:xfrm>
-            <a:off x="839788" y="2057400"/>
-            <a:ext cx="3932237" cy="3811588"/>
+            <a:off x="914400" y="6108589"/>
+            <a:ext cx="9982200" cy="597011"/>
           </a:xfrm>
         </p:spPr>
         <p:txBody>
-          <a:bodyPr/>
+          <a:bodyPr>
+            <a:normAutofit/>
+          </a:bodyPr>
           <a:lstStyle>
             <a:lvl1pPr marL="0" indent="0">
-              <a:buNone/>
-              <a:defRPr sz="1600"/>
+              <a:lnSpc>
+                <a:spcPct val="100000"/>
+              </a:lnSpc>
+              <a:spcBef>
+                <a:spcPts val="800"/>
+              </a:spcBef>
+              <a:buNone/>
+              <a:defRPr sz="1300">
+                <a:solidFill>
+                  <a:schemeClr val="bg1">
+                    <a:lumMod val="85000"/>
+                  </a:schemeClr>
+                </a:solidFill>
+              </a:defRPr>
             </a:lvl1pPr>
             <a:lvl2pPr marL="457200" indent="0">
               <a:buNone/>
-              <a:defRPr sz="1400"/>
+              <a:defRPr sz="1200"/>
             </a:lvl2pPr>
             <a:lvl3pPr marL="914400" indent="0">
               <a:buNone/>
-              <a:defRPr sz="1200"/>
+              <a:defRPr sz="1000"/>
             </a:lvl3pPr>
             <a:lvl4pPr marL="1371600" indent="0">
               <a:buNone/>
-              <a:defRPr sz="1000"/>
+              <a:defRPr sz="900"/>
             </a:lvl4pPr>
             <a:lvl5pPr marL="1828800" indent="0">
               <a:buNone/>
-              <a:defRPr sz="1000"/>
+              <a:defRPr sz="900"/>
             </a:lvl5pPr>
             <a:lvl6pPr marL="2286000" indent="0">
               <a:buNone/>
-              <a:defRPr sz="1000"/>
+              <a:defRPr sz="900"/>
             </a:lvl6pPr>
             <a:lvl7pPr marL="2743200" indent="0">
               <a:buNone/>
-              <a:defRPr sz="1000"/>
+              <a:defRPr sz="900"/>
             </a:lvl7pPr>
             <a:lvl8pPr marL="3200400" indent="0">
               <a:buNone/>
-              <a:defRPr sz="1000"/>
+              <a:defRPr sz="900"/>
             </a:lvl8pPr>
             <a:lvl9pPr marL="3657600" indent="0">
               <a:buNone/>
-              <a:defRPr sz="1000"/>
+              <a:defRPr sz="900"/>
             </a:lvl9pPr>
           </a:lstStyle>
           <a:p>
@@ -2642,13 +2733,7 @@
       </p:sp>
       <p:sp>
         <p:nvSpPr>
-          <p:cNvPr id="5" name="Pladsholder til dato 4">
-            <a:extLst>
-              <a:ext uri="{FF2B5EF4-FFF2-40B4-BE49-F238E27FC236}">
-                <a16:creationId xmlns:a16="http://schemas.microsoft.com/office/drawing/2014/main" id="{DF104F8C-25CC-55D6-E7FD-0988BCF6B8AB}"/>
-              </a:ext>
-            </a:extLst>
-          </p:cNvPr>
+          <p:cNvPr id="5" name="Date Placeholder 4"/>
           <p:cNvSpPr>
             <a:spLocks noGrp="1"/>
           </p:cNvSpPr>
@@ -2663,7 +2748,7 @@
           <a:p>
             <a:fld id="{CAD48924-9FF0-4265-B261-43E75894504F}" type="datetimeFigureOut">
               <a:rPr lang="da-DK" smtClean="0"/>
-              <a:t>15-10-2025</a:t>
+              <a:t>17-10-2025</a:t>
             </a:fld>
             <a:endParaRPr lang="da-DK"/>
           </a:p>
@@ -2671,13 +2756,7 @@
       </p:sp>
       <p:sp>
         <p:nvSpPr>
-          <p:cNvPr id="6" name="Pladsholder til sidefod 5">
-            <a:extLst>
-              <a:ext uri="{FF2B5EF4-FFF2-40B4-BE49-F238E27FC236}">
-                <a16:creationId xmlns:a16="http://schemas.microsoft.com/office/drawing/2014/main" id="{FB4DD427-EBCB-61DF-0258-020F9B4A687E}"/>
-              </a:ext>
-            </a:extLst>
-          </p:cNvPr>
+          <p:cNvPr id="6" name="Footer Placeholder 5"/>
           <p:cNvSpPr>
             <a:spLocks noGrp="1"/>
           </p:cNvSpPr>
@@ -2696,13 +2775,7 @@
       </p:sp>
       <p:sp>
         <p:nvSpPr>
-          <p:cNvPr id="7" name="Pladsholder til slidenummer 6">
-            <a:extLst>
-              <a:ext uri="{FF2B5EF4-FFF2-40B4-BE49-F238E27FC236}">
-                <a16:creationId xmlns:a16="http://schemas.microsoft.com/office/drawing/2014/main" id="{ADEAB2AC-BFC2-3A05-5F24-1F85F8353AF2}"/>
-              </a:ext>
-            </a:extLst>
-          </p:cNvPr>
+          <p:cNvPr id="7" name="Slide Number Placeholder 6"/>
           <p:cNvSpPr>
             <a:spLocks noGrp="1"/>
           </p:cNvSpPr>
@@ -2726,13 +2799,16 @@
     </p:spTree>
     <p:extLst>
       <p:ext uri="{BB962C8B-B14F-4D97-AF65-F5344CB8AC3E}">
-        <p14:creationId xmlns:p14="http://schemas.microsoft.com/office/powerpoint/2010/main" val="120887180"/>
+        <p14:creationId xmlns:p14="http://schemas.microsoft.com/office/powerpoint/2010/main" val="46411982"/>
       </p:ext>
     </p:extLst>
   </p:cSld>
   <p:clrMapOvr>
     <a:masterClrMapping/>
   </p:clrMapOvr>
+  <p:transition spd="med">
+    <p:pull/>
+  </p:transition>
 </p:sldLayout>
 </file>
 
@@ -2760,31 +2836,65 @@
       </p:grpSpPr>
       <p:sp>
         <p:nvSpPr>
-          <p:cNvPr id="2" name="Pladsholder til titel 1">
-            <a:extLst>
-              <a:ext uri="{FF2B5EF4-FFF2-40B4-BE49-F238E27FC236}">
-                <a16:creationId xmlns:a16="http://schemas.microsoft.com/office/drawing/2014/main" id="{AC985451-4164-F588-92DD-AC9FD8D1EF80}"/>
-              </a:ext>
-            </a:extLst>
-          </p:cNvPr>
-          <p:cNvSpPr>
-            <a:spLocks noGrp="1"/>
-          </p:cNvSpPr>
-          <p:nvPr>
-            <p:ph type="title"/>
-          </p:nvPr>
+          <p:cNvPr id="7" name="Rectangle 6"/>
+          <p:cNvSpPr/>
+          <p:nvPr/>
         </p:nvSpPr>
         <p:spPr>
           <a:xfrm>
-            <a:off x="838200" y="365125"/>
-            <a:ext cx="10515600" cy="1325563"/>
+            <a:off x="11292840" y="0"/>
+            <a:ext cx="914400" cy="6858000"/>
+          </a:xfrm>
+          <a:prstGeom prst="rect">
+            <a:avLst/>
+          </a:prstGeom>
+          <a:solidFill>
+            <a:schemeClr val="tx2">
+              <a:lumMod val="75000"/>
+            </a:schemeClr>
+          </a:solidFill>
+          <a:ln>
+            <a:noFill/>
+          </a:ln>
+        </p:spPr>
+        <p:style>
+          <a:lnRef idx="2">
+            <a:schemeClr val="accent1">
+              <a:shade val="50000"/>
+            </a:schemeClr>
+          </a:lnRef>
+          <a:fillRef idx="1">
+            <a:schemeClr val="accent1"/>
+          </a:fillRef>
+          <a:effectRef idx="0">
+            <a:schemeClr val="accent1"/>
+          </a:effectRef>
+          <a:fontRef idx="minor">
+            <a:schemeClr val="lt1"/>
+          </a:fontRef>
+        </p:style>
+      </p:sp>
+      <p:sp>
+        <p:nvSpPr>
+          <p:cNvPr id="2" name="Title Placeholder 1"/>
+          <p:cNvSpPr>
+            <a:spLocks noGrp="1"/>
+          </p:cNvSpPr>
+          <p:nvPr>
+            <p:ph type="title"/>
+          </p:nvPr>
+        </p:nvSpPr>
+        <p:spPr>
+          <a:xfrm>
+            <a:off x="1261872" y="365760"/>
+            <a:ext cx="9692640" cy="1325562"/>
           </a:xfrm>
           <a:prstGeom prst="rect">
             <a:avLst/>
           </a:prstGeom>
         </p:spPr>
         <p:txBody>
-          <a:bodyPr vert="horz" lIns="91440" tIns="45720" rIns="91440" bIns="45720" rtlCol="0" anchor="ctr">
+          <a:bodyPr vert="horz" lIns="91440" tIns="45720" rIns="91440" bIns="45720" rtlCol="0" anchor="b">
             <a:normAutofit/>
           </a:bodyPr>
           <a:lstStyle/>
@@ -2793,18 +2903,13 @@
               <a:rPr lang="da-DK"/>
               <a:t>Klik for at redigere titeltypografien i masteren</a:t>
             </a:r>
-          </a:p>
-        </p:txBody>
-      </p:sp>
-      <p:sp>
-        <p:nvSpPr>
-          <p:cNvPr id="3" name="Pladsholder til tekst 2">
-            <a:extLst>
-              <a:ext uri="{FF2B5EF4-FFF2-40B4-BE49-F238E27FC236}">
-                <a16:creationId xmlns:a16="http://schemas.microsoft.com/office/drawing/2014/main" id="{3D3384A5-64AF-B184-6FC3-0836F7622EA0}"/>
-              </a:ext>
-            </a:extLst>
-          </p:cNvPr>
+            <a:endParaRPr lang="en-US" dirty="0"/>
+          </a:p>
+        </p:txBody>
+      </p:sp>
+      <p:sp>
+        <p:nvSpPr>
+          <p:cNvPr id="3" name="Text Placeholder 2"/>
           <p:cNvSpPr>
             <a:spLocks noGrp="1"/>
           </p:cNvSpPr>
@@ -2814,8 +2919,8 @@
         </p:nvSpPr>
         <p:spPr>
           <a:xfrm>
-            <a:off x="838200" y="1825625"/>
-            <a:ext cx="10515600" cy="4351338"/>
+            <a:off x="1261872" y="1828800"/>
+            <a:ext cx="8595360" cy="4351337"/>
           </a:xfrm>
           <a:prstGeom prst="rect">
             <a:avLst/>
@@ -2860,18 +2965,13 @@
               <a:rPr lang="da-DK"/>
               <a:t>Femte niveau</a:t>
             </a:r>
-          </a:p>
-        </p:txBody>
-      </p:sp>
-      <p:sp>
-        <p:nvSpPr>
-          <p:cNvPr id="4" name="Pladsholder til dato 3">
-            <a:extLst>
-              <a:ext uri="{FF2B5EF4-FFF2-40B4-BE49-F238E27FC236}">
-                <a16:creationId xmlns:a16="http://schemas.microsoft.com/office/drawing/2014/main" id="{7DDA0FF5-AABB-45A1-99E4-FE50A2D88987}"/>
-              </a:ext>
-            </a:extLst>
-          </p:cNvPr>
+            <a:endParaRPr lang="en-US" dirty="0"/>
+          </a:p>
+        </p:txBody>
+      </p:sp>
+      <p:sp>
+        <p:nvSpPr>
+          <p:cNvPr id="4" name="Date Placeholder 3"/>
           <p:cNvSpPr>
             <a:spLocks noGrp="1"/>
           </p:cNvSpPr>
@@ -2880,9 +2980,9 @@
           </p:nvPr>
         </p:nvSpPr>
         <p:spPr>
-          <a:xfrm>
-            <a:off x="838200" y="6356350"/>
-            <a:ext cx="2743200" cy="365125"/>
+          <a:xfrm rot="16200000">
+            <a:off x="10797542" y="998537"/>
+            <a:ext cx="1904999" cy="365125"/>
           </a:xfrm>
           <a:prstGeom prst="rect">
             <a:avLst/>
@@ -2891,11 +2991,12 @@
         <p:txBody>
           <a:bodyPr vert="horz" lIns="91440" tIns="45720" rIns="91440" bIns="45720" rtlCol="0" anchor="ctr"/>
           <a:lstStyle>
-            <a:lvl1pPr algn="l">
-              <a:defRPr sz="1200">
+            <a:lvl1pPr algn="r">
+              <a:defRPr sz="1050" b="0">
                 <a:solidFill>
-                  <a:schemeClr val="tx1">
-                    <a:tint val="82000"/>
+                  <a:schemeClr val="tx2">
+                    <a:lumMod val="20000"/>
+                    <a:lumOff val="80000"/>
                   </a:schemeClr>
                 </a:solidFill>
               </a:defRPr>
@@ -2904,7 +3005,7 @@
           <a:p>
             <a:fld id="{CAD48924-9FF0-4265-B261-43E75894504F}" type="datetimeFigureOut">
               <a:rPr lang="da-DK" smtClean="0"/>
-              <a:t>15-10-2025</a:t>
+              <a:t>17-10-2025</a:t>
             </a:fld>
             <a:endParaRPr lang="da-DK"/>
           </a:p>
@@ -2912,13 +3013,7 @@
       </p:sp>
       <p:sp>
         <p:nvSpPr>
-          <p:cNvPr id="5" name="Pladsholder til sidefod 4">
-            <a:extLst>
-              <a:ext uri="{FF2B5EF4-FFF2-40B4-BE49-F238E27FC236}">
-                <a16:creationId xmlns:a16="http://schemas.microsoft.com/office/drawing/2014/main" id="{EDD9B7EA-2E65-FB20-ABA2-06690AC6753E}"/>
-              </a:ext>
-            </a:extLst>
-          </p:cNvPr>
+          <p:cNvPr id="5" name="Footer Placeholder 4"/>
           <p:cNvSpPr>
             <a:spLocks noGrp="1"/>
           </p:cNvSpPr>
@@ -2927,9 +3022,9 @@
           </p:nvPr>
         </p:nvSpPr>
         <p:spPr>
-          <a:xfrm>
-            <a:off x="4038600" y="6356350"/>
-            <a:ext cx="4114800" cy="365125"/>
+          <a:xfrm rot="16200000">
+            <a:off x="9959341" y="4046537"/>
+            <a:ext cx="3581400" cy="365125"/>
           </a:xfrm>
           <a:prstGeom prst="rect">
             <a:avLst/>
@@ -2938,11 +3033,12 @@
         <p:txBody>
           <a:bodyPr vert="horz" lIns="91440" tIns="45720" rIns="91440" bIns="45720" rtlCol="0" anchor="ctr"/>
           <a:lstStyle>
-            <a:lvl1pPr algn="ctr">
-              <a:defRPr sz="1200">
+            <a:lvl1pPr algn="l">
+              <a:defRPr sz="1050">
                 <a:solidFill>
-                  <a:schemeClr val="tx1">
-                    <a:tint val="82000"/>
+                  <a:schemeClr val="tx2">
+                    <a:lumMod val="20000"/>
+                    <a:lumOff val="80000"/>
                   </a:schemeClr>
                 </a:solidFill>
               </a:defRPr>
@@ -2955,13 +3051,7 @@
       </p:sp>
       <p:sp>
         <p:nvSpPr>
-          <p:cNvPr id="6" name="Pladsholder til slidenummer 5">
-            <a:extLst>
-              <a:ext uri="{FF2B5EF4-FFF2-40B4-BE49-F238E27FC236}">
-                <a16:creationId xmlns:a16="http://schemas.microsoft.com/office/drawing/2014/main" id="{F1A0538F-DFAD-4723-DBA3-49211F97F95B}"/>
-              </a:ext>
-            </a:extLst>
-          </p:cNvPr>
+          <p:cNvPr id="6" name="Slide Number Placeholder 5"/>
           <p:cNvSpPr>
             <a:spLocks noGrp="1"/>
           </p:cNvSpPr>
@@ -2971,21 +3061,24 @@
         </p:nvSpPr>
         <p:spPr>
           <a:xfrm>
-            <a:off x="8610600" y="6356350"/>
-            <a:ext cx="2743200" cy="365125"/>
+            <a:off x="11292840" y="6172200"/>
+            <a:ext cx="914400" cy="593725"/>
           </a:xfrm>
           <a:prstGeom prst="rect">
             <a:avLst/>
           </a:prstGeom>
         </p:spPr>
         <p:txBody>
-          <a:bodyPr vert="horz" lIns="91440" tIns="45720" rIns="91440" bIns="45720" rtlCol="0" anchor="ctr"/>
+          <a:bodyPr vert="horz" lIns="45720" tIns="45720" rIns="45720" bIns="45720" rtlCol="0" anchor="ctr">
+            <a:normAutofit/>
+          </a:bodyPr>
           <a:lstStyle>
-            <a:lvl1pPr algn="r">
-              <a:defRPr sz="1200">
+            <a:lvl1pPr algn="ctr">
+              <a:defRPr sz="3600">
                 <a:solidFill>
-                  <a:schemeClr val="tx1">
-                    <a:tint val="82000"/>
+                  <a:schemeClr val="tx2">
+                    <a:lumMod val="60000"/>
+                    <a:lumOff val="40000"/>
                   </a:schemeClr>
                 </a:solidFill>
               </a:defRPr>
@@ -3003,24 +3096,27 @@
     </p:spTree>
     <p:extLst>
       <p:ext uri="{BB962C8B-B14F-4D97-AF65-F5344CB8AC3E}">
-        <p14:creationId xmlns:p14="http://schemas.microsoft.com/office/powerpoint/2010/main" val="623770646"/>
+        <p14:creationId xmlns:p14="http://schemas.microsoft.com/office/powerpoint/2010/main" val="2152221191"/>
       </p:ext>
     </p:extLst>
   </p:cSld>
   <p:clrMap bg1="lt1" tx1="dk1" bg2="lt2" tx2="dk2" accent1="accent1" accent2="accent2" accent3="accent3" accent4="accent4" accent5="accent5" accent6="accent6" hlink="hlink" folHlink="folHlink"/>
   <p:sldLayoutIdLst>
-    <p:sldLayoutId id="2147483649" r:id="rId1"/>
-    <p:sldLayoutId id="2147483650" r:id="rId2"/>
-    <p:sldLayoutId id="2147483651" r:id="rId3"/>
-    <p:sldLayoutId id="2147483652" r:id="rId4"/>
-    <p:sldLayoutId id="2147483653" r:id="rId5"/>
-    <p:sldLayoutId id="2147483654" r:id="rId6"/>
-    <p:sldLayoutId id="2147483655" r:id="rId7"/>
-    <p:sldLayoutId id="2147483656" r:id="rId8"/>
-    <p:sldLayoutId id="2147483657" r:id="rId9"/>
-    <p:sldLayoutId id="2147483658" r:id="rId10"/>
-    <p:sldLayoutId id="2147483659" r:id="rId11"/>
+    <p:sldLayoutId id="2147483679" r:id="rId1"/>
+    <p:sldLayoutId id="2147483680" r:id="rId2"/>
+    <p:sldLayoutId id="2147483681" r:id="rId3"/>
+    <p:sldLayoutId id="2147483682" r:id="rId4"/>
+    <p:sldLayoutId id="2147483683" r:id="rId5"/>
+    <p:sldLayoutId id="2147483684" r:id="rId6"/>
+    <p:sldLayoutId id="2147483685" r:id="rId7"/>
+    <p:sldLayoutId id="2147483686" r:id="rId8"/>
+    <p:sldLayoutId id="2147483687" r:id="rId9"/>
+    <p:sldLayoutId id="2147483688" r:id="rId10"/>
+    <p:sldLayoutId id="2147483689" r:id="rId11"/>
   </p:sldLayoutIdLst>
+  <p:transition spd="med">
+    <p:pull/>
+  </p:transition>
   <p:txStyles>
     <p:titleStyle>
       <a:lvl1pPr algn="l" defTabSz="914400" rtl="0" eaLnBrk="1" latinLnBrk="0" hangingPunct="1">
@@ -3031,7 +3127,7 @@
           <a:spcPct val="0"/>
         </a:spcBef>
         <a:buNone/>
-        <a:defRPr sz="4400" kern="1200">
+        <a:defRPr sz="4400" kern="1200" spc="-50" baseline="0">
           <a:solidFill>
             <a:schemeClr val="tx1"/>
           </a:solidFill>
@@ -3042,16 +3138,23 @@
       </a:lvl1pPr>
     </p:titleStyle>
     <p:bodyStyle>
-      <a:lvl1pPr marL="228600" indent="-228600" algn="l" defTabSz="914400" rtl="0" eaLnBrk="1" latinLnBrk="0" hangingPunct="1">
+      <a:lvl1pPr marL="182880" indent="-182880" algn="l" defTabSz="914400" rtl="0" eaLnBrk="1" latinLnBrk="0" hangingPunct="1">
         <a:lnSpc>
-          <a:spcPct val="90000"/>
+          <a:spcPct val="95000"/>
         </a:lnSpc>
         <a:spcBef>
-          <a:spcPts val="1000"/>
+          <a:spcPts val="1400"/>
         </a:spcBef>
-        <a:buFont typeface="Arial" panose="020B0604020202020204" pitchFamily="34" charset="0"/>
+        <a:spcAft>
+          <a:spcPts val="200"/>
+        </a:spcAft>
+        <a:buClr>
+          <a:schemeClr val="accent1"/>
+        </a:buClr>
+        <a:buSzPct val="80000"/>
+        <a:buFont typeface="Arial" pitchFamily="34" charset="0"/>
         <a:buChar char="•"/>
-        <a:defRPr sz="2800" kern="1200">
+        <a:defRPr sz="1800" kern="1200" spc="10" baseline="0">
           <a:solidFill>
             <a:schemeClr val="tx1"/>
           </a:solidFill>
@@ -3060,144 +3163,216 @@
           <a:cs typeface="+mn-cs"/>
         </a:defRPr>
       </a:lvl1pPr>
-      <a:lvl2pPr marL="685800" indent="-228600" algn="l" defTabSz="914400" rtl="0" eaLnBrk="1" latinLnBrk="0" hangingPunct="1">
+      <a:lvl2pPr marL="457200" indent="-182880" algn="l" defTabSz="914400" rtl="0" eaLnBrk="1" latinLnBrk="0" hangingPunct="1">
         <a:lnSpc>
           <a:spcPct val="90000"/>
         </a:lnSpc>
         <a:spcBef>
-          <a:spcPts val="500"/>
+          <a:spcPts val="300"/>
         </a:spcBef>
-        <a:buFont typeface="Arial" panose="020B0604020202020204" pitchFamily="34" charset="0"/>
-        <a:buChar char="•"/>
-        <a:defRPr sz="2400" kern="1200">
+        <a:spcAft>
+          <a:spcPts val="300"/>
+        </a:spcAft>
+        <a:buClr>
+          <a:schemeClr val="accent1"/>
+        </a:buClr>
+        <a:buFont typeface="Wingdings 2" pitchFamily="18" charset="2"/>
+        <a:buChar char=""/>
+        <a:defRPr sz="1600" kern="1200">
           <a:solidFill>
-            <a:schemeClr val="tx1"/>
+            <a:schemeClr val="tx1">
+              <a:lumMod val="85000"/>
+              <a:lumOff val="15000"/>
+            </a:schemeClr>
           </a:solidFill>
           <a:latin typeface="+mn-lt"/>
           <a:ea typeface="+mn-ea"/>
           <a:cs typeface="+mn-cs"/>
         </a:defRPr>
       </a:lvl2pPr>
-      <a:lvl3pPr marL="1143000" indent="-228600" algn="l" defTabSz="914400" rtl="0" eaLnBrk="1" latinLnBrk="0" hangingPunct="1">
+      <a:lvl3pPr marL="731520" indent="-182880" algn="l" defTabSz="914400" rtl="0" eaLnBrk="1" latinLnBrk="0" hangingPunct="1">
         <a:lnSpc>
           <a:spcPct val="90000"/>
         </a:lnSpc>
         <a:spcBef>
-          <a:spcPts val="500"/>
+          <a:spcPts val="300"/>
         </a:spcBef>
-        <a:buFont typeface="Arial" panose="020B0604020202020204" pitchFamily="34" charset="0"/>
-        <a:buChar char="•"/>
-        <a:defRPr sz="2000" kern="1200">
+        <a:spcAft>
+          <a:spcPts val="300"/>
+        </a:spcAft>
+        <a:buClr>
+          <a:schemeClr val="accent1"/>
+        </a:buClr>
+        <a:buFont typeface="Wingdings 2" pitchFamily="18" charset="2"/>
+        <a:buChar char=""/>
+        <a:defRPr sz="1400" kern="1200">
           <a:solidFill>
-            <a:schemeClr val="tx1"/>
+            <a:schemeClr val="tx1">
+              <a:lumMod val="85000"/>
+              <a:lumOff val="15000"/>
+            </a:schemeClr>
           </a:solidFill>
           <a:latin typeface="+mn-lt"/>
           <a:ea typeface="+mn-ea"/>
           <a:cs typeface="+mn-cs"/>
         </a:defRPr>
       </a:lvl3pPr>
-      <a:lvl4pPr marL="1600200" indent="-228600" algn="l" defTabSz="914400" rtl="0" eaLnBrk="1" latinLnBrk="0" hangingPunct="1">
+      <a:lvl4pPr marL="1005840" indent="-182880" algn="l" defTabSz="914400" rtl="0" eaLnBrk="1" latinLnBrk="0" hangingPunct="1">
         <a:lnSpc>
           <a:spcPct val="90000"/>
         </a:lnSpc>
         <a:spcBef>
-          <a:spcPts val="500"/>
+          <a:spcPts val="300"/>
         </a:spcBef>
-        <a:buFont typeface="Arial" panose="020B0604020202020204" pitchFamily="34" charset="0"/>
-        <a:buChar char="•"/>
-        <a:defRPr sz="1800" kern="1200">
+        <a:spcAft>
+          <a:spcPts val="300"/>
+        </a:spcAft>
+        <a:buClr>
+          <a:schemeClr val="accent1"/>
+        </a:buClr>
+        <a:buFont typeface="Wingdings 2" pitchFamily="18" charset="2"/>
+        <a:buChar char=""/>
+        <a:defRPr sz="1400" kern="1200">
           <a:solidFill>
-            <a:schemeClr val="tx1"/>
+            <a:schemeClr val="tx1">
+              <a:lumMod val="85000"/>
+              <a:lumOff val="15000"/>
+            </a:schemeClr>
           </a:solidFill>
           <a:latin typeface="+mn-lt"/>
           <a:ea typeface="+mn-ea"/>
           <a:cs typeface="+mn-cs"/>
         </a:defRPr>
       </a:lvl4pPr>
-      <a:lvl5pPr marL="2057400" indent="-228600" algn="l" defTabSz="914400" rtl="0" eaLnBrk="1" latinLnBrk="0" hangingPunct="1">
+      <a:lvl5pPr marL="1280160" indent="-182880" algn="l" defTabSz="914400" rtl="0" eaLnBrk="1" latinLnBrk="0" hangingPunct="1">
         <a:lnSpc>
           <a:spcPct val="90000"/>
         </a:lnSpc>
         <a:spcBef>
-          <a:spcPts val="500"/>
+          <a:spcPts val="300"/>
         </a:spcBef>
-        <a:buFont typeface="Arial" panose="020B0604020202020204" pitchFamily="34" charset="0"/>
-        <a:buChar char="•"/>
-        <a:defRPr sz="1800" kern="1200">
+        <a:spcAft>
+          <a:spcPts val="300"/>
+        </a:spcAft>
+        <a:buClr>
+          <a:schemeClr val="accent1"/>
+        </a:buClr>
+        <a:buFont typeface="Wingdings 2" pitchFamily="18" charset="2"/>
+        <a:buChar char=""/>
+        <a:defRPr sz="1400" kern="1200">
           <a:solidFill>
-            <a:schemeClr val="tx1"/>
+            <a:schemeClr val="tx1">
+              <a:lumMod val="85000"/>
+              <a:lumOff val="15000"/>
+            </a:schemeClr>
           </a:solidFill>
           <a:latin typeface="+mn-lt"/>
           <a:ea typeface="+mn-ea"/>
           <a:cs typeface="+mn-cs"/>
         </a:defRPr>
       </a:lvl5pPr>
-      <a:lvl6pPr marL="2514600" indent="-228600" algn="l" defTabSz="914400" rtl="0" eaLnBrk="1" latinLnBrk="0" hangingPunct="1">
+      <a:lvl6pPr marL="1600000" indent="-228600" algn="l" defTabSz="914400" rtl="0" eaLnBrk="1" latinLnBrk="0" hangingPunct="1">
         <a:lnSpc>
           <a:spcPct val="90000"/>
         </a:lnSpc>
         <a:spcBef>
-          <a:spcPts val="500"/>
+          <a:spcPts val="300"/>
         </a:spcBef>
-        <a:buFont typeface="Arial" panose="020B0604020202020204" pitchFamily="34" charset="0"/>
-        <a:buChar char="•"/>
-        <a:defRPr sz="1800" kern="1200">
+        <a:spcAft>
+          <a:spcPts val="300"/>
+        </a:spcAft>
+        <a:buClr>
+          <a:schemeClr val="accent1"/>
+        </a:buClr>
+        <a:buFont typeface="Wingdings 2" pitchFamily="18" charset="2"/>
+        <a:buChar char=""/>
+        <a:defRPr sz="1400" kern="1200">
           <a:solidFill>
-            <a:schemeClr val="tx1"/>
+            <a:schemeClr val="tx1">
+              <a:lumMod val="85000"/>
+              <a:lumOff val="15000"/>
+            </a:schemeClr>
           </a:solidFill>
           <a:latin typeface="+mn-lt"/>
           <a:ea typeface="+mn-ea"/>
           <a:cs typeface="+mn-cs"/>
         </a:defRPr>
       </a:lvl6pPr>
-      <a:lvl7pPr marL="2971800" indent="-228600" algn="l" defTabSz="914400" rtl="0" eaLnBrk="1" latinLnBrk="0" hangingPunct="1">
+      <a:lvl7pPr marL="1900000" indent="-228600" algn="l" defTabSz="914400" rtl="0" eaLnBrk="1" latinLnBrk="0" hangingPunct="1">
         <a:lnSpc>
           <a:spcPct val="90000"/>
         </a:lnSpc>
         <a:spcBef>
-          <a:spcPts val="500"/>
+          <a:spcPts val="300"/>
         </a:spcBef>
-        <a:buFont typeface="Arial" panose="020B0604020202020204" pitchFamily="34" charset="0"/>
-        <a:buChar char="•"/>
-        <a:defRPr sz="1800" kern="1200">
+        <a:spcAft>
+          <a:spcPts val="300"/>
+        </a:spcAft>
+        <a:buClr>
+          <a:schemeClr val="accent1"/>
+        </a:buClr>
+        <a:buFont typeface="Wingdings 2" pitchFamily="18" charset="2"/>
+        <a:buChar char=""/>
+        <a:defRPr sz="1400" kern="1200">
           <a:solidFill>
-            <a:schemeClr val="tx1"/>
+            <a:schemeClr val="tx1">
+              <a:lumMod val="85000"/>
+              <a:lumOff val="15000"/>
+            </a:schemeClr>
           </a:solidFill>
           <a:latin typeface="+mn-lt"/>
           <a:ea typeface="+mn-ea"/>
           <a:cs typeface="+mn-cs"/>
         </a:defRPr>
       </a:lvl7pPr>
-      <a:lvl8pPr marL="3429000" indent="-228600" algn="l" defTabSz="914400" rtl="0" eaLnBrk="1" latinLnBrk="0" hangingPunct="1">
+      <a:lvl8pPr marL="2200000" indent="-228600" algn="l" defTabSz="914400" rtl="0" eaLnBrk="1" latinLnBrk="0" hangingPunct="1">
         <a:lnSpc>
           <a:spcPct val="90000"/>
         </a:lnSpc>
         <a:spcBef>
-          <a:spcPts val="500"/>
+          <a:spcPts val="300"/>
         </a:spcBef>
-        <a:buFont typeface="Arial" panose="020B0604020202020204" pitchFamily="34" charset="0"/>
-        <a:buChar char="•"/>
-        <a:defRPr sz="1800" kern="1200">
+        <a:spcAft>
+          <a:spcPts val="300"/>
+        </a:spcAft>
+        <a:buClr>
+          <a:schemeClr val="accent1"/>
+        </a:buClr>
+        <a:buFont typeface="Wingdings 2" pitchFamily="18" charset="2"/>
+        <a:buChar char=""/>
+        <a:defRPr sz="1400" kern="1200">
           <a:solidFill>
-            <a:schemeClr val="tx1"/>
+            <a:schemeClr val="tx1">
+              <a:lumMod val="85000"/>
+              <a:lumOff val="15000"/>
+            </a:schemeClr>
           </a:solidFill>
           <a:latin typeface="+mn-lt"/>
           <a:ea typeface="+mn-ea"/>
           <a:cs typeface="+mn-cs"/>
         </a:defRPr>
       </a:lvl8pPr>
-      <a:lvl9pPr marL="3886200" indent="-228600" algn="l" defTabSz="914400" rtl="0" eaLnBrk="1" latinLnBrk="0" hangingPunct="1">
+      <a:lvl9pPr marL="2500000" indent="-228600" algn="l" defTabSz="914400" rtl="0" eaLnBrk="1" latinLnBrk="0" hangingPunct="1">
         <a:lnSpc>
           <a:spcPct val="90000"/>
         </a:lnSpc>
         <a:spcBef>
-          <a:spcPts val="500"/>
+          <a:spcPts val="300"/>
         </a:spcBef>
-        <a:buFont typeface="Arial" panose="020B0604020202020204" pitchFamily="34" charset="0"/>
-        <a:buChar char="•"/>
-        <a:defRPr sz="1800" kern="1200">
+        <a:spcAft>
+          <a:spcPts val="300"/>
+        </a:spcAft>
+        <a:buClr>
+          <a:schemeClr val="accent1"/>
+        </a:buClr>
+        <a:buFont typeface="Wingdings 2" pitchFamily="18" charset="2"/>
+        <a:buChar char=""/>
+        <a:defRPr sz="1400" kern="1200">
           <a:solidFill>
-            <a:schemeClr val="tx1"/>
+            <a:schemeClr val="tx1">
+              <a:lumMod val="85000"/>
+              <a:lumOff val="15000"/>
+            </a:schemeClr>
           </a:solidFill>
           <a:latin typeface="+mn-lt"/>
           <a:ea typeface="+mn-ea"/>
@@ -3207,7 +3382,7 @@
     </p:bodyStyle>
     <p:otherStyle>
       <a:defPPr>
-        <a:defRPr lang="da-DK"/>
+        <a:defRPr lang="en-US"/>
       </a:defPPr>
       <a:lvl1pPr marL="0" algn="l" defTabSz="914400" rtl="0" eaLnBrk="1" latinLnBrk="0" hangingPunct="1">
         <a:defRPr sz="1800" kern="1200">
@@ -3307,6 +3482,17 @@
 <file path=ppt/slides/slide1.xml><?xml version="1.0" encoding="utf-8"?>
 <p:sld xmlns:a="http://schemas.openxmlformats.org/drawingml/2006/main" xmlns:r="http://schemas.openxmlformats.org/officeDocument/2006/relationships" xmlns:p="http://schemas.openxmlformats.org/presentationml/2006/main">
   <p:cSld>
+    <p:bg>
+      <p:bgPr>
+        <a:solidFill>
+          <a:schemeClr val="bg1">
+            <a:tint val="95000"/>
+            <a:satMod val="170000"/>
+          </a:schemeClr>
+        </a:solidFill>
+        <a:effectLst/>
+      </p:bgPr>
+    </p:bg>
     <p:spTree>
       <p:nvGrpSpPr>
         <p:cNvPr id="1" name=""/>
@@ -3321,6 +3507,220 @@
           <a:chExt cx="0" cy="0"/>
         </a:xfrm>
       </p:grpSpPr>
+      <p:sp useBgFill="1">
+        <p:nvSpPr>
+          <p:cNvPr id="10" name="Rectangle 9">
+            <a:extLst>
+              <a:ext uri="{FF2B5EF4-FFF2-40B4-BE49-F238E27FC236}">
+                <a16:creationId xmlns:a16="http://schemas.microsoft.com/office/drawing/2014/main" id="{64F97EC1-3569-4A79-9DB8-CC79407DFFE2}"/>
+              </a:ext>
+              <a:ext uri="{C183D7F6-B498-43B3-948B-1728B52AA6E4}">
+                <adec:decorative xmlns:adec="http://schemas.microsoft.com/office/drawing/2017/decorative" val="1"/>
+              </a:ext>
+            </a:extLst>
+          </p:cNvPr>
+          <p:cNvSpPr>
+            <a:spLocks noGrp="1" noRot="1" noChangeAspect="1" noMove="1" noResize="1" noEditPoints="1" noAdjustHandles="1" noChangeArrowheads="1" noChangeShapeType="1" noTextEdit="1"/>
+          </p:cNvSpPr>
+          <p:nvPr>
+            <p:extLst>
+              <p:ext uri="{386F3935-93C4-4BCD-93E2-E3B085C9AB24}">
+                <p16:designElem xmlns:p16="http://schemas.microsoft.com/office/powerpoint/2015/main" val="1"/>
+              </p:ext>
+            </p:extLst>
+          </p:nvPr>
+        </p:nvSpPr>
+        <p:spPr>
+          <a:xfrm>
+            <a:off x="0" y="0"/>
+            <a:ext cx="11292840" cy="6858000"/>
+          </a:xfrm>
+          <a:prstGeom prst="rect">
+            <a:avLst/>
+          </a:prstGeom>
+          <a:ln>
+            <a:noFill/>
+          </a:ln>
+        </p:spPr>
+        <p:style>
+          <a:lnRef idx="2">
+            <a:schemeClr val="accent1">
+              <a:shade val="50000"/>
+            </a:schemeClr>
+          </a:lnRef>
+          <a:fillRef idx="1">
+            <a:schemeClr val="accent1"/>
+          </a:fillRef>
+          <a:effectRef idx="0">
+            <a:schemeClr val="accent1"/>
+          </a:effectRef>
+          <a:fontRef idx="minor">
+            <a:schemeClr val="lt1"/>
+          </a:fontRef>
+        </p:style>
+        <p:txBody>
+          <a:bodyPr rtlCol="0" anchor="ctr"/>
+          <a:lstStyle/>
+          <a:p>
+            <a:pPr marL="0" marR="0" lvl="0" indent="0" algn="ctr" defTabSz="457200" rtl="0" eaLnBrk="1" fontAlgn="auto" latinLnBrk="0" hangingPunct="1">
+              <a:lnSpc>
+                <a:spcPct val="100000"/>
+              </a:lnSpc>
+              <a:spcBef>
+                <a:spcPts val="0"/>
+              </a:spcBef>
+              <a:spcAft>
+                <a:spcPts val="0"/>
+              </a:spcAft>
+              <a:buClrTx/>
+              <a:buSzTx/>
+              <a:buFontTx/>
+              <a:buNone/>
+              <a:tabLst/>
+              <a:defRPr/>
+            </a:pPr>
+            <a:endParaRPr kumimoji="0" lang="en-US" sz="1800" b="0" i="0" u="none" strike="noStrike" kern="1200" cap="none" spc="0" normalizeH="0" baseline="0" noProof="0" dirty="0">
+              <a:ln>
+                <a:noFill/>
+              </a:ln>
+              <a:solidFill>
+                <a:srgbClr val="FFFFFF"/>
+              </a:solidFill>
+              <a:effectLst/>
+              <a:uLnTx/>
+              <a:uFillTx/>
+              <a:latin typeface="Century Schoolbook" panose="02040604050505020304"/>
+              <a:ea typeface="+mn-ea"/>
+              <a:cs typeface="+mn-cs"/>
+            </a:endParaRPr>
+          </a:p>
+        </p:txBody>
+      </p:sp>
+      <p:pic>
+        <p:nvPicPr>
+          <p:cNvPr id="5" name="Picture 4" descr="Pipette fylder bakke med prøve">
+            <a:extLst>
+              <a:ext uri="{FF2B5EF4-FFF2-40B4-BE49-F238E27FC236}">
+                <a16:creationId xmlns:a16="http://schemas.microsoft.com/office/drawing/2014/main" id="{46CEE35F-9AFF-E9B9-A93B-4C8F7B32FC0A}"/>
+              </a:ext>
+            </a:extLst>
+          </p:cNvPr>
+          <p:cNvPicPr>
+            <a:picLocks noChangeAspect="1"/>
+          </p:cNvPicPr>
+          <p:nvPr/>
+        </p:nvPicPr>
+        <p:blipFill>
+          <a:blip r:embed="rId2"/>
+          <a:srcRect t="1150" r="-1" b="-1"/>
+          <a:stretch>
+            <a:fillRect/>
+          </a:stretch>
+        </p:blipFill>
+        <p:spPr>
+          <a:xfrm>
+            <a:off x="899160" y="1"/>
+            <a:ext cx="10393680" cy="6858000"/>
+          </a:xfrm>
+          <a:prstGeom prst="rect">
+            <a:avLst/>
+          </a:prstGeom>
+        </p:spPr>
+      </p:pic>
+      <p:sp>
+        <p:nvSpPr>
+          <p:cNvPr id="12" name="Rectangle 11">
+            <a:extLst>
+              <a:ext uri="{FF2B5EF4-FFF2-40B4-BE49-F238E27FC236}">
+                <a16:creationId xmlns:a16="http://schemas.microsoft.com/office/drawing/2014/main" id="{13E08444-43C3-4332-B02D-F2DBC8C1DBD5}"/>
+              </a:ext>
+              <a:ext uri="{C183D7F6-B498-43B3-948B-1728B52AA6E4}">
+                <adec:decorative xmlns:adec="http://schemas.microsoft.com/office/drawing/2017/decorative" val="1"/>
+              </a:ext>
+            </a:extLst>
+          </p:cNvPr>
+          <p:cNvSpPr>
+            <a:spLocks noGrp="1" noRot="1" noChangeAspect="1" noMove="1" noResize="1" noEditPoints="1" noAdjustHandles="1" noChangeArrowheads="1" noChangeShapeType="1" noTextEdit="1"/>
+          </p:cNvSpPr>
+          <p:nvPr>
+            <p:extLst>
+              <p:ext uri="{386F3935-93C4-4BCD-93E2-E3B085C9AB24}">
+                <p16:designElem xmlns:p16="http://schemas.microsoft.com/office/powerpoint/2015/main" val="1"/>
+              </p:ext>
+            </p:extLst>
+          </p:nvPr>
+        </p:nvSpPr>
+        <p:spPr>
+          <a:xfrm>
+            <a:off x="899160" y="0"/>
+            <a:ext cx="10393680" cy="6858000"/>
+          </a:xfrm>
+          <a:prstGeom prst="rect">
+            <a:avLst/>
+          </a:prstGeom>
+          <a:solidFill>
+            <a:srgbClr val="000000">
+              <a:alpha val="50000"/>
+            </a:srgbClr>
+          </a:solidFill>
+          <a:ln>
+            <a:noFill/>
+          </a:ln>
+        </p:spPr>
+        <p:style>
+          <a:lnRef idx="2">
+            <a:schemeClr val="accent1">
+              <a:shade val="50000"/>
+            </a:schemeClr>
+          </a:lnRef>
+          <a:fillRef idx="1">
+            <a:schemeClr val="accent1"/>
+          </a:fillRef>
+          <a:effectRef idx="0">
+            <a:schemeClr val="accent1"/>
+          </a:effectRef>
+          <a:fontRef idx="minor">
+            <a:schemeClr val="lt1"/>
+          </a:fontRef>
+        </p:style>
+        <p:txBody>
+          <a:bodyPr rtlCol="0" anchor="ctr"/>
+          <a:lstStyle/>
+          <a:p>
+            <a:pPr marL="0" marR="0" lvl="0" indent="0" algn="ctr" defTabSz="457200" rtl="0" eaLnBrk="1" fontAlgn="auto" latinLnBrk="0" hangingPunct="1">
+              <a:lnSpc>
+                <a:spcPct val="100000"/>
+              </a:lnSpc>
+              <a:spcBef>
+                <a:spcPts val="0"/>
+              </a:spcBef>
+              <a:spcAft>
+                <a:spcPts val="0"/>
+              </a:spcAft>
+              <a:buClrTx/>
+              <a:buSzTx/>
+              <a:buFontTx/>
+              <a:buNone/>
+              <a:tabLst/>
+              <a:defRPr/>
+            </a:pPr>
+            <a:endParaRPr kumimoji="0" lang="en-US" sz="1800" b="0" i="0" u="none" strike="noStrike" kern="1200" cap="none" spc="0" normalizeH="0" baseline="0" noProof="0">
+              <a:ln>
+                <a:noFill/>
+              </a:ln>
+              <a:solidFill>
+                <a:srgbClr val="FFFFFF"/>
+              </a:solidFill>
+              <a:effectLst/>
+              <a:uLnTx/>
+              <a:uFillTx/>
+              <a:latin typeface="Century Schoolbook" panose="02040604050505020304"/>
+              <a:ea typeface="+mn-ea"/>
+              <a:cs typeface="+mn-cs"/>
+            </a:endParaRPr>
+          </a:p>
+        </p:txBody>
+      </p:sp>
       <p:sp>
         <p:nvSpPr>
           <p:cNvPr id="2" name="Titel 1">
@@ -3337,13 +3737,26 @@
             <p:ph type="ctrTitle"/>
           </p:nvPr>
         </p:nvSpPr>
-        <p:spPr/>
-        <p:txBody>
-          <a:bodyPr/>
-          <a:lstStyle/>
-          <a:p>
-            <a:r>
-              <a:rPr lang="da-DK" dirty="0"/>
+        <p:spPr>
+          <a:xfrm>
+            <a:off x="1261872" y="723331"/>
+            <a:ext cx="9418320" cy="3875965"/>
+          </a:xfrm>
+          <a:noFill/>
+        </p:spPr>
+        <p:txBody>
+          <a:bodyPr anchor="ctr">
+            <a:normAutofit/>
+          </a:bodyPr>
+          <a:lstStyle/>
+          <a:p>
+            <a:pPr algn="ctr"/>
+            <a:r>
+              <a:rPr lang="da-DK" sz="4400">
+                <a:solidFill>
+                  <a:srgbClr val="FFFFFF"/>
+                </a:solidFill>
+              </a:rPr>
               <a:t>Test af PDF Downloader</a:t>
             </a:r>
           </a:p>
@@ -3365,18 +3778,82 @@
             <p:ph type="subTitle" idx="1"/>
           </p:nvPr>
         </p:nvSpPr>
-        <p:spPr/>
-        <p:txBody>
-          <a:bodyPr/>
-          <a:lstStyle/>
-          <a:p>
-            <a:r>
-              <a:rPr lang="da-DK"/>
+        <p:spPr>
+          <a:xfrm>
+            <a:off x="1261872" y="5595582"/>
+            <a:ext cx="9418320" cy="896658"/>
+          </a:xfrm>
+        </p:spPr>
+        <p:txBody>
+          <a:bodyPr>
+            <a:normAutofit/>
+          </a:bodyPr>
+          <a:lstStyle/>
+          <a:p>
+            <a:pPr algn="r"/>
+            <a:r>
+              <a:rPr lang="da-DK" sz="2000">
+                <a:solidFill>
+                  <a:srgbClr val="FFFFFF"/>
+                </a:solidFill>
+              </a:rPr>
               <a:t>Viktor From</a:t>
             </a:r>
           </a:p>
         </p:txBody>
       </p:sp>
+      <p:cxnSp>
+        <p:nvCxnSpPr>
+          <p:cNvPr id="14" name="Straight Connector 13">
+            <a:extLst>
+              <a:ext uri="{FF2B5EF4-FFF2-40B4-BE49-F238E27FC236}">
+                <a16:creationId xmlns:a16="http://schemas.microsoft.com/office/drawing/2014/main" id="{4D848F31-B9E9-4B45-86EB-66A7D70D487A}"/>
+              </a:ext>
+              <a:ext uri="{C183D7F6-B498-43B3-948B-1728B52AA6E4}">
+                <adec:decorative xmlns:adec="http://schemas.microsoft.com/office/drawing/2017/decorative" val="1"/>
+              </a:ext>
+            </a:extLst>
+          </p:cNvPr>
+          <p:cNvCxnSpPr>
+            <a:cxnSpLocks noGrp="1" noRot="1" noChangeAspect="1" noMove="1" noResize="1" noEditPoints="1" noAdjustHandles="1" noChangeArrowheads="1" noChangeShapeType="1"/>
+          </p:cNvCxnSpPr>
+          <p:nvPr>
+            <p:extLst>
+              <p:ext uri="{386F3935-93C4-4BCD-93E2-E3B085C9AB24}">
+                <p16:designElem xmlns:p16="http://schemas.microsoft.com/office/powerpoint/2015/main" val="1"/>
+              </p:ext>
+            </p:extLst>
+          </p:nvPr>
+        </p:nvCxnSpPr>
+        <p:spPr>
+          <a:xfrm flipH="1">
+            <a:off x="8129873" y="5397500"/>
+            <a:ext cx="2550319" cy="0"/>
+          </a:xfrm>
+          <a:prstGeom prst="line">
+            <a:avLst/>
+          </a:prstGeom>
+          <a:ln w="12700">
+            <a:solidFill>
+              <a:srgbClr val="FFFFFF"/>
+            </a:solidFill>
+          </a:ln>
+        </p:spPr>
+        <p:style>
+          <a:lnRef idx="1">
+            <a:schemeClr val="accent1"/>
+          </a:lnRef>
+          <a:fillRef idx="0">
+            <a:schemeClr val="accent1"/>
+          </a:fillRef>
+          <a:effectRef idx="0">
+            <a:schemeClr val="accent1"/>
+          </a:effectRef>
+          <a:fontRef idx="minor">
+            <a:schemeClr val="tx1"/>
+          </a:fontRef>
+        </p:style>
+      </p:cxnSp>
     </p:spTree>
     <p:extLst>
       <p:ext uri="{BB962C8B-B14F-4D97-AF65-F5344CB8AC3E}">
@@ -3387,114 +3864,1309 @@
   <p:clrMapOvr>
     <a:masterClrMapping/>
   </p:clrMapOvr>
+  <p:transition spd="med">
+    <p:pull/>
+  </p:transition>
+  <p:timing>
+    <p:tnLst>
+      <p:par>
+        <p:cTn id="1" dur="indefinite" restart="never" nodeType="tmRoot">
+          <p:childTnLst>
+            <p:seq concurrent="1" nextAc="seek">
+              <p:cTn id="2" dur="indefinite" nodeType="mainSeq">
+                <p:childTnLst>
+                  <p:par>
+                    <p:cTn id="3" fill="hold">
+                      <p:stCondLst>
+                        <p:cond delay="indefinite"/>
+                        <p:cond evt="onBegin" delay="0">
+                          <p:tn val="2"/>
+                        </p:cond>
+                      </p:stCondLst>
+                      <p:childTnLst>
+                        <p:par>
+                          <p:cTn id="4" fill="hold">
+                            <p:stCondLst>
+                              <p:cond delay="0"/>
+                            </p:stCondLst>
+                            <p:childTnLst>
+                              <p:par>
+                                <p:cTn id="5" presetID="10" presetClass="entr" presetSubtype="0" fill="hold" grpId="0" nodeType="withEffect">
+                                  <p:stCondLst>
+                                    <p:cond delay="1000"/>
+                                  </p:stCondLst>
+                                  <p:iterate type="lt">
+                                    <p:tmPct val="10000"/>
+                                  </p:iterate>
+                                  <p:childTnLst>
+                                    <p:set>
+                                      <p:cBhvr>
+                                        <p:cTn id="6" dur="1" fill="hold">
+                                          <p:stCondLst>
+                                            <p:cond delay="0"/>
+                                          </p:stCondLst>
+                                        </p:cTn>
+                                        <p:tgtEl>
+                                          <p:spTgt spid="2"/>
+                                        </p:tgtEl>
+                                        <p:attrNameLst>
+                                          <p:attrName>style.visibility</p:attrName>
+                                        </p:attrNameLst>
+                                      </p:cBhvr>
+                                      <p:to>
+                                        <p:strVal val="visible"/>
+                                      </p:to>
+                                    </p:set>
+                                    <p:animEffect transition="in" filter="fade">
+                                      <p:cBhvr>
+                                        <p:cTn id="7" dur="400"/>
+                                        <p:tgtEl>
+                                          <p:spTgt spid="2"/>
+                                        </p:tgtEl>
+                                      </p:cBhvr>
+                                    </p:animEffect>
+                                  </p:childTnLst>
+                                </p:cTn>
+                              </p:par>
+                              <p:par>
+                                <p:cTn id="8" presetID="10" presetClass="entr" presetSubtype="0" fill="hold" grpId="0" nodeType="withEffect">
+                                  <p:stCondLst>
+                                    <p:cond delay="2000"/>
+                                  </p:stCondLst>
+                                  <p:iterate type="lt">
+                                    <p:tmPct val="10000"/>
+                                  </p:iterate>
+                                  <p:childTnLst>
+                                    <p:set>
+                                      <p:cBhvr>
+                                        <p:cTn id="9" dur="1" fill="hold">
+                                          <p:stCondLst>
+                                            <p:cond delay="0"/>
+                                          </p:stCondLst>
+                                        </p:cTn>
+                                        <p:tgtEl>
+                                          <p:spTgt spid="3">
+                                            <p:txEl>
+                                              <p:pRg st="0" end="0"/>
+                                            </p:txEl>
+                                          </p:spTgt>
+                                        </p:tgtEl>
+                                        <p:attrNameLst>
+                                          <p:attrName>style.visibility</p:attrName>
+                                        </p:attrNameLst>
+                                      </p:cBhvr>
+                                      <p:to>
+                                        <p:strVal val="visible"/>
+                                      </p:to>
+                                    </p:set>
+                                    <p:animEffect transition="in" filter="fade">
+                                      <p:cBhvr>
+                                        <p:cTn id="10" dur="400"/>
+                                        <p:tgtEl>
+                                          <p:spTgt spid="3">
+                                            <p:txEl>
+                                              <p:pRg st="0" end="0"/>
+                                            </p:txEl>
+                                          </p:spTgt>
+                                        </p:tgtEl>
+                                      </p:cBhvr>
+                                    </p:animEffect>
+                                  </p:childTnLst>
+                                </p:cTn>
+                              </p:par>
+                            </p:childTnLst>
+                          </p:cTn>
+                        </p:par>
+                      </p:childTnLst>
+                    </p:cTn>
+                  </p:par>
+                </p:childTnLst>
+              </p:cTn>
+              <p:prevCondLst>
+                <p:cond evt="onPrev" delay="0">
+                  <p:tgtEl>
+                    <p:sldTgt/>
+                  </p:tgtEl>
+                </p:cond>
+              </p:prevCondLst>
+              <p:nextCondLst>
+                <p:cond evt="onNext" delay="0">
+                  <p:tgtEl>
+                    <p:sldTgt/>
+                  </p:tgtEl>
+                </p:cond>
+              </p:nextCondLst>
+            </p:seq>
+          </p:childTnLst>
+        </p:cTn>
+      </p:par>
+    </p:tnLst>
+    <p:bldLst>
+      <p:bldP spid="2" grpId="0"/>
+      <p:bldP spid="3" grpId="0" build="p"/>
+    </p:bldLst>
+  </p:timing>
+</p:sld>
+</file>
+
+<file path=ppt/slides/slide2.xml><?xml version="1.0" encoding="utf-8"?>
+<p:sld xmlns:a="http://schemas.openxmlformats.org/drawingml/2006/main" xmlns:r="http://schemas.openxmlformats.org/officeDocument/2006/relationships" xmlns:p="http://schemas.openxmlformats.org/presentationml/2006/main">
+  <p:cSld>
+    <p:spTree>
+      <p:nvGrpSpPr>
+        <p:cNvPr id="1" name=""/>
+        <p:cNvGrpSpPr/>
+        <p:nvPr/>
+      </p:nvGrpSpPr>
+      <p:grpSpPr>
+        <a:xfrm>
+          <a:off x="0" y="0"/>
+          <a:ext cx="0" cy="0"/>
+          <a:chOff x="0" y="0"/>
+          <a:chExt cx="0" cy="0"/>
+        </a:xfrm>
+      </p:grpSpPr>
+      <p:sp>
+        <p:nvSpPr>
+          <p:cNvPr id="2" name="Titel 1">
+            <a:extLst>
+              <a:ext uri="{FF2B5EF4-FFF2-40B4-BE49-F238E27FC236}">
+                <a16:creationId xmlns:a16="http://schemas.microsoft.com/office/drawing/2014/main" id="{66A7FB84-B905-7581-6FB1-6A23594A42A7}"/>
+              </a:ext>
+            </a:extLst>
+          </p:cNvPr>
+          <p:cNvSpPr>
+            <a:spLocks noGrp="1"/>
+          </p:cNvSpPr>
+          <p:nvPr>
+            <p:ph type="title"/>
+          </p:nvPr>
+        </p:nvSpPr>
+        <p:spPr/>
+        <p:txBody>
+          <a:bodyPr/>
+          <a:lstStyle/>
+          <a:p>
+            <a:r>
+              <a:rPr lang="da-DK" dirty="0"/>
+              <a:t>Agenda</a:t>
+            </a:r>
+          </a:p>
+        </p:txBody>
+      </p:sp>
+      <p:sp>
+        <p:nvSpPr>
+          <p:cNvPr id="3" name="Pladsholder til indhold 2">
+            <a:extLst>
+              <a:ext uri="{FF2B5EF4-FFF2-40B4-BE49-F238E27FC236}">
+                <a16:creationId xmlns:a16="http://schemas.microsoft.com/office/drawing/2014/main" id="{523484FC-0DD0-6610-71B2-75316371F9F4}"/>
+              </a:ext>
+            </a:extLst>
+          </p:cNvPr>
+          <p:cNvSpPr>
+            <a:spLocks noGrp="1"/>
+          </p:cNvSpPr>
+          <p:nvPr>
+            <p:ph idx="1"/>
+          </p:nvPr>
+        </p:nvSpPr>
+        <p:spPr/>
+        <p:txBody>
+          <a:bodyPr/>
+          <a:lstStyle/>
+          <a:p>
+            <a:r>
+              <a:rPr lang="da-DK" dirty="0"/>
+              <a:t>Kodekvalitet</a:t>
+            </a:r>
+          </a:p>
+          <a:p>
+            <a:r>
+              <a:rPr lang="da-DK" dirty="0"/>
+              <a:t>Funktioner under test.</a:t>
+            </a:r>
+          </a:p>
+          <a:p>
+            <a:r>
+              <a:rPr lang="da-DK" dirty="0"/>
+              <a:t>Design af test.</a:t>
+            </a:r>
+          </a:p>
+          <a:p>
+            <a:r>
+              <a:rPr lang="da-DK" dirty="0"/>
+              <a:t>Testresultater</a:t>
+            </a:r>
+          </a:p>
+          <a:p>
+            <a:r>
+              <a:rPr lang="da-DK" dirty="0"/>
+              <a:t>Konklusion</a:t>
+            </a:r>
+          </a:p>
+        </p:txBody>
+      </p:sp>
+    </p:spTree>
+    <p:extLst>
+      <p:ext uri="{BB962C8B-B14F-4D97-AF65-F5344CB8AC3E}">
+        <p14:creationId xmlns:p14="http://schemas.microsoft.com/office/powerpoint/2010/main" val="2169058682"/>
+      </p:ext>
+    </p:extLst>
+  </p:cSld>
+  <p:clrMapOvr>
+    <a:masterClrMapping/>
+  </p:clrMapOvr>
+  <p:transition spd="med">
+    <p:pull/>
+  </p:transition>
+</p:sld>
+</file>
+
+<file path=ppt/slides/slide3.xml><?xml version="1.0" encoding="utf-8"?>
+<p:sld xmlns:a="http://schemas.openxmlformats.org/drawingml/2006/main" xmlns:r="http://schemas.openxmlformats.org/officeDocument/2006/relationships" xmlns:p="http://schemas.openxmlformats.org/presentationml/2006/main">
+  <p:cSld>
+    <p:spTree>
+      <p:nvGrpSpPr>
+        <p:cNvPr id="1" name=""/>
+        <p:cNvGrpSpPr/>
+        <p:nvPr/>
+      </p:nvGrpSpPr>
+      <p:grpSpPr>
+        <a:xfrm>
+          <a:off x="0" y="0"/>
+          <a:ext cx="0" cy="0"/>
+          <a:chOff x="0" y="0"/>
+          <a:chExt cx="0" cy="0"/>
+        </a:xfrm>
+      </p:grpSpPr>
+      <p:sp>
+        <p:nvSpPr>
+          <p:cNvPr id="2" name="Titel 1">
+            <a:extLst>
+              <a:ext uri="{FF2B5EF4-FFF2-40B4-BE49-F238E27FC236}">
+                <a16:creationId xmlns:a16="http://schemas.microsoft.com/office/drawing/2014/main" id="{CAF2A8DA-0A18-8E2C-F875-00BB42EDB514}"/>
+              </a:ext>
+            </a:extLst>
+          </p:cNvPr>
+          <p:cNvSpPr>
+            <a:spLocks noGrp="1"/>
+          </p:cNvSpPr>
+          <p:nvPr>
+            <p:ph type="title"/>
+          </p:nvPr>
+        </p:nvSpPr>
+        <p:spPr/>
+        <p:txBody>
+          <a:bodyPr/>
+          <a:lstStyle/>
+          <a:p>
+            <a:r>
+              <a:rPr lang="da-DK" dirty="0"/>
+              <a:t>Kodekvalitet</a:t>
+            </a:r>
+          </a:p>
+        </p:txBody>
+      </p:sp>
+      <p:sp>
+        <p:nvSpPr>
+          <p:cNvPr id="3" name="Pladsholder til indhold 2">
+            <a:extLst>
+              <a:ext uri="{FF2B5EF4-FFF2-40B4-BE49-F238E27FC236}">
+                <a16:creationId xmlns:a16="http://schemas.microsoft.com/office/drawing/2014/main" id="{DEEC9944-9E24-0485-55AD-F7FF55B15B29}"/>
+              </a:ext>
+            </a:extLst>
+          </p:cNvPr>
+          <p:cNvSpPr>
+            <a:spLocks noGrp="1"/>
+          </p:cNvSpPr>
+          <p:nvPr>
+            <p:ph idx="1"/>
+          </p:nvPr>
+        </p:nvSpPr>
+        <p:spPr/>
+        <p:txBody>
+          <a:bodyPr/>
+          <a:lstStyle/>
+          <a:p>
+            <a:r>
+              <a:rPr lang="da-DK" dirty="0"/>
+              <a:t>Generelt meget god.</a:t>
+            </a:r>
+          </a:p>
+          <a:p>
+            <a:r>
+              <a:rPr lang="da-DK" dirty="0"/>
+              <a:t>Alt er veldokumenteret</a:t>
+            </a:r>
+          </a:p>
+          <a:p>
+            <a:r>
+              <a:rPr lang="da-DK" dirty="0"/>
+              <a:t>Meget forståelig kode.</a:t>
+            </a:r>
+          </a:p>
+        </p:txBody>
+      </p:sp>
+      <p:pic>
+        <p:nvPicPr>
+          <p:cNvPr id="5" name="Billede 4">
+            <a:extLst>
+              <a:ext uri="{FF2B5EF4-FFF2-40B4-BE49-F238E27FC236}">
+                <a16:creationId xmlns:a16="http://schemas.microsoft.com/office/drawing/2014/main" id="{DC1D7E4F-135B-7484-57B3-B3BA845C842C}"/>
+              </a:ext>
+            </a:extLst>
+          </p:cNvPr>
+          <p:cNvPicPr>
+            <a:picLocks noChangeAspect="1"/>
+          </p:cNvPicPr>
+          <p:nvPr/>
+        </p:nvPicPr>
+        <p:blipFill>
+          <a:blip r:embed="rId2"/>
+          <a:stretch>
+            <a:fillRect/>
+          </a:stretch>
+        </p:blipFill>
+        <p:spPr>
+          <a:xfrm>
+            <a:off x="4123102" y="2492943"/>
+            <a:ext cx="6961596" cy="3161133"/>
+          </a:xfrm>
+          <a:prstGeom prst="rect">
+            <a:avLst/>
+          </a:prstGeom>
+        </p:spPr>
+      </p:pic>
+    </p:spTree>
+    <p:extLst>
+      <p:ext uri="{BB962C8B-B14F-4D97-AF65-F5344CB8AC3E}">
+        <p14:creationId xmlns:p14="http://schemas.microsoft.com/office/powerpoint/2010/main" val="2302548681"/>
+      </p:ext>
+    </p:extLst>
+  </p:cSld>
+  <p:clrMapOvr>
+    <a:masterClrMapping/>
+  </p:clrMapOvr>
+  <p:transition spd="med">
+    <p:pull/>
+  </p:transition>
+</p:sld>
+</file>
+
+<file path=ppt/slides/slide4.xml><?xml version="1.0" encoding="utf-8"?>
+<p:sld xmlns:a="http://schemas.openxmlformats.org/drawingml/2006/main" xmlns:r="http://schemas.openxmlformats.org/officeDocument/2006/relationships" xmlns:p="http://schemas.openxmlformats.org/presentationml/2006/main">
+  <p:cSld>
+    <p:spTree>
+      <p:nvGrpSpPr>
+        <p:cNvPr id="1" name=""/>
+        <p:cNvGrpSpPr/>
+        <p:nvPr/>
+      </p:nvGrpSpPr>
+      <p:grpSpPr>
+        <a:xfrm>
+          <a:off x="0" y="0"/>
+          <a:ext cx="0" cy="0"/>
+          <a:chOff x="0" y="0"/>
+          <a:chExt cx="0" cy="0"/>
+        </a:xfrm>
+      </p:grpSpPr>
+      <p:sp>
+        <p:nvSpPr>
+          <p:cNvPr id="2" name="Titel 1">
+            <a:extLst>
+              <a:ext uri="{FF2B5EF4-FFF2-40B4-BE49-F238E27FC236}">
+                <a16:creationId xmlns:a16="http://schemas.microsoft.com/office/drawing/2014/main" id="{345C2E80-63DC-B22B-CBC1-A3E5263DF95F}"/>
+              </a:ext>
+            </a:extLst>
+          </p:cNvPr>
+          <p:cNvSpPr>
+            <a:spLocks noGrp="1"/>
+          </p:cNvSpPr>
+          <p:nvPr>
+            <p:ph type="title"/>
+          </p:nvPr>
+        </p:nvSpPr>
+        <p:spPr/>
+        <p:txBody>
+          <a:bodyPr/>
+          <a:lstStyle/>
+          <a:p>
+            <a:r>
+              <a:rPr lang="da-DK" dirty="0"/>
+              <a:t>Funktioner under test</a:t>
+            </a:r>
+          </a:p>
+        </p:txBody>
+      </p:sp>
+      <p:sp>
+        <p:nvSpPr>
+          <p:cNvPr id="3" name="Pladsholder til indhold 2">
+            <a:extLst>
+              <a:ext uri="{FF2B5EF4-FFF2-40B4-BE49-F238E27FC236}">
+                <a16:creationId xmlns:a16="http://schemas.microsoft.com/office/drawing/2014/main" id="{EC31C1C9-8B40-8D53-0097-848A6BEB675A}"/>
+              </a:ext>
+            </a:extLst>
+          </p:cNvPr>
+          <p:cNvSpPr>
+            <a:spLocks noGrp="1"/>
+          </p:cNvSpPr>
+          <p:nvPr>
+            <p:ph idx="1"/>
+          </p:nvPr>
+        </p:nvSpPr>
+        <p:spPr/>
+        <p:txBody>
+          <a:bodyPr/>
+          <a:lstStyle/>
+          <a:p>
+            <a:r>
+              <a:rPr lang="da-DK" dirty="0"/>
+              <a:t>8 funktioner under test:</a:t>
+            </a:r>
+          </a:p>
+          <a:p>
+            <a:pPr marL="617220" lvl="1" indent="-342900">
+              <a:buFont typeface="+mj-lt"/>
+              <a:buAutoNum type="arabicPeriod"/>
+            </a:pPr>
+            <a:r>
+              <a:rPr lang="en-US" dirty="0" err="1"/>
+              <a:t>prepare_folders_and_find_pdf_duplicates</a:t>
+            </a:r>
+            <a:endParaRPr lang="en-US" dirty="0"/>
+          </a:p>
+          <a:p>
+            <a:pPr marL="617220" lvl="1" indent="-342900">
+              <a:buFont typeface="+mj-lt"/>
+              <a:buAutoNum type="arabicPeriod"/>
+            </a:pPr>
+            <a:r>
+              <a:rPr lang="en-US" dirty="0" err="1"/>
+              <a:t>load_and_filter_excel_data</a:t>
+            </a:r>
+            <a:endParaRPr lang="en-US" dirty="0"/>
+          </a:p>
+          <a:p>
+            <a:pPr marL="617220" lvl="1" indent="-342900">
+              <a:buFont typeface="+mj-lt"/>
+              <a:buAutoNum type="arabicPeriod"/>
+            </a:pPr>
+            <a:r>
+              <a:rPr lang="da-DK" dirty="0" err="1"/>
+              <a:t>download_pdf</a:t>
+            </a:r>
+            <a:endParaRPr lang="da-DK" dirty="0"/>
+          </a:p>
+          <a:p>
+            <a:pPr marL="617220" lvl="1" indent="-342900">
+              <a:buFont typeface="+mj-lt"/>
+              <a:buAutoNum type="arabicPeriod"/>
+            </a:pPr>
+            <a:r>
+              <a:rPr lang="da-DK" dirty="0" err="1"/>
+              <a:t>process_downloads_threaded</a:t>
+            </a:r>
+            <a:endParaRPr lang="da-DK" dirty="0"/>
+          </a:p>
+          <a:p>
+            <a:pPr marL="617220" lvl="1" indent="-342900">
+              <a:buFont typeface="+mj-lt"/>
+              <a:buAutoNum type="arabicPeriod"/>
+            </a:pPr>
+            <a:r>
+              <a:rPr lang="da-DK" dirty="0" err="1"/>
+              <a:t>delete_downloaded_files</a:t>
+            </a:r>
+            <a:endParaRPr lang="da-DK" dirty="0"/>
+          </a:p>
+          <a:p>
+            <a:pPr marL="617220" lvl="1" indent="-342900">
+              <a:buFont typeface="+mj-lt"/>
+              <a:buAutoNum type="arabicPeriod"/>
+            </a:pPr>
+            <a:r>
+              <a:rPr lang="da-DK" dirty="0" err="1"/>
+              <a:t>summarize_downloads</a:t>
+            </a:r>
+            <a:endParaRPr lang="da-DK" dirty="0"/>
+          </a:p>
+          <a:p>
+            <a:pPr marL="617220" lvl="1" indent="-342900">
+              <a:buFont typeface="+mj-lt"/>
+              <a:buAutoNum type="arabicPeriod"/>
+            </a:pPr>
+            <a:r>
+              <a:rPr lang="da-DK" dirty="0" err="1"/>
+              <a:t>clean_report_file</a:t>
+            </a:r>
+            <a:endParaRPr lang="da-DK" dirty="0"/>
+          </a:p>
+          <a:p>
+            <a:pPr marL="617220" lvl="1" indent="-342900">
+              <a:buFont typeface="+mj-lt"/>
+              <a:buAutoNum type="arabicPeriod"/>
+            </a:pPr>
+            <a:r>
+              <a:rPr lang="da-DK" dirty="0" err="1"/>
+              <a:t>write_to_report</a:t>
+            </a:r>
+            <a:endParaRPr lang="da-DK" dirty="0"/>
+          </a:p>
+          <a:p>
+            <a:pPr marL="617220" lvl="1" indent="-342900">
+              <a:buFont typeface="+mj-lt"/>
+              <a:buAutoNum type="arabicPeriod"/>
+            </a:pPr>
+            <a:endParaRPr lang="en-US" dirty="0"/>
+          </a:p>
+          <a:p>
+            <a:pPr marL="617220" lvl="1" indent="-342900">
+              <a:buFont typeface="+mj-lt"/>
+              <a:buAutoNum type="arabicPeriod"/>
+            </a:pPr>
+            <a:endParaRPr lang="da-DK" dirty="0"/>
+          </a:p>
+        </p:txBody>
+      </p:sp>
+    </p:spTree>
+    <p:extLst>
+      <p:ext uri="{BB962C8B-B14F-4D97-AF65-F5344CB8AC3E}">
+        <p14:creationId xmlns:p14="http://schemas.microsoft.com/office/powerpoint/2010/main" val="451277707"/>
+      </p:ext>
+    </p:extLst>
+  </p:cSld>
+  <p:clrMapOvr>
+    <a:masterClrMapping/>
+  </p:clrMapOvr>
+  <p:transition spd="med">
+    <p:pull/>
+  </p:transition>
+</p:sld>
+</file>
+
+<file path=ppt/slides/slide5.xml><?xml version="1.0" encoding="utf-8"?>
+<p:sld xmlns:a="http://schemas.openxmlformats.org/drawingml/2006/main" xmlns:r="http://schemas.openxmlformats.org/officeDocument/2006/relationships" xmlns:p="http://schemas.openxmlformats.org/presentationml/2006/main">
+  <p:cSld>
+    <p:spTree>
+      <p:nvGrpSpPr>
+        <p:cNvPr id="1" name=""/>
+        <p:cNvGrpSpPr/>
+        <p:nvPr/>
+      </p:nvGrpSpPr>
+      <p:grpSpPr>
+        <a:xfrm>
+          <a:off x="0" y="0"/>
+          <a:ext cx="0" cy="0"/>
+          <a:chOff x="0" y="0"/>
+          <a:chExt cx="0" cy="0"/>
+        </a:xfrm>
+      </p:grpSpPr>
+      <p:sp>
+        <p:nvSpPr>
+          <p:cNvPr id="2" name="Titel 1">
+            <a:extLst>
+              <a:ext uri="{FF2B5EF4-FFF2-40B4-BE49-F238E27FC236}">
+                <a16:creationId xmlns:a16="http://schemas.microsoft.com/office/drawing/2014/main" id="{24E1A95D-DB96-A517-3835-28C4ECB751DC}"/>
+              </a:ext>
+            </a:extLst>
+          </p:cNvPr>
+          <p:cNvSpPr>
+            <a:spLocks noGrp="1"/>
+          </p:cNvSpPr>
+          <p:nvPr>
+            <p:ph type="title"/>
+          </p:nvPr>
+        </p:nvSpPr>
+        <p:spPr/>
+        <p:txBody>
+          <a:bodyPr/>
+          <a:lstStyle/>
+          <a:p>
+            <a:r>
+              <a:rPr lang="da-DK" dirty="0"/>
+              <a:t>Design af test</a:t>
+            </a:r>
+          </a:p>
+        </p:txBody>
+      </p:sp>
+      <p:sp>
+        <p:nvSpPr>
+          <p:cNvPr id="3" name="Pladsholder til indhold 2">
+            <a:extLst>
+              <a:ext uri="{FF2B5EF4-FFF2-40B4-BE49-F238E27FC236}">
+                <a16:creationId xmlns:a16="http://schemas.microsoft.com/office/drawing/2014/main" id="{CC63B482-EF3F-EBDE-CB03-64817F6A5C35}"/>
+              </a:ext>
+            </a:extLst>
+          </p:cNvPr>
+          <p:cNvSpPr>
+            <a:spLocks noGrp="1"/>
+          </p:cNvSpPr>
+          <p:nvPr>
+            <p:ph idx="1"/>
+          </p:nvPr>
+        </p:nvSpPr>
+        <p:spPr/>
+        <p:txBody>
+          <a:bodyPr/>
+          <a:lstStyle/>
+          <a:p>
+            <a:r>
+              <a:rPr lang="da-DK" dirty="0"/>
+              <a:t>Unit tests for hver funktion.</a:t>
+            </a:r>
+          </a:p>
+          <a:p>
+            <a:pPr lvl="1"/>
+            <a:r>
+              <a:rPr lang="da-DK" dirty="0" err="1"/>
+              <a:t>assertEqual</a:t>
+            </a:r>
+            <a:r>
+              <a:rPr lang="da-DK" dirty="0"/>
+              <a:t> for outputs.</a:t>
+            </a:r>
+          </a:p>
+          <a:p>
+            <a:pPr lvl="1"/>
+            <a:r>
+              <a:rPr lang="da-DK" dirty="0"/>
+              <a:t>Patch til at efterligne alle forbindelser</a:t>
+            </a:r>
+          </a:p>
+          <a:p>
+            <a:pPr lvl="1"/>
+            <a:r>
+              <a:rPr lang="da-DK" dirty="0"/>
+              <a:t>Ikke godt design af tests</a:t>
+            </a:r>
+          </a:p>
+          <a:p>
+            <a:r>
+              <a:rPr lang="da-DK" dirty="0"/>
+              <a:t>Integration tests for alle </a:t>
+            </a:r>
+            <a:r>
+              <a:rPr lang="da-DK" dirty="0" err="1"/>
+              <a:t>fuktioner</a:t>
+            </a:r>
+            <a:endParaRPr lang="da-DK" dirty="0"/>
+          </a:p>
+          <a:p>
+            <a:pPr lvl="1"/>
+            <a:endParaRPr lang="da-DK" dirty="0"/>
+          </a:p>
+          <a:p>
+            <a:pPr lvl="1"/>
+            <a:endParaRPr lang="da-DK" dirty="0"/>
+          </a:p>
+        </p:txBody>
+      </p:sp>
+      <p:pic>
+        <p:nvPicPr>
+          <p:cNvPr id="7" name="Billede 6">
+            <a:extLst>
+              <a:ext uri="{FF2B5EF4-FFF2-40B4-BE49-F238E27FC236}">
+                <a16:creationId xmlns:a16="http://schemas.microsoft.com/office/drawing/2014/main" id="{D3771D94-BC83-95A2-39F3-D4C4FC26E06D}"/>
+              </a:ext>
+            </a:extLst>
+          </p:cNvPr>
+          <p:cNvPicPr>
+            <a:picLocks noChangeAspect="1"/>
+          </p:cNvPicPr>
+          <p:nvPr/>
+        </p:nvPicPr>
+        <p:blipFill>
+          <a:blip r:embed="rId2"/>
+          <a:stretch>
+            <a:fillRect/>
+          </a:stretch>
+        </p:blipFill>
+        <p:spPr>
+          <a:xfrm>
+            <a:off x="670694" y="3862878"/>
+            <a:ext cx="9777715" cy="1552018"/>
+          </a:xfrm>
+          <a:prstGeom prst="rect">
+            <a:avLst/>
+          </a:prstGeom>
+        </p:spPr>
+      </p:pic>
+      <p:pic>
+        <p:nvPicPr>
+          <p:cNvPr id="9" name="Billede 8">
+            <a:extLst>
+              <a:ext uri="{FF2B5EF4-FFF2-40B4-BE49-F238E27FC236}">
+                <a16:creationId xmlns:a16="http://schemas.microsoft.com/office/drawing/2014/main" id="{E44610FF-1945-2D4B-F52A-C1307B25909A}"/>
+              </a:ext>
+            </a:extLst>
+          </p:cNvPr>
+          <p:cNvPicPr>
+            <a:picLocks noChangeAspect="1"/>
+          </p:cNvPicPr>
+          <p:nvPr/>
+        </p:nvPicPr>
+        <p:blipFill>
+          <a:blip r:embed="rId3"/>
+          <a:stretch>
+            <a:fillRect/>
+          </a:stretch>
+        </p:blipFill>
+        <p:spPr>
+          <a:xfrm>
+            <a:off x="150519" y="5552374"/>
+            <a:ext cx="11060068" cy="1028844"/>
+          </a:xfrm>
+          <a:prstGeom prst="rect">
+            <a:avLst/>
+          </a:prstGeom>
+        </p:spPr>
+      </p:pic>
+      <p:pic>
+        <p:nvPicPr>
+          <p:cNvPr id="11" name="Billede 10">
+            <a:extLst>
+              <a:ext uri="{FF2B5EF4-FFF2-40B4-BE49-F238E27FC236}">
+                <a16:creationId xmlns:a16="http://schemas.microsoft.com/office/drawing/2014/main" id="{3A4FDCFC-DDB2-572A-B34E-26F4A2E72F45}"/>
+              </a:ext>
+            </a:extLst>
+          </p:cNvPr>
+          <p:cNvPicPr>
+            <a:picLocks noChangeAspect="1"/>
+          </p:cNvPicPr>
+          <p:nvPr/>
+        </p:nvPicPr>
+        <p:blipFill>
+          <a:blip r:embed="rId4"/>
+          <a:stretch>
+            <a:fillRect/>
+          </a:stretch>
+        </p:blipFill>
+        <p:spPr>
+          <a:xfrm>
+            <a:off x="5680553" y="1739504"/>
+            <a:ext cx="4982270" cy="1390844"/>
+          </a:xfrm>
+          <a:prstGeom prst="rect">
+            <a:avLst/>
+          </a:prstGeom>
+        </p:spPr>
+      </p:pic>
+    </p:spTree>
+    <p:extLst>
+      <p:ext uri="{BB962C8B-B14F-4D97-AF65-F5344CB8AC3E}">
+        <p14:creationId xmlns:p14="http://schemas.microsoft.com/office/powerpoint/2010/main" val="1306872264"/>
+      </p:ext>
+    </p:extLst>
+  </p:cSld>
+  <p:clrMapOvr>
+    <a:masterClrMapping/>
+  </p:clrMapOvr>
+  <p:transition spd="med">
+    <p:pull/>
+  </p:transition>
+</p:sld>
+</file>
+
+<file path=ppt/slides/slide6.xml><?xml version="1.0" encoding="utf-8"?>
+<p:sld xmlns:a="http://schemas.openxmlformats.org/drawingml/2006/main" xmlns:r="http://schemas.openxmlformats.org/officeDocument/2006/relationships" xmlns:p="http://schemas.openxmlformats.org/presentationml/2006/main">
+  <p:cSld>
+    <p:spTree>
+      <p:nvGrpSpPr>
+        <p:cNvPr id="1" name=""/>
+        <p:cNvGrpSpPr/>
+        <p:nvPr/>
+      </p:nvGrpSpPr>
+      <p:grpSpPr>
+        <a:xfrm>
+          <a:off x="0" y="0"/>
+          <a:ext cx="0" cy="0"/>
+          <a:chOff x="0" y="0"/>
+          <a:chExt cx="0" cy="0"/>
+        </a:xfrm>
+      </p:grpSpPr>
+      <p:sp>
+        <p:nvSpPr>
+          <p:cNvPr id="2" name="Titel 1">
+            <a:extLst>
+              <a:ext uri="{FF2B5EF4-FFF2-40B4-BE49-F238E27FC236}">
+                <a16:creationId xmlns:a16="http://schemas.microsoft.com/office/drawing/2014/main" id="{38752860-6311-C86E-476A-98C4FED77888}"/>
+              </a:ext>
+            </a:extLst>
+          </p:cNvPr>
+          <p:cNvSpPr>
+            <a:spLocks noGrp="1"/>
+          </p:cNvSpPr>
+          <p:nvPr>
+            <p:ph type="title"/>
+          </p:nvPr>
+        </p:nvSpPr>
+        <p:spPr/>
+        <p:txBody>
+          <a:bodyPr/>
+          <a:lstStyle/>
+          <a:p>
+            <a:r>
+              <a:rPr lang="da-DK" dirty="0"/>
+              <a:t>Testresultater</a:t>
+            </a:r>
+          </a:p>
+        </p:txBody>
+      </p:sp>
+      <p:sp>
+        <p:nvSpPr>
+          <p:cNvPr id="3" name="Pladsholder til indhold 2">
+            <a:extLst>
+              <a:ext uri="{FF2B5EF4-FFF2-40B4-BE49-F238E27FC236}">
+                <a16:creationId xmlns:a16="http://schemas.microsoft.com/office/drawing/2014/main" id="{A1432D90-DD4C-2C49-665F-959EBD0CF837}"/>
+              </a:ext>
+            </a:extLst>
+          </p:cNvPr>
+          <p:cNvSpPr>
+            <a:spLocks noGrp="1"/>
+          </p:cNvSpPr>
+          <p:nvPr>
+            <p:ph idx="1"/>
+          </p:nvPr>
+        </p:nvSpPr>
+        <p:spPr>
+          <a:xfrm>
+            <a:off x="1261872" y="1828800"/>
+            <a:ext cx="3683754" cy="4351337"/>
+          </a:xfrm>
+        </p:spPr>
+        <p:txBody>
+          <a:bodyPr/>
+          <a:lstStyle/>
+          <a:p>
+            <a:r>
+              <a:rPr lang="da-DK" dirty="0"/>
+              <a:t>8 unit tests.</a:t>
+            </a:r>
+          </a:p>
+          <a:p>
+            <a:r>
+              <a:rPr lang="da-DK" dirty="0"/>
+              <a:t>4 integrationstests</a:t>
+            </a:r>
+          </a:p>
+          <a:p>
+            <a:r>
+              <a:rPr lang="da-DK" dirty="0"/>
+              <a:t>Unit tests giver fejl grundet at funktionerne ikke giver </a:t>
+            </a:r>
+            <a:r>
+              <a:rPr lang="da-DK" dirty="0" err="1"/>
+              <a:t>exceptions</a:t>
+            </a:r>
+            <a:r>
+              <a:rPr lang="da-DK" dirty="0"/>
+              <a:t>.</a:t>
+            </a:r>
+          </a:p>
+          <a:p>
+            <a:r>
+              <a:rPr lang="da-DK" dirty="0"/>
+              <a:t>Integrationstests kører fint uden problemer</a:t>
+            </a:r>
+          </a:p>
+          <a:p>
+            <a:endParaRPr lang="da-DK" dirty="0"/>
+          </a:p>
+        </p:txBody>
+      </p:sp>
+      <p:pic>
+        <p:nvPicPr>
+          <p:cNvPr id="7" name="Billede 6">
+            <a:extLst>
+              <a:ext uri="{FF2B5EF4-FFF2-40B4-BE49-F238E27FC236}">
+                <a16:creationId xmlns:a16="http://schemas.microsoft.com/office/drawing/2014/main" id="{5E99049E-E056-D99A-6B5F-11BDFD52C667}"/>
+              </a:ext>
+            </a:extLst>
+          </p:cNvPr>
+          <p:cNvPicPr>
+            <a:picLocks noChangeAspect="1"/>
+          </p:cNvPicPr>
+          <p:nvPr/>
+        </p:nvPicPr>
+        <p:blipFill>
+          <a:blip r:embed="rId2"/>
+          <a:stretch>
+            <a:fillRect/>
+          </a:stretch>
+        </p:blipFill>
+        <p:spPr>
+          <a:xfrm>
+            <a:off x="4855397" y="1941274"/>
+            <a:ext cx="5096586" cy="1952898"/>
+          </a:xfrm>
+          <a:prstGeom prst="rect">
+            <a:avLst/>
+          </a:prstGeom>
+        </p:spPr>
+      </p:pic>
+    </p:spTree>
+    <p:extLst>
+      <p:ext uri="{BB962C8B-B14F-4D97-AF65-F5344CB8AC3E}">
+        <p14:creationId xmlns:p14="http://schemas.microsoft.com/office/powerpoint/2010/main" val="547316651"/>
+      </p:ext>
+    </p:extLst>
+  </p:cSld>
+  <p:clrMapOvr>
+    <a:masterClrMapping/>
+  </p:clrMapOvr>
+  <p:transition spd="med">
+    <p:pull/>
+  </p:transition>
+</p:sld>
+</file>
+
+<file path=ppt/slides/slide7.xml><?xml version="1.0" encoding="utf-8"?>
+<p:sld xmlns:a="http://schemas.openxmlformats.org/drawingml/2006/main" xmlns:r="http://schemas.openxmlformats.org/officeDocument/2006/relationships" xmlns:p="http://schemas.openxmlformats.org/presentationml/2006/main">
+  <p:cSld>
+    <p:spTree>
+      <p:nvGrpSpPr>
+        <p:cNvPr id="1" name=""/>
+        <p:cNvGrpSpPr/>
+        <p:nvPr/>
+      </p:nvGrpSpPr>
+      <p:grpSpPr>
+        <a:xfrm>
+          <a:off x="0" y="0"/>
+          <a:ext cx="0" cy="0"/>
+          <a:chOff x="0" y="0"/>
+          <a:chExt cx="0" cy="0"/>
+        </a:xfrm>
+      </p:grpSpPr>
+      <p:sp>
+        <p:nvSpPr>
+          <p:cNvPr id="2" name="Titel 1">
+            <a:extLst>
+              <a:ext uri="{FF2B5EF4-FFF2-40B4-BE49-F238E27FC236}">
+                <a16:creationId xmlns:a16="http://schemas.microsoft.com/office/drawing/2014/main" id="{C7981F0E-63FC-E7BF-0612-78BA5B79F85F}"/>
+              </a:ext>
+            </a:extLst>
+          </p:cNvPr>
+          <p:cNvSpPr>
+            <a:spLocks noGrp="1"/>
+          </p:cNvSpPr>
+          <p:nvPr>
+            <p:ph type="title"/>
+          </p:nvPr>
+        </p:nvSpPr>
+        <p:spPr/>
+        <p:txBody>
+          <a:bodyPr/>
+          <a:lstStyle/>
+          <a:p>
+            <a:r>
+              <a:rPr lang="da-DK" dirty="0"/>
+              <a:t>Konklusion</a:t>
+            </a:r>
+          </a:p>
+        </p:txBody>
+      </p:sp>
+      <p:sp>
+        <p:nvSpPr>
+          <p:cNvPr id="3" name="Pladsholder til indhold 2">
+            <a:extLst>
+              <a:ext uri="{FF2B5EF4-FFF2-40B4-BE49-F238E27FC236}">
+                <a16:creationId xmlns:a16="http://schemas.microsoft.com/office/drawing/2014/main" id="{2FA8A259-BC4B-6CC9-3854-F18D73D774AA}"/>
+              </a:ext>
+            </a:extLst>
+          </p:cNvPr>
+          <p:cNvSpPr>
+            <a:spLocks noGrp="1"/>
+          </p:cNvSpPr>
+          <p:nvPr>
+            <p:ph idx="1"/>
+          </p:nvPr>
+        </p:nvSpPr>
+        <p:spPr/>
+        <p:txBody>
+          <a:bodyPr/>
+          <a:lstStyle/>
+          <a:p>
+            <a:r>
+              <a:rPr lang="da-DK" dirty="0"/>
+              <a:t>Kode:</a:t>
+            </a:r>
+          </a:p>
+          <a:p>
+            <a:pPr lvl="1"/>
+            <a:r>
+              <a:rPr lang="da-DK" dirty="0"/>
+              <a:t>Velstruktureret.</a:t>
+            </a:r>
+          </a:p>
+          <a:p>
+            <a:pPr lvl="1"/>
+            <a:r>
+              <a:rPr lang="da-DK" dirty="0"/>
+              <a:t>Let forståelig.</a:t>
+            </a:r>
+          </a:p>
+          <a:p>
+            <a:pPr lvl="1"/>
+            <a:r>
+              <a:rPr lang="da-DK" dirty="0"/>
+              <a:t>Godt dokumenteret.</a:t>
+            </a:r>
+          </a:p>
+          <a:p>
+            <a:r>
+              <a:rPr lang="da-DK" dirty="0"/>
+              <a:t>Fejl og mangler.</a:t>
+            </a:r>
+          </a:p>
+          <a:p>
+            <a:pPr lvl="1"/>
+            <a:r>
+              <a:rPr lang="da-DK" dirty="0"/>
+              <a:t>Linje 141, </a:t>
+            </a:r>
+            <a:r>
+              <a:rPr lang="da-DK" dirty="0" err="1"/>
+              <a:t>download_task</a:t>
+            </a:r>
+            <a:r>
+              <a:rPr lang="da-DK" dirty="0"/>
+              <a:t>: </a:t>
+            </a:r>
+            <a:r>
+              <a:rPr lang="da-DK" dirty="0" err="1"/>
+              <a:t>NoneType</a:t>
+            </a:r>
+            <a:r>
+              <a:rPr lang="da-DK" dirty="0"/>
+              <a:t> bliver ikke håndteret ordentligt.</a:t>
+            </a:r>
+          </a:p>
+          <a:p>
+            <a:pPr lvl="1"/>
+            <a:r>
+              <a:rPr lang="da-DK" dirty="0"/>
+              <a:t>Linje 129, </a:t>
+            </a:r>
+            <a:r>
+              <a:rPr lang="da-DK" dirty="0" err="1"/>
+              <a:t>download_task</a:t>
+            </a:r>
+            <a:r>
+              <a:rPr lang="da-DK" dirty="0"/>
+              <a:t>: Skrivning til rapport fejler, da der ikke er defineret noget </a:t>
+            </a:r>
+            <a:r>
+              <a:rPr lang="da-DK" dirty="0" err="1"/>
+              <a:t>report_writer</a:t>
+            </a:r>
+            <a:r>
+              <a:rPr lang="da-DK" dirty="0"/>
+              <a:t> objekt. </a:t>
+            </a:r>
+          </a:p>
+        </p:txBody>
+      </p:sp>
+    </p:spTree>
+    <p:extLst>
+      <p:ext uri="{BB962C8B-B14F-4D97-AF65-F5344CB8AC3E}">
+        <p14:creationId xmlns:p14="http://schemas.microsoft.com/office/powerpoint/2010/main" val="3649170967"/>
+      </p:ext>
+    </p:extLst>
+  </p:cSld>
+  <p:clrMapOvr>
+    <a:masterClrMapping/>
+  </p:clrMapOvr>
+  <p:transition spd="med">
+    <p:pull/>
+  </p:transition>
+</p:sld>
+</file>
+
+<file path=ppt/slides/slide8.xml><?xml version="1.0" encoding="utf-8"?>
+<p:sld xmlns:a="http://schemas.openxmlformats.org/drawingml/2006/main" xmlns:r="http://schemas.openxmlformats.org/officeDocument/2006/relationships" xmlns:p="http://schemas.openxmlformats.org/presentationml/2006/main">
+  <p:cSld>
+    <p:spTree>
+      <p:nvGrpSpPr>
+        <p:cNvPr id="1" name=""/>
+        <p:cNvGrpSpPr/>
+        <p:nvPr/>
+      </p:nvGrpSpPr>
+      <p:grpSpPr>
+        <a:xfrm>
+          <a:off x="0" y="0"/>
+          <a:ext cx="0" cy="0"/>
+          <a:chOff x="0" y="0"/>
+          <a:chExt cx="0" cy="0"/>
+        </a:xfrm>
+      </p:grpSpPr>
+      <p:sp>
+        <p:nvSpPr>
+          <p:cNvPr id="2" name="Titel 1">
+            <a:extLst>
+              <a:ext uri="{FF2B5EF4-FFF2-40B4-BE49-F238E27FC236}">
+                <a16:creationId xmlns:a16="http://schemas.microsoft.com/office/drawing/2014/main" id="{CFE4E1AA-BCF8-467C-3CD8-56DE8896EF7C}"/>
+              </a:ext>
+            </a:extLst>
+          </p:cNvPr>
+          <p:cNvSpPr>
+            <a:spLocks noGrp="1"/>
+          </p:cNvSpPr>
+          <p:nvPr>
+            <p:ph type="title"/>
+          </p:nvPr>
+        </p:nvSpPr>
+        <p:spPr/>
+        <p:txBody>
+          <a:bodyPr/>
+          <a:lstStyle/>
+          <a:p>
+            <a:r>
+              <a:rPr lang="da-DK" dirty="0"/>
+              <a:t>Tak for denne gang</a:t>
+            </a:r>
+          </a:p>
+        </p:txBody>
+      </p:sp>
+      <p:pic>
+        <p:nvPicPr>
+          <p:cNvPr id="5" name="Pladsholder til indhold 4" descr="Et billede, der indeholder tekst, person, Små til mellemstore katte, smil&#10;&#10;AI-genereret indhold kan være ukorrekt.">
+            <a:extLst>
+              <a:ext uri="{FF2B5EF4-FFF2-40B4-BE49-F238E27FC236}">
+                <a16:creationId xmlns:a16="http://schemas.microsoft.com/office/drawing/2014/main" id="{1579E88C-699E-CD58-888C-49D53E41F960}"/>
+              </a:ext>
+            </a:extLst>
+          </p:cNvPr>
+          <p:cNvPicPr>
+            <a:picLocks noGrp="1" noChangeAspect="1"/>
+          </p:cNvPicPr>
+          <p:nvPr>
+            <p:ph idx="1"/>
+          </p:nvPr>
+        </p:nvPicPr>
+        <p:blipFill>
+          <a:blip r:embed="rId2">
+            <a:extLst>
+              <a:ext uri="{28A0092B-C50C-407E-A947-70E740481C1C}">
+                <a14:useLocalDpi xmlns:a14="http://schemas.microsoft.com/office/drawing/2010/main" val="0"/>
+              </a:ext>
+            </a:extLst>
+          </a:blip>
+          <a:stretch>
+            <a:fillRect/>
+          </a:stretch>
+        </p:blipFill>
+        <p:spPr>
+          <a:xfrm>
+            <a:off x="325721" y="1868129"/>
+            <a:ext cx="6318196" cy="4351338"/>
+          </a:xfrm>
+        </p:spPr>
+      </p:pic>
+      <p:pic>
+        <p:nvPicPr>
+          <p:cNvPr id="7" name="Billede 6" descr="Et billede, der indeholder tekst, tegneserie, køretøj, Fiktiv figur&#10;&#10;AI-genereret indhold kan være ukorrekt.">
+            <a:extLst>
+              <a:ext uri="{FF2B5EF4-FFF2-40B4-BE49-F238E27FC236}">
+                <a16:creationId xmlns:a16="http://schemas.microsoft.com/office/drawing/2014/main" id="{F728B190-AEAC-5663-EA35-E6FC04C25DCD}"/>
+              </a:ext>
+            </a:extLst>
+          </p:cNvPr>
+          <p:cNvPicPr>
+            <a:picLocks noChangeAspect="1"/>
+          </p:cNvPicPr>
+          <p:nvPr/>
+        </p:nvPicPr>
+        <p:blipFill>
+          <a:blip r:embed="rId3">
+            <a:extLst>
+              <a:ext uri="{28A0092B-C50C-407E-A947-70E740481C1C}">
+                <a14:useLocalDpi xmlns:a14="http://schemas.microsoft.com/office/drawing/2010/main" val="0"/>
+              </a:ext>
+            </a:extLst>
+          </a:blip>
+          <a:stretch>
+            <a:fillRect/>
+          </a:stretch>
+        </p:blipFill>
+        <p:spPr>
+          <a:xfrm>
+            <a:off x="6722575" y="1868129"/>
+            <a:ext cx="4458023" cy="4513288"/>
+          </a:xfrm>
+          <a:prstGeom prst="rect">
+            <a:avLst/>
+          </a:prstGeom>
+        </p:spPr>
+      </p:pic>
+    </p:spTree>
+    <p:extLst>
+      <p:ext uri="{BB962C8B-B14F-4D97-AF65-F5344CB8AC3E}">
+        <p14:creationId xmlns:p14="http://schemas.microsoft.com/office/powerpoint/2010/main" val="3102309526"/>
+      </p:ext>
+    </p:extLst>
+  </p:cSld>
+  <p:clrMapOvr>
+    <a:masterClrMapping/>
+  </p:clrMapOvr>
+  <p:transition spd="med">
+    <p:pull/>
+  </p:transition>
 </p:sld>
 </file>
 
 <file path=ppt/theme/theme1.xml><?xml version="1.0" encoding="utf-8"?>
-<a:theme xmlns:a="http://schemas.openxmlformats.org/drawingml/2006/main" name="Office-tema">
+<a:theme xmlns:a="http://schemas.openxmlformats.org/drawingml/2006/main" name="Visning">
   <a:themeElements>
-    <a:clrScheme name="Office">
+    <a:clrScheme name="Visning">
       <a:dk1>
-        <a:sysClr val="windowText" lastClr="000000"/>
+        <a:srgbClr val="000000"/>
       </a:dk1>
       <a:lt1>
-        <a:sysClr val="window" lastClr="FFFFFF"/>
+        <a:srgbClr val="FFFFFF"/>
       </a:lt1>
       <a:dk2>
-        <a:srgbClr val="0E2841"/>
+        <a:srgbClr val="46464A"/>
       </a:dk2>
       <a:lt2>
-        <a:srgbClr val="E8E8E8"/>
+        <a:srgbClr val="D6D3CC"/>
       </a:lt2>
       <a:accent1>
-        <a:srgbClr val="156082"/>
+        <a:srgbClr val="6F6F74"/>
       </a:accent1>
       <a:accent2>
-        <a:srgbClr val="E97132"/>
+        <a:srgbClr val="92A9B9"/>
       </a:accent2>
       <a:accent3>
-        <a:srgbClr val="196B24"/>
+        <a:srgbClr val="A7B789"/>
       </a:accent3>
       <a:accent4>
-        <a:srgbClr val="0F9ED5"/>
+        <a:srgbClr val="B9A489"/>
       </a:accent4>
       <a:accent5>
-        <a:srgbClr val="A02B93"/>
+        <a:srgbClr val="8D6374"/>
       </a:accent5>
       <a:accent6>
-        <a:srgbClr val="4EA72E"/>
+        <a:srgbClr val="9B7362"/>
       </a:accent6>
       <a:hlink>
-        <a:srgbClr val="467886"/>
+        <a:srgbClr val="67AABF"/>
       </a:hlink>
       <a:folHlink>
-        <a:srgbClr val="96607D"/>
+        <a:srgbClr val="ABAFA5"/>
       </a:folHlink>
     </a:clrScheme>
-    <a:fontScheme name="Office">
+    <a:fontScheme name="Visning">
       <a:majorFont>
-        <a:latin typeface="Aptos Display" panose="02110004020202020204"/>
+        <a:latin typeface="Century Schoolbook" panose="02040604050505020304"/>
         <a:ea typeface=""/>
         <a:cs typeface=""/>
-        <a:font script="Jpan" typeface="游ゴシック Light"/>
+        <a:font script="Jpan" typeface="ＭＳ ゴシック"/>
         <a:font script="Hang" typeface="맑은 고딕"/>
-        <a:font script="Hans" typeface="等线 Light"/>
+        <a:font script="Hans" typeface="宋体"/>
         <a:font script="Hant" typeface="新細明體"/>
-        <a:font script="Arab" typeface="Times New Roman"/>
-        <a:font script="Hebr" typeface="Times New Roman"/>
-        <a:font script="Thai" typeface="Angsana New"/>
-        <a:font script="Ethi" typeface="Nyala"/>
-        <a:font script="Beng" typeface="Vrinda"/>
-        <a:font script="Gujr" typeface="Shruti"/>
-        <a:font script="Khmr" typeface="MoolBoran"/>
-        <a:font script="Knda" typeface="Tunga"/>
-        <a:font script="Guru" typeface="Raavi"/>
-        <a:font script="Cans" typeface="Euphemia"/>
-        <a:font script="Cher" typeface="Plantagenet Cherokee"/>
-        <a:font script="Yiii" typeface="Microsoft Yi Baiti"/>
-        <a:font script="Tibt" typeface="Microsoft Himalaya"/>
-        <a:font script="Thaa" typeface="MV Boli"/>
-        <a:font script="Deva" typeface="Mangal"/>
-        <a:font script="Telu" typeface="Gautami"/>
-        <a:font script="Taml" typeface="Latha"/>
-        <a:font script="Syrc" typeface="Estrangelo Edessa"/>
-        <a:font script="Orya" typeface="Kalinga"/>
-        <a:font script="Mlym" typeface="Kartika"/>
-        <a:font script="Laoo" typeface="DokChampa"/>
-        <a:font script="Sinh" typeface="Iskoola Pota"/>
-        <a:font script="Mong" typeface="Mongolian Baiti"/>
-        <a:font script="Viet" typeface="Times New Roman"/>
-        <a:font script="Uigh" typeface="Microsoft Uighur"/>
-        <a:font script="Geor" typeface="Sylfaen"/>
-        <a:font script="Armn" typeface="Arial"/>
-        <a:font script="Bugi" typeface="Leelawadee UI"/>
-        <a:font script="Bopo" typeface="Microsoft JhengHei"/>
-        <a:font script="Java" typeface="Javanese Text"/>
-        <a:font script="Lisu" typeface="Segoe UI"/>
-        <a:font script="Mymr" typeface="Myanmar Text"/>
-        <a:font script="Nkoo" typeface="Ebrima"/>
-        <a:font script="Olck" typeface="Nirmala UI"/>
-        <a:font script="Osma" typeface="Ebrima"/>
-        <a:font script="Phag" typeface="Phagspa"/>
-        <a:font script="Syrn" typeface="Estrangelo Edessa"/>
-        <a:font script="Syrj" typeface="Estrangelo Edessa"/>
-        <a:font script="Syre" typeface="Estrangelo Edessa"/>
-        <a:font script="Sora" typeface="Nirmala UI"/>
-        <a:font script="Tale" typeface="Microsoft Tai Le"/>
-        <a:font script="Talu" typeface="Microsoft New Tai Lue"/>
-        <a:font script="Tfng" typeface="Ebrima"/>
-      </a:majorFont>
-      <a:minorFont>
-        <a:latin typeface="Aptos" panose="02110004020202020204"/>
-        <a:ea typeface=""/>
-        <a:cs typeface=""/>
-        <a:font script="Jpan" typeface="游ゴシック"/>
-        <a:font script="Hang" typeface="맑은 고딕"/>
-        <a:font script="Hans" typeface="等线"/>
-        <a:font script="Hant" typeface="新細明體"/>
-        <a:font script="Arab" typeface="Arial"/>
-        <a:font script="Hebr" typeface="Arial"/>
-        <a:font script="Thai" typeface="Cordia New"/>
+        <a:font script="Arab" typeface="Tahoma"/>
+        <a:font script="Hebr" typeface="Gisha"/>
+        <a:font script="Thai" typeface="DilleniaUPC"/>
         <a:font script="Ethi" typeface="Nyala"/>
         <a:font script="Beng" typeface="Vrinda"/>
         <a:font script="Gujr" typeface="Shruti"/>
@@ -3515,107 +5187,86 @@
         <a:font script="Laoo" typeface="DokChampa"/>
         <a:font script="Sinh" typeface="Iskoola Pota"/>
         <a:font script="Mong" typeface="Mongolian Baiti"/>
-        <a:font script="Viet" typeface="Arial"/>
+        <a:font script="Viet" typeface="Tahoma"/>
         <a:font script="Uigh" typeface="Microsoft Uighur"/>
         <a:font script="Geor" typeface="Sylfaen"/>
-        <a:font script="Armn" typeface="Arial"/>
-        <a:font script="Bugi" typeface="Leelawadee UI"/>
-        <a:font script="Bopo" typeface="Microsoft JhengHei"/>
-        <a:font script="Java" typeface="Javanese Text"/>
-        <a:font script="Lisu" typeface="Segoe UI"/>
-        <a:font script="Mymr" typeface="Myanmar Text"/>
-        <a:font script="Nkoo" typeface="Ebrima"/>
-        <a:font script="Olck" typeface="Nirmala UI"/>
-        <a:font script="Osma" typeface="Ebrima"/>
-        <a:font script="Phag" typeface="Phagspa"/>
-        <a:font script="Syrn" typeface="Estrangelo Edessa"/>
-        <a:font script="Syrj" typeface="Estrangelo Edessa"/>
-        <a:font script="Syre" typeface="Estrangelo Edessa"/>
-        <a:font script="Sora" typeface="Nirmala UI"/>
-        <a:font script="Tale" typeface="Microsoft Tai Le"/>
-        <a:font script="Talu" typeface="Microsoft New Tai Lue"/>
-        <a:font script="Tfng" typeface="Ebrima"/>
+      </a:majorFont>
+      <a:minorFont>
+        <a:latin typeface="Century Schoolbook" panose="02040604050505020304"/>
+        <a:ea typeface=""/>
+        <a:cs typeface=""/>
+        <a:font script="Jpan" typeface="ＭＳ ゴシック"/>
+        <a:font script="Hang" typeface="맑은 고딕"/>
+        <a:font script="Hans" typeface="宋体"/>
+        <a:font script="Hant" typeface="新細明體"/>
+        <a:font script="Arab" typeface="Tahoma"/>
+        <a:font script="Hebr" typeface="Gisha"/>
+        <a:font script="Thai" typeface="DilleniaUPC"/>
+        <a:font script="Ethi" typeface="Nyala"/>
+        <a:font script="Beng" typeface="Vrinda"/>
+        <a:font script="Gujr" typeface="Shruti"/>
+        <a:font script="Khmr" typeface="DaunPenh"/>
+        <a:font script="Knda" typeface="Tunga"/>
+        <a:font script="Guru" typeface="Raavi"/>
+        <a:font script="Cans" typeface="Euphemia"/>
+        <a:font script="Cher" typeface="Plantagenet Cherokee"/>
+        <a:font script="Yiii" typeface="Microsoft Yi Baiti"/>
+        <a:font script="Tibt" typeface="Microsoft Himalaya"/>
+        <a:font script="Thaa" typeface="MV Boli"/>
+        <a:font script="Deva" typeface="Mangal"/>
+        <a:font script="Telu" typeface="Gautami"/>
+        <a:font script="Taml" typeface="Latha"/>
+        <a:font script="Syrc" typeface="Estrangelo Edessa"/>
+        <a:font script="Orya" typeface="Kalinga"/>
+        <a:font script="Mlym" typeface="Kartika"/>
+        <a:font script="Laoo" typeface="DokChampa"/>
+        <a:font script="Sinh" typeface="Iskoola Pota"/>
+        <a:font script="Mong" typeface="Mongolian Baiti"/>
+        <a:font script="Viet" typeface="Verdana"/>
+        <a:font script="Uigh" typeface="Microsoft Uighur"/>
+        <a:font script="Geor" typeface="Sylfaen"/>
       </a:minorFont>
     </a:fontScheme>
-    <a:fmtScheme name="Office">
+    <a:fmtScheme name="Visning">
       <a:fillStyleLst>
         <a:solidFill>
           <a:schemeClr val="phClr"/>
         </a:solidFill>
-        <a:gradFill rotWithShape="1">
-          <a:gsLst>
-            <a:gs pos="0">
-              <a:schemeClr val="phClr">
-                <a:lumMod val="110000"/>
-                <a:satMod val="105000"/>
-                <a:tint val="67000"/>
-              </a:schemeClr>
-            </a:gs>
-            <a:gs pos="50000">
-              <a:schemeClr val="phClr">
-                <a:lumMod val="105000"/>
-                <a:satMod val="103000"/>
-                <a:tint val="73000"/>
-              </a:schemeClr>
-            </a:gs>
-            <a:gs pos="100000">
-              <a:schemeClr val="phClr">
-                <a:lumMod val="105000"/>
-                <a:satMod val="109000"/>
-                <a:tint val="81000"/>
-              </a:schemeClr>
-            </a:gs>
-          </a:gsLst>
-          <a:lin ang="5400000" scaled="0"/>
-        </a:gradFill>
-        <a:gradFill rotWithShape="1">
-          <a:gsLst>
-            <a:gs pos="0">
-              <a:schemeClr val="phClr">
-                <a:satMod val="103000"/>
-                <a:lumMod val="102000"/>
-                <a:tint val="94000"/>
-              </a:schemeClr>
-            </a:gs>
-            <a:gs pos="50000">
-              <a:schemeClr val="phClr">
-                <a:satMod val="110000"/>
-                <a:lumMod val="100000"/>
-                <a:shade val="100000"/>
-              </a:schemeClr>
-            </a:gs>
-            <a:gs pos="100000">
-              <a:schemeClr val="phClr">
-                <a:lumMod val="99000"/>
-                <a:satMod val="120000"/>
-                <a:shade val="78000"/>
-              </a:schemeClr>
-            </a:gs>
-          </a:gsLst>
-          <a:lin ang="5400000" scaled="0"/>
-        </a:gradFill>
+        <a:solidFill>
+          <a:schemeClr val="phClr">
+            <a:tint val="60000"/>
+            <a:satMod val="120000"/>
+          </a:schemeClr>
+        </a:solidFill>
+        <a:solidFill>
+          <a:schemeClr val="phClr">
+            <a:shade val="75000"/>
+            <a:satMod val="160000"/>
+          </a:schemeClr>
+        </a:solidFill>
       </a:fillStyleLst>
       <a:lnStyleLst>
-        <a:ln w="12700" cap="flat" cmpd="sng" algn="ctr">
+        <a:ln w="9525" cap="flat" cmpd="sng" algn="ctr">
           <a:solidFill>
             <a:schemeClr val="phClr"/>
           </a:solidFill>
           <a:prstDash val="solid"/>
-          <a:miter lim="800000"/>
         </a:ln>
-        <a:ln w="19050" cap="flat" cmpd="sng" algn="ctr">
+        <a:ln w="13970" cap="flat" cmpd="sng" algn="ctr">
           <a:solidFill>
             <a:schemeClr val="phClr"/>
           </a:solidFill>
           <a:prstDash val="solid"/>
-          <a:miter lim="800000"/>
         </a:ln>
-        <a:ln w="25400" cap="flat" cmpd="sng" algn="ctr">
+        <a:ln w="17145" cap="flat" cmpd="sng" algn="ctr">
           <a:solidFill>
-            <a:schemeClr val="phClr"/>
+            <a:schemeClr val="phClr">
+              <a:shade val="95000"/>
+              <a:alpha val="95000"/>
+              <a:satMod val="150000"/>
+            </a:schemeClr>
           </a:solidFill>
           <a:prstDash val="solid"/>
-          <a:miter lim="800000"/>
         </a:ln>
       </a:lnStyleLst>
       <a:effectStyleLst>
@@ -3623,16 +5274,52 @@
           <a:effectLst/>
         </a:effectStyle>
         <a:effectStyle>
-          <a:effectLst/>
+          <a:effectLst>
+            <a:outerShdw blurRad="50800" dist="15240" dir="5400000" algn="tl" rotWithShape="0">
+              <a:srgbClr val="000000">
+                <a:alpha val="75000"/>
+              </a:srgbClr>
+            </a:outerShdw>
+          </a:effectLst>
+          <a:scene3d>
+            <a:camera prst="orthographicFront">
+              <a:rot lat="0" lon="0" rev="0"/>
+            </a:camera>
+            <a:lightRig rig="brightRoom" dir="tl"/>
+          </a:scene3d>
+          <a:sp3d contourW="9525" prstMaterial="flat">
+            <a:bevelT w="0" h="0" prst="coolSlant"/>
+            <a:contourClr>
+              <a:schemeClr val="phClr">
+                <a:shade val="35000"/>
+                <a:satMod val="130000"/>
+              </a:schemeClr>
+            </a:contourClr>
+          </a:sp3d>
         </a:effectStyle>
         <a:effectStyle>
           <a:effectLst>
-            <a:outerShdw blurRad="57150" dist="19050" dir="5400000" algn="ctr" rotWithShape="0">
+            <a:outerShdw blurRad="76200" dist="25400" dir="5400000" algn="tl" rotWithShape="0">
               <a:srgbClr val="000000">
-                <a:alpha val="63000"/>
+                <a:alpha val="55000"/>
               </a:srgbClr>
             </a:outerShdw>
           </a:effectLst>
+          <a:scene3d>
+            <a:camera prst="orthographicFront">
+              <a:rot lat="0" lon="0" rev="0"/>
+            </a:camera>
+            <a:lightRig rig="brightRoom" dir="tl"/>
+          </a:scene3d>
+          <a:sp3d contourW="19050" prstMaterial="flat">
+            <a:bevelT w="0" h="0" prst="coolSlant"/>
+            <a:contourClr>
+              <a:schemeClr val="phClr">
+                <a:shade val="25000"/>
+                <a:satMod val="140000"/>
+              </a:schemeClr>
+            </a:contourClr>
+          </a:sp3d>
         </a:effectStyle>
       </a:effectStyleLst>
       <a:bgFillStyleLst>
@@ -3649,57 +5336,32 @@
           <a:gsLst>
             <a:gs pos="0">
               <a:schemeClr val="phClr">
-                <a:tint val="93000"/>
-                <a:satMod val="150000"/>
+                <a:tint val="94000"/>
                 <a:shade val="98000"/>
+                <a:satMod val="130000"/>
                 <a:lumMod val="102000"/>
-              </a:schemeClr>
-            </a:gs>
-            <a:gs pos="50000">
-              <a:schemeClr val="phClr">
-                <a:tint val="98000"/>
-                <a:satMod val="130000"/>
-                <a:shade val="90000"/>
-                <a:lumMod val="103000"/>
               </a:schemeClr>
             </a:gs>
             <a:gs pos="100000">
               <a:schemeClr val="phClr">
-                <a:shade val="63000"/>
-                <a:satMod val="120000"/>
+                <a:tint val="98000"/>
+                <a:shade val="78000"/>
+                <a:satMod val="140000"/>
               </a:schemeClr>
             </a:gs>
           </a:gsLst>
-          <a:lin ang="5400000" scaled="0"/>
+          <a:path path="circle">
+            <a:fillToRect l="100000" t="100000" r="100000" b="100000"/>
+          </a:path>
         </a:gradFill>
       </a:bgFillStyleLst>
     </a:fmtScheme>
   </a:themeElements>
-  <a:objectDefaults>
-    <a:lnDef>
-      <a:spPr/>
-      <a:bodyPr/>
-      <a:lstStyle/>
-      <a:style>
-        <a:lnRef idx="2">
-          <a:schemeClr val="accent1"/>
-        </a:lnRef>
-        <a:fillRef idx="0">
-          <a:schemeClr val="accent1"/>
-        </a:fillRef>
-        <a:effectRef idx="1">
-          <a:schemeClr val="accent1"/>
-        </a:effectRef>
-        <a:fontRef idx="minor">
-          <a:schemeClr val="tx1"/>
-        </a:fontRef>
-      </a:style>
-    </a:lnDef>
-  </a:objectDefaults>
+  <a:objectDefaults/>
   <a:extraClrSchemeLst/>
   <a:extLst>
     <a:ext uri="{05A4C25C-085E-4340-85A3-A5531E510DB2}">
-      <thm15:themeFamily xmlns:thm15="http://schemas.microsoft.com/office/thememl/2012/main" name="Office Theme" id="{2E142A2C-CD16-42D6-873A-C26D2A0506FA}" vid="{1BDDFF52-6CD6-40A5-AB3C-68EB2F1E4D0A}"/>
+      <thm15:themeFamily xmlns:thm15="http://schemas.microsoft.com/office/thememl/2012/main" name="View" id="{BA0EB5A6-F2D4-4F82-977B-64ADEE4A2A69}" vid="{3969A8A2-35DB-4E3B-8885-16FD20568674}"/>
     </a:ext>
   </a:extLst>
 </a:theme>

--- a/Test rapport.pptx
+++ b/Test rapport.pptx
@@ -8,11 +8,14 @@
     <p:sldId id="256" r:id="rId2"/>
     <p:sldId id="257" r:id="rId3"/>
     <p:sldId id="258" r:id="rId4"/>
-    <p:sldId id="259" r:id="rId5"/>
-    <p:sldId id="260" r:id="rId6"/>
-    <p:sldId id="261" r:id="rId7"/>
-    <p:sldId id="262" r:id="rId8"/>
-    <p:sldId id="263" r:id="rId9"/>
+    <p:sldId id="267" r:id="rId5"/>
+    <p:sldId id="259" r:id="rId6"/>
+    <p:sldId id="260" r:id="rId7"/>
+    <p:sldId id="261" r:id="rId8"/>
+    <p:sldId id="265" r:id="rId9"/>
+    <p:sldId id="266" r:id="rId10"/>
+    <p:sldId id="262" r:id="rId11"/>
+    <p:sldId id="263" r:id="rId12"/>
   </p:sldIdLst>
   <p:sldSz cx="12192000" cy="6858000"/>
   <p:notesSz cx="6858000" cy="9144000"/>
@@ -392,6 +395,13 @@
             <a:schemeClr val="lt1"/>
           </a:fontRef>
         </p:style>
+        <p:txBody>
+          <a:bodyPr/>
+          <a:lstStyle/>
+          <a:p>
+            <a:endParaRPr lang="da-DK"/>
+          </a:p>
+        </p:txBody>
       </p:sp>
     </p:spTree>
     <p:extLst>
@@ -2873,6 +2883,13 @@
             <a:schemeClr val="lt1"/>
           </a:fontRef>
         </p:style>
+        <p:txBody>
+          <a:bodyPr/>
+          <a:lstStyle/>
+          <a:p>
+            <a:endParaRPr lang="da-DK"/>
+          </a:p>
+        </p:txBody>
       </p:sp>
       <p:sp>
         <p:nvSpPr>
@@ -4009,6 +4026,315 @@
 </p:sld>
 </file>
 
+<file path=ppt/slides/slide10.xml><?xml version="1.0" encoding="utf-8"?>
+<p:sld xmlns:a="http://schemas.openxmlformats.org/drawingml/2006/main" xmlns:r="http://schemas.openxmlformats.org/officeDocument/2006/relationships" xmlns:p="http://schemas.openxmlformats.org/presentationml/2006/main">
+  <p:cSld>
+    <p:spTree>
+      <p:nvGrpSpPr>
+        <p:cNvPr id="1" name=""/>
+        <p:cNvGrpSpPr/>
+        <p:nvPr/>
+      </p:nvGrpSpPr>
+      <p:grpSpPr>
+        <a:xfrm>
+          <a:off x="0" y="0"/>
+          <a:ext cx="0" cy="0"/>
+          <a:chOff x="0" y="0"/>
+          <a:chExt cx="0" cy="0"/>
+        </a:xfrm>
+      </p:grpSpPr>
+      <p:sp>
+        <p:nvSpPr>
+          <p:cNvPr id="2" name="Titel 1">
+            <a:extLst>
+              <a:ext uri="{FF2B5EF4-FFF2-40B4-BE49-F238E27FC236}">
+                <a16:creationId xmlns:a16="http://schemas.microsoft.com/office/drawing/2014/main" id="{C7981F0E-63FC-E7BF-0612-78BA5B79F85F}"/>
+              </a:ext>
+            </a:extLst>
+          </p:cNvPr>
+          <p:cNvSpPr>
+            <a:spLocks noGrp="1"/>
+          </p:cNvSpPr>
+          <p:nvPr>
+            <p:ph type="title"/>
+          </p:nvPr>
+        </p:nvSpPr>
+        <p:spPr/>
+        <p:txBody>
+          <a:bodyPr/>
+          <a:lstStyle/>
+          <a:p>
+            <a:r>
+              <a:rPr lang="da-DK" dirty="0"/>
+              <a:t>Konklusion</a:t>
+            </a:r>
+          </a:p>
+        </p:txBody>
+      </p:sp>
+      <p:sp>
+        <p:nvSpPr>
+          <p:cNvPr id="3" name="Pladsholder til indhold 2">
+            <a:extLst>
+              <a:ext uri="{FF2B5EF4-FFF2-40B4-BE49-F238E27FC236}">
+                <a16:creationId xmlns:a16="http://schemas.microsoft.com/office/drawing/2014/main" id="{2FA8A259-BC4B-6CC9-3854-F18D73D774AA}"/>
+              </a:ext>
+            </a:extLst>
+          </p:cNvPr>
+          <p:cNvSpPr>
+            <a:spLocks noGrp="1"/>
+          </p:cNvSpPr>
+          <p:nvPr>
+            <p:ph idx="1"/>
+          </p:nvPr>
+        </p:nvSpPr>
+        <p:spPr/>
+        <p:txBody>
+          <a:bodyPr/>
+          <a:lstStyle/>
+          <a:p>
+            <a:r>
+              <a:rPr lang="da-DK" dirty="0"/>
+              <a:t>Kode:</a:t>
+            </a:r>
+          </a:p>
+          <a:p>
+            <a:pPr lvl="1"/>
+            <a:r>
+              <a:rPr lang="da-DK" dirty="0"/>
+              <a:t>Velstruktureret.</a:t>
+            </a:r>
+          </a:p>
+          <a:p>
+            <a:pPr lvl="1"/>
+            <a:r>
+              <a:rPr lang="da-DK" dirty="0"/>
+              <a:t>Let forståelig.</a:t>
+            </a:r>
+          </a:p>
+          <a:p>
+            <a:pPr lvl="1"/>
+            <a:r>
+              <a:rPr lang="da-DK" dirty="0"/>
+              <a:t>Godt dokumenteret.</a:t>
+            </a:r>
+          </a:p>
+          <a:p>
+            <a:r>
+              <a:rPr lang="da-DK" dirty="0"/>
+              <a:t>Fejl og mangler.</a:t>
+            </a:r>
+          </a:p>
+          <a:p>
+            <a:pPr lvl="1"/>
+            <a:r>
+              <a:rPr lang="da-DK" dirty="0"/>
+              <a:t>Linje 141, </a:t>
+            </a:r>
+            <a:r>
+              <a:rPr lang="da-DK" dirty="0" err="1"/>
+              <a:t>download_task</a:t>
+            </a:r>
+            <a:r>
+              <a:rPr lang="da-DK" dirty="0"/>
+              <a:t>: </a:t>
+            </a:r>
+            <a:r>
+              <a:rPr lang="da-DK" dirty="0" err="1"/>
+              <a:t>NoneType</a:t>
+            </a:r>
+            <a:r>
+              <a:rPr lang="da-DK" dirty="0"/>
+              <a:t> bliver ikke håndteret ordentligt.</a:t>
+            </a:r>
+          </a:p>
+          <a:p>
+            <a:pPr lvl="1"/>
+            <a:r>
+              <a:rPr lang="da-DK" dirty="0"/>
+              <a:t>Linje 129, </a:t>
+            </a:r>
+            <a:r>
+              <a:rPr lang="da-DK" dirty="0" err="1"/>
+              <a:t>download_task</a:t>
+            </a:r>
+            <a:r>
+              <a:rPr lang="da-DK" dirty="0"/>
+              <a:t>: Skrivning til rapport fejler, da der ikke er defineret noget </a:t>
+            </a:r>
+            <a:r>
+              <a:rPr lang="da-DK" dirty="0" err="1"/>
+              <a:t>report_writer</a:t>
+            </a:r>
+            <a:r>
+              <a:rPr lang="da-DK" dirty="0"/>
+              <a:t> objekt. </a:t>
+            </a:r>
+          </a:p>
+          <a:p>
+            <a:pPr lvl="1"/>
+            <a:r>
+              <a:rPr lang="da-DK" dirty="0"/>
+              <a:t>Linje 250, </a:t>
+            </a:r>
+            <a:r>
+              <a:rPr lang="da-DK" dirty="0" err="1"/>
+              <a:t>summarize_download</a:t>
+            </a:r>
+            <a:r>
+              <a:rPr lang="da-DK" dirty="0"/>
+              <a:t>: Fejl grundet at summary er tom.</a:t>
+            </a:r>
+          </a:p>
+        </p:txBody>
+      </p:sp>
+    </p:spTree>
+    <p:extLst>
+      <p:ext uri="{BB962C8B-B14F-4D97-AF65-F5344CB8AC3E}">
+        <p14:creationId xmlns:p14="http://schemas.microsoft.com/office/powerpoint/2010/main" val="3649170967"/>
+      </p:ext>
+    </p:extLst>
+  </p:cSld>
+  <p:clrMapOvr>
+    <a:masterClrMapping/>
+  </p:clrMapOvr>
+  <p:transition spd="med">
+    <p:pull/>
+  </p:transition>
+</p:sld>
+</file>
+
+<file path=ppt/slides/slide11.xml><?xml version="1.0" encoding="utf-8"?>
+<p:sld xmlns:a="http://schemas.openxmlformats.org/drawingml/2006/main" xmlns:r="http://schemas.openxmlformats.org/officeDocument/2006/relationships" xmlns:p="http://schemas.openxmlformats.org/presentationml/2006/main">
+  <p:cSld>
+    <p:spTree>
+      <p:nvGrpSpPr>
+        <p:cNvPr id="1" name=""/>
+        <p:cNvGrpSpPr/>
+        <p:nvPr/>
+      </p:nvGrpSpPr>
+      <p:grpSpPr>
+        <a:xfrm>
+          <a:off x="0" y="0"/>
+          <a:ext cx="0" cy="0"/>
+          <a:chOff x="0" y="0"/>
+          <a:chExt cx="0" cy="0"/>
+        </a:xfrm>
+      </p:grpSpPr>
+      <p:sp>
+        <p:nvSpPr>
+          <p:cNvPr id="2" name="Titel 1">
+            <a:extLst>
+              <a:ext uri="{FF2B5EF4-FFF2-40B4-BE49-F238E27FC236}">
+                <a16:creationId xmlns:a16="http://schemas.microsoft.com/office/drawing/2014/main" id="{CFE4E1AA-BCF8-467C-3CD8-56DE8896EF7C}"/>
+              </a:ext>
+            </a:extLst>
+          </p:cNvPr>
+          <p:cNvSpPr>
+            <a:spLocks noGrp="1"/>
+          </p:cNvSpPr>
+          <p:nvPr>
+            <p:ph type="title"/>
+          </p:nvPr>
+        </p:nvSpPr>
+        <p:spPr/>
+        <p:txBody>
+          <a:bodyPr/>
+          <a:lstStyle/>
+          <a:p>
+            <a:r>
+              <a:rPr lang="da-DK" dirty="0"/>
+              <a:t>Tak for denne gang</a:t>
+            </a:r>
+          </a:p>
+        </p:txBody>
+      </p:sp>
+      <p:pic>
+        <p:nvPicPr>
+          <p:cNvPr id="5" name="Pladsholder til indhold 4" descr="Et billede, der indeholder tekst, person, Små til mellemstore katte, smil&#10;&#10;AI-genereret indhold kan være ukorrekt.">
+            <a:extLst>
+              <a:ext uri="{FF2B5EF4-FFF2-40B4-BE49-F238E27FC236}">
+                <a16:creationId xmlns:a16="http://schemas.microsoft.com/office/drawing/2014/main" id="{1579E88C-699E-CD58-888C-49D53E41F960}"/>
+              </a:ext>
+            </a:extLst>
+          </p:cNvPr>
+          <p:cNvPicPr>
+            <a:picLocks noGrp="1" noChangeAspect="1"/>
+          </p:cNvPicPr>
+          <p:nvPr>
+            <p:ph idx="1"/>
+          </p:nvPr>
+        </p:nvPicPr>
+        <p:blipFill>
+          <a:blip r:embed="rId2">
+            <a:extLst>
+              <a:ext uri="{28A0092B-C50C-407E-A947-70E740481C1C}">
+                <a14:useLocalDpi xmlns:a14="http://schemas.microsoft.com/office/drawing/2010/main" val="0"/>
+              </a:ext>
+            </a:extLst>
+          </a:blip>
+          <a:stretch>
+            <a:fillRect/>
+          </a:stretch>
+        </p:blipFill>
+        <p:spPr>
+          <a:xfrm>
+            <a:off x="325721" y="1868129"/>
+            <a:ext cx="6318196" cy="4351338"/>
+          </a:xfrm>
+        </p:spPr>
+      </p:pic>
+      <p:pic>
+        <p:nvPicPr>
+          <p:cNvPr id="7" name="Billede 6" descr="Et billede, der indeholder tekst, tegneserie, køretøj, Fiktiv figur&#10;&#10;AI-genereret indhold kan være ukorrekt.">
+            <a:extLst>
+              <a:ext uri="{FF2B5EF4-FFF2-40B4-BE49-F238E27FC236}">
+                <a16:creationId xmlns:a16="http://schemas.microsoft.com/office/drawing/2014/main" id="{F728B190-AEAC-5663-EA35-E6FC04C25DCD}"/>
+              </a:ext>
+            </a:extLst>
+          </p:cNvPr>
+          <p:cNvPicPr>
+            <a:picLocks noChangeAspect="1"/>
+          </p:cNvPicPr>
+          <p:nvPr/>
+        </p:nvPicPr>
+        <p:blipFill>
+          <a:blip r:embed="rId3">
+            <a:extLst>
+              <a:ext uri="{28A0092B-C50C-407E-A947-70E740481C1C}">
+                <a14:useLocalDpi xmlns:a14="http://schemas.microsoft.com/office/drawing/2010/main" val="0"/>
+              </a:ext>
+            </a:extLst>
+          </a:blip>
+          <a:stretch>
+            <a:fillRect/>
+          </a:stretch>
+        </p:blipFill>
+        <p:spPr>
+          <a:xfrm>
+            <a:off x="6722575" y="1868129"/>
+            <a:ext cx="4458023" cy="4513288"/>
+          </a:xfrm>
+          <a:prstGeom prst="rect">
+            <a:avLst/>
+          </a:prstGeom>
+        </p:spPr>
+      </p:pic>
+    </p:spTree>
+    <p:extLst>
+      <p:ext uri="{BB962C8B-B14F-4D97-AF65-F5344CB8AC3E}">
+        <p14:creationId xmlns:p14="http://schemas.microsoft.com/office/powerpoint/2010/main" val="3102309526"/>
+      </p:ext>
+    </p:extLst>
+  </p:cSld>
+  <p:clrMapOvr>
+    <a:masterClrMapping/>
+  </p:clrMapOvr>
+  <p:transition spd="med">
+    <p:pull/>
+  </p:transition>
+</p:sld>
+</file>
+
 <file path=ppt/slides/slide2.xml><?xml version="1.0" encoding="utf-8"?>
 <p:sld xmlns:a="http://schemas.openxmlformats.org/drawingml/2006/main" xmlns:r="http://schemas.openxmlformats.org/officeDocument/2006/relationships" xmlns:p="http://schemas.openxmlformats.org/presentationml/2006/main">
   <p:cSld>
@@ -4078,6 +4404,12 @@
             <a:r>
               <a:rPr lang="da-DK" dirty="0"/>
               <a:t>Kodekvalitet</a:t>
+            </a:r>
+          </a:p>
+          <a:p>
+            <a:r>
+              <a:rPr lang="da-DK" dirty="0"/>
+              <a:t>Testmiljø</a:t>
             </a:r>
           </a:p>
           <a:p>
@@ -4275,7 +4607,7 @@
           <p:cNvPr id="2" name="Titel 1">
             <a:extLst>
               <a:ext uri="{FF2B5EF4-FFF2-40B4-BE49-F238E27FC236}">
-                <a16:creationId xmlns:a16="http://schemas.microsoft.com/office/drawing/2014/main" id="{345C2E80-63DC-B22B-CBC1-A3E5263DF95F}"/>
+                <a16:creationId xmlns:a16="http://schemas.microsoft.com/office/drawing/2014/main" id="{B15732FA-99F0-FD85-1717-F6F6A1ACE041}"/>
               </a:ext>
             </a:extLst>
           </p:cNvPr>
@@ -4293,145 +4625,47 @@
           <a:p>
             <a:r>
               <a:rPr lang="da-DK" dirty="0"/>
-              <a:t>Funktioner under test</a:t>
-            </a:r>
-          </a:p>
-        </p:txBody>
-      </p:sp>
-      <p:sp>
-        <p:nvSpPr>
-          <p:cNvPr id="3" name="Pladsholder til indhold 2">
+              <a:t>Testmiljø</a:t>
+            </a:r>
+          </a:p>
+        </p:txBody>
+      </p:sp>
+      <p:pic>
+        <p:nvPicPr>
+          <p:cNvPr id="4" name="Pladsholder til indhold 3">
             <a:extLst>
               <a:ext uri="{FF2B5EF4-FFF2-40B4-BE49-F238E27FC236}">
-                <a16:creationId xmlns:a16="http://schemas.microsoft.com/office/drawing/2014/main" id="{EC31C1C9-8B40-8D53-0097-848A6BEB675A}"/>
+                <a16:creationId xmlns:a16="http://schemas.microsoft.com/office/drawing/2014/main" id="{A150F7FC-F6B0-A2D4-FDAA-CACF27E9E43C}"/>
               </a:ext>
             </a:extLst>
           </p:cNvPr>
-          <p:cNvSpPr>
-            <a:spLocks noGrp="1"/>
-          </p:cNvSpPr>
+          <p:cNvPicPr>
+            <a:picLocks noGrp="1" noChangeAspect="1"/>
+          </p:cNvPicPr>
           <p:nvPr>
             <p:ph idx="1"/>
           </p:nvPr>
-        </p:nvSpPr>
-        <p:spPr/>
-        <p:txBody>
-          <a:bodyPr/>
-          <a:lstStyle/>
-          <a:p>
-            <a:r>
-              <a:rPr lang="da-DK" dirty="0"/>
-              <a:t>8 funktioner under test:</a:t>
-            </a:r>
-          </a:p>
-          <a:p>
-            <a:pPr marL="617220" lvl="1" indent="-342900">
-              <a:buFont typeface="+mj-lt"/>
-              <a:buAutoNum type="arabicPeriod"/>
-            </a:pPr>
-            <a:r>
-              <a:rPr lang="en-US" dirty="0" err="1"/>
-              <a:t>prepare_folders_and_find_pdf_duplicates</a:t>
-            </a:r>
-            <a:endParaRPr lang="en-US" dirty="0"/>
-          </a:p>
-          <a:p>
-            <a:pPr marL="617220" lvl="1" indent="-342900">
-              <a:buFont typeface="+mj-lt"/>
-              <a:buAutoNum type="arabicPeriod"/>
-            </a:pPr>
-            <a:r>
-              <a:rPr lang="en-US" dirty="0" err="1"/>
-              <a:t>load_and_filter_excel_data</a:t>
-            </a:r>
-            <a:endParaRPr lang="en-US" dirty="0"/>
-          </a:p>
-          <a:p>
-            <a:pPr marL="617220" lvl="1" indent="-342900">
-              <a:buFont typeface="+mj-lt"/>
-              <a:buAutoNum type="arabicPeriod"/>
-            </a:pPr>
-            <a:r>
-              <a:rPr lang="da-DK" dirty="0" err="1"/>
-              <a:t>download_pdf</a:t>
-            </a:r>
-            <a:endParaRPr lang="da-DK" dirty="0"/>
-          </a:p>
-          <a:p>
-            <a:pPr marL="617220" lvl="1" indent="-342900">
-              <a:buFont typeface="+mj-lt"/>
-              <a:buAutoNum type="arabicPeriod"/>
-            </a:pPr>
-            <a:r>
-              <a:rPr lang="da-DK" dirty="0" err="1"/>
-              <a:t>process_downloads_threaded</a:t>
-            </a:r>
-            <a:endParaRPr lang="da-DK" dirty="0"/>
-          </a:p>
-          <a:p>
-            <a:pPr marL="617220" lvl="1" indent="-342900">
-              <a:buFont typeface="+mj-lt"/>
-              <a:buAutoNum type="arabicPeriod"/>
-            </a:pPr>
-            <a:r>
-              <a:rPr lang="da-DK" dirty="0" err="1"/>
-              <a:t>delete_downloaded_files</a:t>
-            </a:r>
-            <a:endParaRPr lang="da-DK" dirty="0"/>
-          </a:p>
-          <a:p>
-            <a:pPr marL="617220" lvl="1" indent="-342900">
-              <a:buFont typeface="+mj-lt"/>
-              <a:buAutoNum type="arabicPeriod"/>
-            </a:pPr>
-            <a:r>
-              <a:rPr lang="da-DK" dirty="0" err="1"/>
-              <a:t>summarize_downloads</a:t>
-            </a:r>
-            <a:endParaRPr lang="da-DK" dirty="0"/>
-          </a:p>
-          <a:p>
-            <a:pPr marL="617220" lvl="1" indent="-342900">
-              <a:buFont typeface="+mj-lt"/>
-              <a:buAutoNum type="arabicPeriod"/>
-            </a:pPr>
-            <a:r>
-              <a:rPr lang="da-DK" dirty="0" err="1"/>
-              <a:t>clean_report_file</a:t>
-            </a:r>
-            <a:endParaRPr lang="da-DK" dirty="0"/>
-          </a:p>
-          <a:p>
-            <a:pPr marL="617220" lvl="1" indent="-342900">
-              <a:buFont typeface="+mj-lt"/>
-              <a:buAutoNum type="arabicPeriod"/>
-            </a:pPr>
-            <a:r>
-              <a:rPr lang="da-DK" dirty="0" err="1"/>
-              <a:t>write_to_report</a:t>
-            </a:r>
-            <a:endParaRPr lang="da-DK" dirty="0"/>
-          </a:p>
-          <a:p>
-            <a:pPr marL="617220" lvl="1" indent="-342900">
-              <a:buFont typeface="+mj-lt"/>
-              <a:buAutoNum type="arabicPeriod"/>
-            </a:pPr>
-            <a:endParaRPr lang="en-US" dirty="0"/>
-          </a:p>
-          <a:p>
-            <a:pPr marL="617220" lvl="1" indent="-342900">
-              <a:buFont typeface="+mj-lt"/>
-              <a:buAutoNum type="arabicPeriod"/>
-            </a:pPr>
-            <a:endParaRPr lang="da-DK" dirty="0"/>
-          </a:p>
-        </p:txBody>
-      </p:sp>
+        </p:nvPicPr>
+        <p:blipFill>
+          <a:blip r:embed="rId2"/>
+          <a:stretch>
+            <a:fillRect/>
+          </a:stretch>
+        </p:blipFill>
+        <p:spPr>
+          <a:xfrm>
+            <a:off x="2498471" y="2603913"/>
+            <a:ext cx="6121908" cy="2801112"/>
+          </a:xfrm>
+          <a:prstGeom prst="rect">
+            <a:avLst/>
+          </a:prstGeom>
+        </p:spPr>
+      </p:pic>
     </p:spTree>
     <p:extLst>
       <p:ext uri="{BB962C8B-B14F-4D97-AF65-F5344CB8AC3E}">
-        <p14:creationId xmlns:p14="http://schemas.microsoft.com/office/powerpoint/2010/main" val="451277707"/>
+        <p14:creationId xmlns:p14="http://schemas.microsoft.com/office/powerpoint/2010/main" val="4269274848"/>
       </p:ext>
     </p:extLst>
   </p:cSld>
@@ -4466,7 +4700,7 @@
           <p:cNvPr id="2" name="Titel 1">
             <a:extLst>
               <a:ext uri="{FF2B5EF4-FFF2-40B4-BE49-F238E27FC236}">
-                <a16:creationId xmlns:a16="http://schemas.microsoft.com/office/drawing/2014/main" id="{24E1A95D-DB96-A517-3835-28C4ECB751DC}"/>
+                <a16:creationId xmlns:a16="http://schemas.microsoft.com/office/drawing/2014/main" id="{345C2E80-63DC-B22B-CBC1-A3E5263DF95F}"/>
               </a:ext>
             </a:extLst>
           </p:cNvPr>
@@ -4484,7 +4718,7 @@
           <a:p>
             <a:r>
               <a:rPr lang="da-DK" dirty="0"/>
-              <a:t>Design af test</a:t>
+              <a:t>Funktioner under test</a:t>
             </a:r>
           </a:p>
         </p:txBody>
@@ -4494,7 +4728,7 @@
           <p:cNvPr id="3" name="Pladsholder til indhold 2">
             <a:extLst>
               <a:ext uri="{FF2B5EF4-FFF2-40B4-BE49-F238E27FC236}">
-                <a16:creationId xmlns:a16="http://schemas.microsoft.com/office/drawing/2014/main" id="{CC63B482-EF3F-EBDE-CB03-64817F6A5C35}"/>
+                <a16:creationId xmlns:a16="http://schemas.microsoft.com/office/drawing/2014/main" id="{EC31C1C9-8B40-8D53-0097-848A6BEB675A}"/>
               </a:ext>
             </a:extLst>
           </p:cNvPr>
@@ -4512,149 +4746,117 @@
           <a:p>
             <a:r>
               <a:rPr lang="da-DK" dirty="0"/>
-              <a:t>Unit tests for hver funktion.</a:t>
-            </a:r>
-          </a:p>
-          <a:p>
-            <a:pPr lvl="1"/>
+              <a:t>8 funktioner under test:</a:t>
+            </a:r>
+          </a:p>
+          <a:p>
+            <a:pPr marL="617220" lvl="1" indent="-342900">
+              <a:buFont typeface="+mj-lt"/>
+              <a:buAutoNum type="arabicPeriod"/>
+            </a:pPr>
+            <a:r>
+              <a:rPr lang="en-US" dirty="0" err="1"/>
+              <a:t>prepare_folders_and_find_pdf_duplicates</a:t>
+            </a:r>
+            <a:endParaRPr lang="en-US" dirty="0"/>
+          </a:p>
+          <a:p>
+            <a:pPr marL="617220" lvl="1" indent="-342900">
+              <a:buFont typeface="+mj-lt"/>
+              <a:buAutoNum type="arabicPeriod"/>
+            </a:pPr>
+            <a:r>
+              <a:rPr lang="en-US" dirty="0" err="1"/>
+              <a:t>load_and_filter_excel_data</a:t>
+            </a:r>
+            <a:endParaRPr lang="en-US" dirty="0"/>
+          </a:p>
+          <a:p>
+            <a:pPr marL="617220" lvl="1" indent="-342900">
+              <a:buFont typeface="+mj-lt"/>
+              <a:buAutoNum type="arabicPeriod"/>
+            </a:pPr>
             <a:r>
               <a:rPr lang="da-DK" dirty="0" err="1"/>
-              <a:t>assertEqual</a:t>
-            </a:r>
-            <a:r>
-              <a:rPr lang="da-DK" dirty="0"/>
-              <a:t> for outputs.</a:t>
-            </a:r>
-          </a:p>
-          <a:p>
-            <a:pPr lvl="1"/>
-            <a:r>
-              <a:rPr lang="da-DK" dirty="0"/>
-              <a:t>Patch til at efterligne alle forbindelser</a:t>
-            </a:r>
-          </a:p>
-          <a:p>
-            <a:pPr lvl="1"/>
-            <a:r>
-              <a:rPr lang="da-DK" dirty="0"/>
-              <a:t>Ikke godt design af tests</a:t>
-            </a:r>
-          </a:p>
-          <a:p>
-            <a:r>
-              <a:rPr lang="da-DK" dirty="0"/>
-              <a:t>Integration tests for alle </a:t>
-            </a:r>
+              <a:t>download_pdf</a:t>
+            </a:r>
+            <a:endParaRPr lang="da-DK" dirty="0"/>
+          </a:p>
+          <a:p>
+            <a:pPr marL="617220" lvl="1" indent="-342900">
+              <a:buFont typeface="+mj-lt"/>
+              <a:buAutoNum type="arabicPeriod"/>
+            </a:pPr>
             <a:r>
               <a:rPr lang="da-DK" dirty="0" err="1"/>
-              <a:t>fuktioner</a:t>
+              <a:t>process_downloads_threaded</a:t>
             </a:r>
             <a:endParaRPr lang="da-DK" dirty="0"/>
           </a:p>
           <a:p>
-            <a:pPr lvl="1"/>
+            <a:pPr marL="617220" lvl="1" indent="-342900">
+              <a:buFont typeface="+mj-lt"/>
+              <a:buAutoNum type="arabicPeriod"/>
+            </a:pPr>
+            <a:r>
+              <a:rPr lang="da-DK" dirty="0" err="1"/>
+              <a:t>delete_downloaded_files</a:t>
+            </a:r>
             <a:endParaRPr lang="da-DK" dirty="0"/>
           </a:p>
           <a:p>
-            <a:pPr lvl="1"/>
+            <a:pPr marL="617220" lvl="1" indent="-342900">
+              <a:buFont typeface="+mj-lt"/>
+              <a:buAutoNum type="arabicPeriod"/>
+            </a:pPr>
+            <a:r>
+              <a:rPr lang="da-DK" dirty="0" err="1"/>
+              <a:t>summarize_downloads</a:t>
+            </a:r>
             <a:endParaRPr lang="da-DK" dirty="0"/>
           </a:p>
-        </p:txBody>
-      </p:sp>
-      <p:pic>
-        <p:nvPicPr>
-          <p:cNvPr id="7" name="Billede 6">
-            <a:extLst>
-              <a:ext uri="{FF2B5EF4-FFF2-40B4-BE49-F238E27FC236}">
-                <a16:creationId xmlns:a16="http://schemas.microsoft.com/office/drawing/2014/main" id="{D3771D94-BC83-95A2-39F3-D4C4FC26E06D}"/>
-              </a:ext>
-            </a:extLst>
-          </p:cNvPr>
-          <p:cNvPicPr>
-            <a:picLocks noChangeAspect="1"/>
-          </p:cNvPicPr>
-          <p:nvPr/>
-        </p:nvPicPr>
-        <p:blipFill>
-          <a:blip r:embed="rId2"/>
-          <a:stretch>
-            <a:fillRect/>
-          </a:stretch>
-        </p:blipFill>
-        <p:spPr>
-          <a:xfrm>
-            <a:off x="670694" y="3862878"/>
-            <a:ext cx="9777715" cy="1552018"/>
-          </a:xfrm>
-          <a:prstGeom prst="rect">
-            <a:avLst/>
-          </a:prstGeom>
-        </p:spPr>
-      </p:pic>
-      <p:pic>
-        <p:nvPicPr>
-          <p:cNvPr id="9" name="Billede 8">
-            <a:extLst>
-              <a:ext uri="{FF2B5EF4-FFF2-40B4-BE49-F238E27FC236}">
-                <a16:creationId xmlns:a16="http://schemas.microsoft.com/office/drawing/2014/main" id="{E44610FF-1945-2D4B-F52A-C1307B25909A}"/>
-              </a:ext>
-            </a:extLst>
-          </p:cNvPr>
-          <p:cNvPicPr>
-            <a:picLocks noChangeAspect="1"/>
-          </p:cNvPicPr>
-          <p:nvPr/>
-        </p:nvPicPr>
-        <p:blipFill>
-          <a:blip r:embed="rId3"/>
-          <a:stretch>
-            <a:fillRect/>
-          </a:stretch>
-        </p:blipFill>
-        <p:spPr>
-          <a:xfrm>
-            <a:off x="150519" y="5552374"/>
-            <a:ext cx="11060068" cy="1028844"/>
-          </a:xfrm>
-          <a:prstGeom prst="rect">
-            <a:avLst/>
-          </a:prstGeom>
-        </p:spPr>
-      </p:pic>
-      <p:pic>
-        <p:nvPicPr>
-          <p:cNvPr id="11" name="Billede 10">
-            <a:extLst>
-              <a:ext uri="{FF2B5EF4-FFF2-40B4-BE49-F238E27FC236}">
-                <a16:creationId xmlns:a16="http://schemas.microsoft.com/office/drawing/2014/main" id="{3A4FDCFC-DDB2-572A-B34E-26F4A2E72F45}"/>
-              </a:ext>
-            </a:extLst>
-          </p:cNvPr>
-          <p:cNvPicPr>
-            <a:picLocks noChangeAspect="1"/>
-          </p:cNvPicPr>
-          <p:nvPr/>
-        </p:nvPicPr>
-        <p:blipFill>
-          <a:blip r:embed="rId4"/>
-          <a:stretch>
-            <a:fillRect/>
-          </a:stretch>
-        </p:blipFill>
-        <p:spPr>
-          <a:xfrm>
-            <a:off x="5680553" y="1739504"/>
-            <a:ext cx="4982270" cy="1390844"/>
-          </a:xfrm>
-          <a:prstGeom prst="rect">
-            <a:avLst/>
-          </a:prstGeom>
-        </p:spPr>
-      </p:pic>
+          <a:p>
+            <a:pPr marL="617220" lvl="1" indent="-342900">
+              <a:buFont typeface="+mj-lt"/>
+              <a:buAutoNum type="arabicPeriod"/>
+            </a:pPr>
+            <a:r>
+              <a:rPr lang="da-DK" dirty="0" err="1"/>
+              <a:t>clean_report_file</a:t>
+            </a:r>
+            <a:endParaRPr lang="da-DK" dirty="0"/>
+          </a:p>
+          <a:p>
+            <a:pPr marL="617220" lvl="1" indent="-342900">
+              <a:buFont typeface="+mj-lt"/>
+              <a:buAutoNum type="arabicPeriod"/>
+            </a:pPr>
+            <a:r>
+              <a:rPr lang="da-DK" dirty="0" err="1"/>
+              <a:t>write_to_report</a:t>
+            </a:r>
+            <a:endParaRPr lang="da-DK" dirty="0"/>
+          </a:p>
+          <a:p>
+            <a:pPr marL="617220" lvl="1" indent="-342900">
+              <a:buFont typeface="+mj-lt"/>
+              <a:buAutoNum type="arabicPeriod"/>
+            </a:pPr>
+            <a:endParaRPr lang="en-US" dirty="0"/>
+          </a:p>
+          <a:p>
+            <a:pPr marL="617220" lvl="1" indent="-342900">
+              <a:buFont typeface="+mj-lt"/>
+              <a:buAutoNum type="arabicPeriod"/>
+            </a:pPr>
+            <a:endParaRPr lang="da-DK" dirty="0"/>
+          </a:p>
+        </p:txBody>
+      </p:sp>
     </p:spTree>
     <p:extLst>
       <p:ext uri="{BB962C8B-B14F-4D97-AF65-F5344CB8AC3E}">
-        <p14:creationId xmlns:p14="http://schemas.microsoft.com/office/powerpoint/2010/main" val="1306872264"/>
+        <p14:creationId xmlns:p14="http://schemas.microsoft.com/office/powerpoint/2010/main" val="451277707"/>
       </p:ext>
     </p:extLst>
   </p:cSld>
@@ -4689,7 +4891,7 @@
           <p:cNvPr id="2" name="Titel 1">
             <a:extLst>
               <a:ext uri="{FF2B5EF4-FFF2-40B4-BE49-F238E27FC236}">
-                <a16:creationId xmlns:a16="http://schemas.microsoft.com/office/drawing/2014/main" id="{38752860-6311-C86E-476A-98C4FED77888}"/>
+                <a16:creationId xmlns:a16="http://schemas.microsoft.com/office/drawing/2014/main" id="{24E1A95D-DB96-A517-3835-28C4ECB751DC}"/>
               </a:ext>
             </a:extLst>
           </p:cNvPr>
@@ -4707,7 +4909,7 @@
           <a:p>
             <a:r>
               <a:rPr lang="da-DK" dirty="0"/>
-              <a:t>Testresultater</a:t>
+              <a:t>Design af test</a:t>
             </a:r>
           </a:p>
         </p:txBody>
@@ -4717,7 +4919,7 @@
           <p:cNvPr id="3" name="Pladsholder til indhold 2">
             <a:extLst>
               <a:ext uri="{FF2B5EF4-FFF2-40B4-BE49-F238E27FC236}">
-                <a16:creationId xmlns:a16="http://schemas.microsoft.com/office/drawing/2014/main" id="{A1432D90-DD4C-2C49-665F-959EBD0CF837}"/>
+                <a16:creationId xmlns:a16="http://schemas.microsoft.com/office/drawing/2014/main" id="{CC63B482-EF3F-EBDE-CB03-64817F6A5C35}"/>
               </a:ext>
             </a:extLst>
           </p:cNvPr>
@@ -4728,58 +4930,61 @@
             <p:ph idx="1"/>
           </p:nvPr>
         </p:nvSpPr>
-        <p:spPr>
-          <a:xfrm>
-            <a:off x="1261872" y="1828800"/>
-            <a:ext cx="3683754" cy="4351337"/>
-          </a:xfrm>
-        </p:spPr>
+        <p:spPr/>
         <p:txBody>
           <a:bodyPr/>
           <a:lstStyle/>
           <a:p>
             <a:r>
               <a:rPr lang="da-DK" dirty="0"/>
-              <a:t>8 unit tests.</a:t>
-            </a:r>
-          </a:p>
-          <a:p>
+              <a:t>Unit tests for hver funktion.</a:t>
+            </a:r>
+          </a:p>
+          <a:p>
+            <a:pPr lvl="1"/>
+            <a:r>
+              <a:rPr lang="da-DK" dirty="0" err="1"/>
+              <a:t>assertEqual</a:t>
+            </a:r>
             <a:r>
               <a:rPr lang="da-DK" dirty="0"/>
-              <a:t>4 integrationstests</a:t>
-            </a:r>
-          </a:p>
-          <a:p>
+              <a:t> for outputs.</a:t>
+            </a:r>
+          </a:p>
+          <a:p>
+            <a:pPr lvl="1"/>
             <a:r>
               <a:rPr lang="da-DK" dirty="0"/>
-              <a:t>Unit tests giver fejl grundet at funktionerne ikke giver </a:t>
+              <a:t>Patch til at efterligne alle forbindelser</a:t>
+            </a:r>
+          </a:p>
+          <a:p>
+            <a:r>
+              <a:rPr lang="da-DK" dirty="0"/>
+              <a:t>Integration tests for alle </a:t>
             </a:r>
             <a:r>
               <a:rPr lang="da-DK" dirty="0" err="1"/>
-              <a:t>exceptions</a:t>
-            </a:r>
-            <a:r>
-              <a:rPr lang="da-DK" dirty="0"/>
-              <a:t>.</a:t>
-            </a:r>
-          </a:p>
-          <a:p>
-            <a:r>
-              <a:rPr lang="da-DK" dirty="0"/>
-              <a:t>Integrationstests kører fint uden problemer</a:t>
-            </a:r>
-          </a:p>
-          <a:p>
+              <a:t>fuktioner</a:t>
+            </a:r>
+            <a:endParaRPr lang="da-DK" dirty="0"/>
+          </a:p>
+          <a:p>
+            <a:pPr lvl="1"/>
+            <a:endParaRPr lang="da-DK" dirty="0"/>
+          </a:p>
+          <a:p>
+            <a:pPr lvl="1"/>
             <a:endParaRPr lang="da-DK" dirty="0"/>
           </a:p>
         </p:txBody>
       </p:sp>
       <p:pic>
         <p:nvPicPr>
-          <p:cNvPr id="7" name="Billede 6">
+          <p:cNvPr id="11" name="Billede 10">
             <a:extLst>
               <a:ext uri="{FF2B5EF4-FFF2-40B4-BE49-F238E27FC236}">
-                <a16:creationId xmlns:a16="http://schemas.microsoft.com/office/drawing/2014/main" id="{5E99049E-E056-D99A-6B5F-11BDFD52C667}"/>
+                <a16:creationId xmlns:a16="http://schemas.microsoft.com/office/drawing/2014/main" id="{3A4FDCFC-DDB2-572A-B34E-26F4A2E72F45}"/>
               </a:ext>
             </a:extLst>
           </p:cNvPr>
@@ -4796,8 +5001,68 @@
         </p:blipFill>
         <p:spPr>
           <a:xfrm>
-            <a:off x="4855397" y="1941274"/>
-            <a:ext cx="5096586" cy="1952898"/>
+            <a:off x="5680553" y="1739504"/>
+            <a:ext cx="4982270" cy="1390844"/>
+          </a:xfrm>
+          <a:prstGeom prst="rect">
+            <a:avLst/>
+          </a:prstGeom>
+        </p:spPr>
+      </p:pic>
+      <p:pic>
+        <p:nvPicPr>
+          <p:cNvPr id="5" name="Billede 4">
+            <a:extLst>
+              <a:ext uri="{FF2B5EF4-FFF2-40B4-BE49-F238E27FC236}">
+                <a16:creationId xmlns:a16="http://schemas.microsoft.com/office/drawing/2014/main" id="{47709003-B84F-07CC-6E7C-30C048344FCC}"/>
+              </a:ext>
+            </a:extLst>
+          </p:cNvPr>
+          <p:cNvPicPr>
+            <a:picLocks noChangeAspect="1"/>
+          </p:cNvPicPr>
+          <p:nvPr/>
+        </p:nvPicPr>
+        <p:blipFill>
+          <a:blip r:embed="rId3"/>
+          <a:stretch>
+            <a:fillRect/>
+          </a:stretch>
+        </p:blipFill>
+        <p:spPr>
+          <a:xfrm>
+            <a:off x="78177" y="3825731"/>
+            <a:ext cx="11204752" cy="1325562"/>
+          </a:xfrm>
+          <a:prstGeom prst="rect">
+            <a:avLst/>
+          </a:prstGeom>
+        </p:spPr>
+      </p:pic>
+      <p:pic>
+        <p:nvPicPr>
+          <p:cNvPr id="8" name="Billede 7">
+            <a:extLst>
+              <a:ext uri="{FF2B5EF4-FFF2-40B4-BE49-F238E27FC236}">
+                <a16:creationId xmlns:a16="http://schemas.microsoft.com/office/drawing/2014/main" id="{BBBE5BD0-8F42-7486-66FF-B7B9FFC223C7}"/>
+              </a:ext>
+            </a:extLst>
+          </p:cNvPr>
+          <p:cNvPicPr>
+            <a:picLocks noChangeAspect="1"/>
+          </p:cNvPicPr>
+          <p:nvPr/>
+        </p:nvPicPr>
+        <p:blipFill>
+          <a:blip r:embed="rId4"/>
+          <a:stretch>
+            <a:fillRect/>
+          </a:stretch>
+        </p:blipFill>
+        <p:spPr>
+          <a:xfrm>
+            <a:off x="78177" y="5320014"/>
+            <a:ext cx="11155332" cy="619211"/>
           </a:xfrm>
           <a:prstGeom prst="rect">
             <a:avLst/>
@@ -4807,7 +5072,7 @@
     </p:spTree>
     <p:extLst>
       <p:ext uri="{BB962C8B-B14F-4D97-AF65-F5344CB8AC3E}">
-        <p14:creationId xmlns:p14="http://schemas.microsoft.com/office/powerpoint/2010/main" val="547316651"/>
+        <p14:creationId xmlns:p14="http://schemas.microsoft.com/office/powerpoint/2010/main" val="1306872264"/>
       </p:ext>
     </p:extLst>
   </p:cSld>
@@ -4842,7 +5107,7 @@
           <p:cNvPr id="2" name="Titel 1">
             <a:extLst>
               <a:ext uri="{FF2B5EF4-FFF2-40B4-BE49-F238E27FC236}">
-                <a16:creationId xmlns:a16="http://schemas.microsoft.com/office/drawing/2014/main" id="{C7981F0E-63FC-E7BF-0612-78BA5B79F85F}"/>
+                <a16:creationId xmlns:a16="http://schemas.microsoft.com/office/drawing/2014/main" id="{38752860-6311-C86E-476A-98C4FED77888}"/>
               </a:ext>
             </a:extLst>
           </p:cNvPr>
@@ -4860,7 +5125,7 @@
           <a:p>
             <a:r>
               <a:rPr lang="da-DK" dirty="0"/>
-              <a:t>Konklusion</a:t>
+              <a:t>Testresultater</a:t>
             </a:r>
           </a:p>
         </p:txBody>
@@ -4870,7 +5135,7 @@
           <p:cNvPr id="3" name="Pladsholder til indhold 2">
             <a:extLst>
               <a:ext uri="{FF2B5EF4-FFF2-40B4-BE49-F238E27FC236}">
-                <a16:creationId xmlns:a16="http://schemas.microsoft.com/office/drawing/2014/main" id="{2FA8A259-BC4B-6CC9-3854-F18D73D774AA}"/>
+                <a16:creationId xmlns:a16="http://schemas.microsoft.com/office/drawing/2014/main" id="{A1432D90-DD4C-2C49-665F-959EBD0CF837}"/>
               </a:ext>
             </a:extLst>
           </p:cNvPr>
@@ -4881,95 +5146,48 @@
             <p:ph idx="1"/>
           </p:nvPr>
         </p:nvSpPr>
-        <p:spPr/>
+        <p:spPr>
+          <a:xfrm>
+            <a:off x="1261872" y="1828800"/>
+            <a:ext cx="3683754" cy="4351337"/>
+          </a:xfrm>
+        </p:spPr>
         <p:txBody>
           <a:bodyPr/>
           <a:lstStyle/>
           <a:p>
             <a:r>
               <a:rPr lang="da-DK" dirty="0"/>
-              <a:t>Kode:</a:t>
-            </a:r>
-          </a:p>
-          <a:p>
-            <a:pPr lvl="1"/>
+              <a:t>8 unit tests.</a:t>
+            </a:r>
+          </a:p>
+          <a:p>
             <a:r>
               <a:rPr lang="da-DK" dirty="0"/>
-              <a:t>Velstruktureret.</a:t>
-            </a:r>
-          </a:p>
-          <a:p>
-            <a:pPr lvl="1"/>
+              <a:t>4 integrationstests</a:t>
+            </a:r>
+          </a:p>
+          <a:p>
             <a:r>
               <a:rPr lang="da-DK" dirty="0"/>
-              <a:t>Let forståelig.</a:t>
-            </a:r>
-          </a:p>
-          <a:p>
-            <a:pPr lvl="1"/>
+              <a:t>Unit tests fejler grundet kodefejl</a:t>
+            </a:r>
+          </a:p>
+          <a:p>
             <a:r>
               <a:rPr lang="da-DK" dirty="0"/>
-              <a:t>Godt dokumenteret.</a:t>
-            </a:r>
-          </a:p>
-          <a:p>
-            <a:r>
-              <a:rPr lang="da-DK" dirty="0"/>
-              <a:t>Fejl og mangler.</a:t>
-            </a:r>
-          </a:p>
-          <a:p>
-            <a:pPr lvl="1"/>
-            <a:r>
-              <a:rPr lang="da-DK" dirty="0"/>
-              <a:t>Linje 141, </a:t>
-            </a:r>
-            <a:r>
-              <a:rPr lang="da-DK" dirty="0" err="1"/>
-              <a:t>download_task</a:t>
-            </a:r>
-            <a:r>
-              <a:rPr lang="da-DK" dirty="0"/>
-              <a:t>: </a:t>
-            </a:r>
-            <a:r>
-              <a:rPr lang="da-DK" dirty="0" err="1"/>
-              <a:t>NoneType</a:t>
-            </a:r>
-            <a:r>
-              <a:rPr lang="da-DK" dirty="0"/>
-              <a:t> bliver ikke håndteret ordentligt.</a:t>
-            </a:r>
-          </a:p>
-          <a:p>
-            <a:pPr lvl="1"/>
-            <a:r>
-              <a:rPr lang="da-DK" dirty="0"/>
-              <a:t>Linje 129, </a:t>
-            </a:r>
-            <a:r>
-              <a:rPr lang="da-DK" dirty="0" err="1"/>
-              <a:t>download_task</a:t>
-            </a:r>
-            <a:r>
-              <a:rPr lang="da-DK" dirty="0"/>
-              <a:t>: Skrivning til rapport fejler, da der ikke er defineret noget </a:t>
-            </a:r>
-            <a:r>
-              <a:rPr lang="da-DK" dirty="0" err="1"/>
-              <a:t>report_writer</a:t>
-            </a:r>
-            <a:r>
-              <a:rPr lang="da-DK" dirty="0"/>
-              <a:t> objekt. </a:t>
-            </a:r>
+              <a:t>Integrationstests fejler grundet samme fejl</a:t>
+            </a:r>
+          </a:p>
+          <a:p>
+            <a:endParaRPr lang="da-DK" dirty="0"/>
           </a:p>
         </p:txBody>
       </p:sp>
     </p:spTree>
     <p:extLst>
       <p:ext uri="{BB962C8B-B14F-4D97-AF65-F5344CB8AC3E}">
-        <p14:creationId xmlns:p14="http://schemas.microsoft.com/office/powerpoint/2010/main" val="3649170967"/>
+        <p14:creationId xmlns:p14="http://schemas.microsoft.com/office/powerpoint/2010/main" val="547316651"/>
       </p:ext>
     </p:extLst>
   </p:cSld>
@@ -5004,7 +5222,7 @@
           <p:cNvPr id="2" name="Titel 1">
             <a:extLst>
               <a:ext uri="{FF2B5EF4-FFF2-40B4-BE49-F238E27FC236}">
-                <a16:creationId xmlns:a16="http://schemas.microsoft.com/office/drawing/2014/main" id="{CFE4E1AA-BCF8-467C-3CD8-56DE8896EF7C}"/>
+                <a16:creationId xmlns:a16="http://schemas.microsoft.com/office/drawing/2014/main" id="{F4F7AD28-432D-C57D-DFFB-5AECBBB38611}"/>
               </a:ext>
             </a:extLst>
           </p:cNvPr>
@@ -5020,88 +5238,248 @@
           <a:bodyPr/>
           <a:lstStyle/>
           <a:p>
-            <a:r>
-              <a:rPr lang="da-DK" dirty="0"/>
-              <a:t>Tak for denne gang</a:t>
-            </a:r>
-          </a:p>
-        </p:txBody>
-      </p:sp>
-      <p:pic>
-        <p:nvPicPr>
-          <p:cNvPr id="5" name="Pladsholder til indhold 4" descr="Et billede, der indeholder tekst, person, Små til mellemstore katte, smil&#10;&#10;AI-genereret indhold kan være ukorrekt.">
+            <a:endParaRPr lang="da-DK" dirty="0"/>
+          </a:p>
+        </p:txBody>
+      </p:sp>
+      <p:sp>
+        <p:nvSpPr>
+          <p:cNvPr id="3" name="Pladsholder til indhold 2">
             <a:extLst>
               <a:ext uri="{FF2B5EF4-FFF2-40B4-BE49-F238E27FC236}">
-                <a16:creationId xmlns:a16="http://schemas.microsoft.com/office/drawing/2014/main" id="{1579E88C-699E-CD58-888C-49D53E41F960}"/>
+                <a16:creationId xmlns:a16="http://schemas.microsoft.com/office/drawing/2014/main" id="{A5B5F65E-02BA-DF00-BAC9-1F32A7B1775F}"/>
               </a:ext>
             </a:extLst>
           </p:cNvPr>
-          <p:cNvPicPr>
-            <a:picLocks noGrp="1" noChangeAspect="1"/>
-          </p:cNvPicPr>
+          <p:cNvSpPr>
+            <a:spLocks noGrp="1"/>
+          </p:cNvSpPr>
           <p:nvPr>
             <p:ph idx="1"/>
           </p:nvPr>
-        </p:nvPicPr>
-        <p:blipFill>
-          <a:blip r:embed="rId2">
-            <a:extLst>
-              <a:ext uri="{28A0092B-C50C-407E-A947-70E740481C1C}">
-                <a14:useLocalDpi xmlns:a14="http://schemas.microsoft.com/office/drawing/2010/main" val="0"/>
-              </a:ext>
-            </a:extLst>
-          </a:blip>
-          <a:stretch>
-            <a:fillRect/>
-          </a:stretch>
-        </p:blipFill>
-        <p:spPr>
-          <a:xfrm>
-            <a:off x="325721" y="1868129"/>
-            <a:ext cx="6318196" cy="4351338"/>
-          </a:xfrm>
-        </p:spPr>
-      </p:pic>
-      <p:pic>
-        <p:nvPicPr>
-          <p:cNvPr id="7" name="Billede 6" descr="Et billede, der indeholder tekst, tegneserie, køretøj, Fiktiv figur&#10;&#10;AI-genereret indhold kan være ukorrekt.">
+        </p:nvSpPr>
+        <p:spPr/>
+        <p:txBody>
+          <a:bodyPr/>
+          <a:lstStyle/>
+          <a:p>
+            <a:endParaRPr lang="da-DK" dirty="0"/>
+          </a:p>
+        </p:txBody>
+      </p:sp>
+      <p:graphicFrame>
+        <p:nvGraphicFramePr>
+          <p:cNvPr id="5" name="Objekt 4">
             <a:extLst>
               <a:ext uri="{FF2B5EF4-FFF2-40B4-BE49-F238E27FC236}">
-                <a16:creationId xmlns:a16="http://schemas.microsoft.com/office/drawing/2014/main" id="{F728B190-AEAC-5663-EA35-E6FC04C25DCD}"/>
+                <a16:creationId xmlns:a16="http://schemas.microsoft.com/office/drawing/2014/main" id="{58E5A834-524E-5341-942B-FD319E893491}"/>
               </a:ext>
             </a:extLst>
           </p:cNvPr>
-          <p:cNvPicPr>
-            <a:picLocks noChangeAspect="1"/>
-          </p:cNvPicPr>
-          <p:nvPr/>
-        </p:nvPicPr>
-        <p:blipFill>
-          <a:blip r:embed="rId3">
-            <a:extLst>
-              <a:ext uri="{28A0092B-C50C-407E-A947-70E740481C1C}">
-                <a14:useLocalDpi xmlns:a14="http://schemas.microsoft.com/office/drawing/2010/main" val="0"/>
-              </a:ext>
-            </a:extLst>
-          </a:blip>
-          <a:stretch>
-            <a:fillRect/>
-          </a:stretch>
-        </p:blipFill>
-        <p:spPr>
-          <a:xfrm>
-            <a:off x="6722575" y="1868129"/>
-            <a:ext cx="4458023" cy="4513288"/>
-          </a:xfrm>
-          <a:prstGeom prst="rect">
-            <a:avLst/>
-          </a:prstGeom>
-        </p:spPr>
-      </p:pic>
+          <p:cNvGraphicFramePr>
+            <a:graphicFrameLocks noChangeAspect="1"/>
+          </p:cNvGraphicFramePr>
+          <p:nvPr>
+            <p:extLst>
+              <p:ext uri="{D42A27DB-BD31-4B8C-83A1-F6EECF244321}">
+                <p14:modId xmlns:p14="http://schemas.microsoft.com/office/powerpoint/2010/main" val="2363674792"/>
+              </p:ext>
+            </p:extLst>
+          </p:nvPr>
+        </p:nvGraphicFramePr>
+        <p:xfrm>
+          <a:off x="1042416" y="384268"/>
+          <a:ext cx="8814815" cy="5753008"/>
+        </p:xfrm>
+        <a:graphic>
+          <a:graphicData uri="http://schemas.openxmlformats.org/presentationml/2006/ole">
+            <mc:AlternateContent xmlns:mc="http://schemas.openxmlformats.org/markup-compatibility/2006">
+              <mc:Choice xmlns:v="urn:schemas-microsoft-com:vml" Requires="v">
+                <p:oleObj name="Document" r:id="rId2" imgW="6120457" imgH="8126932" progId="Word.Document.12">
+                  <p:embed/>
+                </p:oleObj>
+              </mc:Choice>
+              <mc:Fallback>
+                <p:oleObj name="Document" r:id="rId2" imgW="6120457" imgH="8126932" progId="Word.Document.12">
+                  <p:embed/>
+                  <p:pic>
+                    <p:nvPicPr>
+                      <p:cNvPr id="0" name=""/>
+                      <p:cNvPicPr/>
+                      <p:nvPr/>
+                    </p:nvPicPr>
+                    <p:blipFill>
+                      <a:blip r:embed="rId3"/>
+                      <a:stretch>
+                        <a:fillRect/>
+                      </a:stretch>
+                    </p:blipFill>
+                    <p:spPr>
+                      <a:xfrm>
+                        <a:off x="1042416" y="384268"/>
+                        <a:ext cx="8814815" cy="5753008"/>
+                      </a:xfrm>
+                      <a:prstGeom prst="rect">
+                        <a:avLst/>
+                      </a:prstGeom>
+                    </p:spPr>
+                  </p:pic>
+                </p:oleObj>
+              </mc:Fallback>
+            </mc:AlternateContent>
+          </a:graphicData>
+        </a:graphic>
+      </p:graphicFrame>
     </p:spTree>
     <p:extLst>
       <p:ext uri="{BB962C8B-B14F-4D97-AF65-F5344CB8AC3E}">
-        <p14:creationId xmlns:p14="http://schemas.microsoft.com/office/powerpoint/2010/main" val="3102309526"/>
+        <p14:creationId xmlns:p14="http://schemas.microsoft.com/office/powerpoint/2010/main" val="2994112397"/>
+      </p:ext>
+    </p:extLst>
+  </p:cSld>
+  <p:clrMapOvr>
+    <a:masterClrMapping/>
+  </p:clrMapOvr>
+  <p:transition spd="med">
+    <p:pull/>
+  </p:transition>
+</p:sld>
+</file>
+
+<file path=ppt/slides/slide9.xml><?xml version="1.0" encoding="utf-8"?>
+<p:sld xmlns:a="http://schemas.openxmlformats.org/drawingml/2006/main" xmlns:r="http://schemas.openxmlformats.org/officeDocument/2006/relationships" xmlns:p="http://schemas.openxmlformats.org/presentationml/2006/main">
+  <p:cSld>
+    <p:spTree>
+      <p:nvGrpSpPr>
+        <p:cNvPr id="1" name=""/>
+        <p:cNvGrpSpPr/>
+        <p:nvPr/>
+      </p:nvGrpSpPr>
+      <p:grpSpPr>
+        <a:xfrm>
+          <a:off x="0" y="0"/>
+          <a:ext cx="0" cy="0"/>
+          <a:chOff x="0" y="0"/>
+          <a:chExt cx="0" cy="0"/>
+        </a:xfrm>
+      </p:grpSpPr>
+      <p:sp>
+        <p:nvSpPr>
+          <p:cNvPr id="2" name="Titel 1">
+            <a:extLst>
+              <a:ext uri="{FF2B5EF4-FFF2-40B4-BE49-F238E27FC236}">
+                <a16:creationId xmlns:a16="http://schemas.microsoft.com/office/drawing/2014/main" id="{018D5FDC-7D37-BBA0-D380-70A7894F4120}"/>
+              </a:ext>
+            </a:extLst>
+          </p:cNvPr>
+          <p:cNvSpPr>
+            <a:spLocks noGrp="1"/>
+          </p:cNvSpPr>
+          <p:nvPr>
+            <p:ph type="title"/>
+          </p:nvPr>
+        </p:nvSpPr>
+        <p:spPr/>
+        <p:txBody>
+          <a:bodyPr/>
+          <a:lstStyle/>
+          <a:p>
+            <a:endParaRPr lang="da-DK"/>
+          </a:p>
+        </p:txBody>
+      </p:sp>
+      <p:sp>
+        <p:nvSpPr>
+          <p:cNvPr id="3" name="Pladsholder til indhold 2">
+            <a:extLst>
+              <a:ext uri="{FF2B5EF4-FFF2-40B4-BE49-F238E27FC236}">
+                <a16:creationId xmlns:a16="http://schemas.microsoft.com/office/drawing/2014/main" id="{8130F96E-3690-07A3-D7BC-7F9411870DD9}"/>
+              </a:ext>
+            </a:extLst>
+          </p:cNvPr>
+          <p:cNvSpPr>
+            <a:spLocks noGrp="1"/>
+          </p:cNvSpPr>
+          <p:nvPr>
+            <p:ph idx="1"/>
+          </p:nvPr>
+        </p:nvSpPr>
+        <p:spPr/>
+        <p:txBody>
+          <a:bodyPr/>
+          <a:lstStyle/>
+          <a:p>
+            <a:endParaRPr lang="da-DK" dirty="0"/>
+          </a:p>
+        </p:txBody>
+      </p:sp>
+      <p:graphicFrame>
+        <p:nvGraphicFramePr>
+          <p:cNvPr id="5" name="Objekt 4">
+            <a:extLst>
+              <a:ext uri="{FF2B5EF4-FFF2-40B4-BE49-F238E27FC236}">
+                <a16:creationId xmlns:a16="http://schemas.microsoft.com/office/drawing/2014/main" id="{25657058-A15B-F56A-5BFA-446CDE158E14}"/>
+              </a:ext>
+            </a:extLst>
+          </p:cNvPr>
+          <p:cNvGraphicFramePr>
+            <a:graphicFrameLocks noChangeAspect="1"/>
+          </p:cNvGraphicFramePr>
+          <p:nvPr>
+            <p:extLst>
+              <p:ext uri="{D42A27DB-BD31-4B8C-83A1-F6EECF244321}">
+                <p14:modId xmlns:p14="http://schemas.microsoft.com/office/powerpoint/2010/main" val="57814726"/>
+              </p:ext>
+            </p:extLst>
+          </p:nvPr>
+        </p:nvGraphicFramePr>
+        <p:xfrm>
+          <a:off x="1773936" y="719138"/>
+          <a:ext cx="7616952" cy="5418137"/>
+        </p:xfrm>
+        <a:graphic>
+          <a:graphicData uri="http://schemas.openxmlformats.org/presentationml/2006/ole">
+            <mc:AlternateContent xmlns:mc="http://schemas.openxmlformats.org/markup-compatibility/2006">
+              <mc:Choice xmlns:v="urn:schemas-microsoft-com:vml" Requires="v">
+                <p:oleObj name="Document" r:id="rId2" imgW="6120457" imgH="7945845" progId="Word.Document.12">
+                  <p:embed/>
+                </p:oleObj>
+              </mc:Choice>
+              <mc:Fallback>
+                <p:oleObj name="Document" r:id="rId2" imgW="6120457" imgH="7945845" progId="Word.Document.12">
+                  <p:embed/>
+                  <p:pic>
+                    <p:nvPicPr>
+                      <p:cNvPr id="0" name=""/>
+                      <p:cNvPicPr/>
+                      <p:nvPr/>
+                    </p:nvPicPr>
+                    <p:blipFill>
+                      <a:blip r:embed="rId3"/>
+                      <a:stretch>
+                        <a:fillRect/>
+                      </a:stretch>
+                    </p:blipFill>
+                    <p:spPr>
+                      <a:xfrm>
+                        <a:off x="1773936" y="719138"/>
+                        <a:ext cx="7616952" cy="5418137"/>
+                      </a:xfrm>
+                      <a:prstGeom prst="rect">
+                        <a:avLst/>
+                      </a:prstGeom>
+                    </p:spPr>
+                  </p:pic>
+                </p:oleObj>
+              </mc:Fallback>
+            </mc:AlternateContent>
+          </a:graphicData>
+        </a:graphic>
+      </p:graphicFrame>
+    </p:spTree>
+    <p:extLst>
+      <p:ext uri="{BB962C8B-B14F-4D97-AF65-F5344CB8AC3E}">
+        <p14:creationId xmlns:p14="http://schemas.microsoft.com/office/powerpoint/2010/main" val="3447447258"/>
       </p:ext>
     </p:extLst>
   </p:cSld>
